--- a/images/draw.pptx
+++ b/images/draw.pptx
@@ -263,7 +263,7 @@
           <a:p>
             <a:fld id="{F3B8E073-128F-49A8-A50F-B9D43F2C8A21}" type="datetimeFigureOut">
               <a:rPr lang="en-CA" smtClean="0"/>
-              <a:t>2024-08-11</a:t>
+              <a:t>2024-10-06</a:t>
             </a:fld>
             <a:endParaRPr lang="en-CA"/>
           </a:p>
@@ -463,7 +463,7 @@
           <a:p>
             <a:fld id="{F3B8E073-128F-49A8-A50F-B9D43F2C8A21}" type="datetimeFigureOut">
               <a:rPr lang="en-CA" smtClean="0"/>
-              <a:t>2024-08-11</a:t>
+              <a:t>2024-10-06</a:t>
             </a:fld>
             <a:endParaRPr lang="en-CA"/>
           </a:p>
@@ -673,7 +673,7 @@
           <a:p>
             <a:fld id="{F3B8E073-128F-49A8-A50F-B9D43F2C8A21}" type="datetimeFigureOut">
               <a:rPr lang="en-CA" smtClean="0"/>
-              <a:t>2024-08-11</a:t>
+              <a:t>2024-10-06</a:t>
             </a:fld>
             <a:endParaRPr lang="en-CA"/>
           </a:p>
@@ -873,7 +873,7 @@
           <a:p>
             <a:fld id="{F3B8E073-128F-49A8-A50F-B9D43F2C8A21}" type="datetimeFigureOut">
               <a:rPr lang="en-CA" smtClean="0"/>
-              <a:t>2024-08-11</a:t>
+              <a:t>2024-10-06</a:t>
             </a:fld>
             <a:endParaRPr lang="en-CA"/>
           </a:p>
@@ -1149,7 +1149,7 @@
           <a:p>
             <a:fld id="{F3B8E073-128F-49A8-A50F-B9D43F2C8A21}" type="datetimeFigureOut">
               <a:rPr lang="en-CA" smtClean="0"/>
-              <a:t>2024-08-11</a:t>
+              <a:t>2024-10-06</a:t>
             </a:fld>
             <a:endParaRPr lang="en-CA"/>
           </a:p>
@@ -1417,7 +1417,7 @@
           <a:p>
             <a:fld id="{F3B8E073-128F-49A8-A50F-B9D43F2C8A21}" type="datetimeFigureOut">
               <a:rPr lang="en-CA" smtClean="0"/>
-              <a:t>2024-08-11</a:t>
+              <a:t>2024-10-06</a:t>
             </a:fld>
             <a:endParaRPr lang="en-CA"/>
           </a:p>
@@ -1832,7 +1832,7 @@
           <a:p>
             <a:fld id="{F3B8E073-128F-49A8-A50F-B9D43F2C8A21}" type="datetimeFigureOut">
               <a:rPr lang="en-CA" smtClean="0"/>
-              <a:t>2024-08-11</a:t>
+              <a:t>2024-10-06</a:t>
             </a:fld>
             <a:endParaRPr lang="en-CA"/>
           </a:p>
@@ -1974,7 +1974,7 @@
           <a:p>
             <a:fld id="{F3B8E073-128F-49A8-A50F-B9D43F2C8A21}" type="datetimeFigureOut">
               <a:rPr lang="en-CA" smtClean="0"/>
-              <a:t>2024-08-11</a:t>
+              <a:t>2024-10-06</a:t>
             </a:fld>
             <a:endParaRPr lang="en-CA"/>
           </a:p>
@@ -2087,7 +2087,7 @@
           <a:p>
             <a:fld id="{F3B8E073-128F-49A8-A50F-B9D43F2C8A21}" type="datetimeFigureOut">
               <a:rPr lang="en-CA" smtClean="0"/>
-              <a:t>2024-08-11</a:t>
+              <a:t>2024-10-06</a:t>
             </a:fld>
             <a:endParaRPr lang="en-CA"/>
           </a:p>
@@ -2400,7 +2400,7 @@
           <a:p>
             <a:fld id="{F3B8E073-128F-49A8-A50F-B9D43F2C8A21}" type="datetimeFigureOut">
               <a:rPr lang="en-CA" smtClean="0"/>
-              <a:t>2024-08-11</a:t>
+              <a:t>2024-10-06</a:t>
             </a:fld>
             <a:endParaRPr lang="en-CA"/>
           </a:p>
@@ -2689,7 +2689,7 @@
           <a:p>
             <a:fld id="{F3B8E073-128F-49A8-A50F-B9D43F2C8A21}" type="datetimeFigureOut">
               <a:rPr lang="en-CA" smtClean="0"/>
-              <a:t>2024-08-11</a:t>
+              <a:t>2024-10-06</a:t>
             </a:fld>
             <a:endParaRPr lang="en-CA"/>
           </a:p>
@@ -2932,7 +2932,7 @@
           <a:p>
             <a:fld id="{F3B8E073-128F-49A8-A50F-B9D43F2C8A21}" type="datetimeFigureOut">
               <a:rPr lang="en-CA" smtClean="0"/>
-              <a:t>2024-08-11</a:t>
+              <a:t>2024-10-06</a:t>
             </a:fld>
             <a:endParaRPr lang="en-CA"/>
           </a:p>
@@ -17551,45 +17551,7 @@
         </p:nvCxnSpPr>
         <p:spPr>
           <a:xfrm>
-            <a:off x="1512338" y="4491755"/>
-            <a:ext cx="1908000" cy="0"/>
-          </a:xfrm>
-          <a:prstGeom prst="line">
-            <a:avLst/>
-          </a:prstGeom>
-        </p:spPr>
-        <p:style>
-          <a:lnRef idx="2">
-            <a:schemeClr val="dk1"/>
-          </a:lnRef>
-          <a:fillRef idx="0">
-            <a:schemeClr val="dk1"/>
-          </a:fillRef>
-          <a:effectRef idx="1">
-            <a:schemeClr val="dk1"/>
-          </a:effectRef>
-          <a:fontRef idx="minor">
-            <a:schemeClr val="tx1"/>
-          </a:fontRef>
-        </p:style>
-      </p:cxnSp>
-      <p:cxnSp>
-        <p:nvCxnSpPr>
-          <p:cNvPr id="168" name="Straight Connector 167">
-            <a:extLst>
-              <a:ext uri="{FF2B5EF4-FFF2-40B4-BE49-F238E27FC236}">
-                <a16:creationId xmlns:a16="http://schemas.microsoft.com/office/drawing/2014/main" id="{A197AE84-7471-8AB8-52D3-30B4B4927FD5}"/>
-              </a:ext>
-            </a:extLst>
-          </p:cNvPr>
-          <p:cNvCxnSpPr>
-            <a:cxnSpLocks/>
-          </p:cNvCxnSpPr>
-          <p:nvPr/>
-        </p:nvCxnSpPr>
-        <p:spPr>
-          <a:xfrm>
-            <a:off x="1512338" y="4082335"/>
+            <a:off x="1781283" y="4151095"/>
             <a:ext cx="1908000" cy="0"/>
           </a:xfrm>
           <a:prstGeom prst="line">
@@ -17627,7 +17589,7 @@
         </p:nvCxnSpPr>
         <p:spPr>
           <a:xfrm>
-            <a:off x="1512338" y="3786981"/>
+            <a:off x="1781283" y="3688368"/>
             <a:ext cx="1908000" cy="0"/>
           </a:xfrm>
           <a:prstGeom prst="line">
@@ -17665,7 +17627,7 @@
         </p:nvCxnSpPr>
         <p:spPr>
           <a:xfrm>
-            <a:off x="1512338" y="3934831"/>
+            <a:off x="1781283" y="3800359"/>
             <a:ext cx="1908000" cy="0"/>
           </a:xfrm>
           <a:prstGeom prst="line">
@@ -17703,45 +17665,7 @@
         </p:nvCxnSpPr>
         <p:spPr>
           <a:xfrm>
-            <a:off x="3878358" y="4485495"/>
-            <a:ext cx="4104000" cy="0"/>
-          </a:xfrm>
-          <a:prstGeom prst="line">
-            <a:avLst/>
-          </a:prstGeom>
-        </p:spPr>
-        <p:style>
-          <a:lnRef idx="2">
-            <a:schemeClr val="dk1"/>
-          </a:lnRef>
-          <a:fillRef idx="0">
-            <a:schemeClr val="dk1"/>
-          </a:fillRef>
-          <a:effectRef idx="1">
-            <a:schemeClr val="dk1"/>
-          </a:effectRef>
-          <a:fontRef idx="minor">
-            <a:schemeClr val="tx1"/>
-          </a:fontRef>
-        </p:style>
-      </p:cxnSp>
-      <p:cxnSp>
-        <p:nvCxnSpPr>
-          <p:cNvPr id="66" name="Straight Connector 65">
-            <a:extLst>
-              <a:ext uri="{FF2B5EF4-FFF2-40B4-BE49-F238E27FC236}">
-                <a16:creationId xmlns:a16="http://schemas.microsoft.com/office/drawing/2014/main" id="{1AFB4D1A-8875-510E-D6B8-862C31993AC3}"/>
-              </a:ext>
-            </a:extLst>
-          </p:cNvPr>
-          <p:cNvCxnSpPr>
-            <a:cxnSpLocks/>
-          </p:cNvCxnSpPr>
-          <p:nvPr/>
-        </p:nvCxnSpPr>
-        <p:spPr>
-          <a:xfrm>
-            <a:off x="3878358" y="4076075"/>
+            <a:off x="3878358" y="4153800"/>
             <a:ext cx="4104000" cy="0"/>
           </a:xfrm>
           <a:prstGeom prst="line">
@@ -17779,7 +17703,7 @@
         </p:nvCxnSpPr>
         <p:spPr>
           <a:xfrm>
-            <a:off x="1406897" y="2563412"/>
+            <a:off x="1675842" y="2563412"/>
             <a:ext cx="1404000" cy="2177"/>
           </a:xfrm>
           <a:prstGeom prst="line">
@@ -17817,7 +17741,7 @@
         </p:nvCxnSpPr>
         <p:spPr>
           <a:xfrm>
-            <a:off x="1406897" y="2739742"/>
+            <a:off x="1675842" y="2739742"/>
             <a:ext cx="1404000" cy="2177"/>
           </a:xfrm>
           <a:prstGeom prst="line">
@@ -17855,7 +17779,7 @@
         </p:nvCxnSpPr>
         <p:spPr>
           <a:xfrm>
-            <a:off x="1406897" y="3114294"/>
+            <a:off x="1675842" y="3114294"/>
             <a:ext cx="1404000" cy="2177"/>
           </a:xfrm>
           <a:prstGeom prst="line">
@@ -17877,8 +17801,8 @@
           </a:fontRef>
         </p:style>
       </p:cxnSp>
-      <mc:AlternateContent xmlns:mc="http://schemas.openxmlformats.org/markup-compatibility/2006">
-        <mc:Choice xmlns:a14="http://schemas.microsoft.com/office/drawing/2010/main" Requires="a14">
+      <mc:AlternateContent xmlns:mc="http://schemas.openxmlformats.org/markup-compatibility/2006" xmlns:a14="http://schemas.microsoft.com/office/drawing/2010/main">
+        <mc:Choice Requires="a14">
           <p:sp>
             <p:nvSpPr>
               <p:cNvPr id="8" name="Rectangle 7">
@@ -17893,7 +17817,7 @@
             </p:nvSpPr>
             <p:spPr>
               <a:xfrm>
-                <a:off x="1476594" y="2468305"/>
+                <a:off x="1745539" y="2468305"/>
                 <a:ext cx="390566" cy="164681"/>
               </a:xfrm>
               <a:prstGeom prst="rect">
@@ -18011,7 +17935,7 @@
             </p:txBody>
           </p:sp>
         </mc:Choice>
-        <mc:Fallback>
+        <mc:Fallback xmlns="">
           <p:sp>
             <p:nvSpPr>
               <p:cNvPr id="8" name="Rectangle 7">
@@ -18028,7 +17952,7 @@
             </p:nvSpPr>
             <p:spPr>
               <a:xfrm>
-                <a:off x="1476594" y="2468305"/>
+                <a:off x="1745539" y="2468305"/>
                 <a:ext cx="390566" cy="164681"/>
               </a:xfrm>
               <a:prstGeom prst="rect">
@@ -18061,8 +17985,8 @@
           </p:sp>
         </mc:Fallback>
       </mc:AlternateContent>
-      <mc:AlternateContent xmlns:mc="http://schemas.openxmlformats.org/markup-compatibility/2006">
-        <mc:Choice xmlns:a14="http://schemas.microsoft.com/office/drawing/2010/main" Requires="a14">
+      <mc:AlternateContent xmlns:mc="http://schemas.openxmlformats.org/markup-compatibility/2006" xmlns:a14="http://schemas.microsoft.com/office/drawing/2010/main">
+        <mc:Choice Requires="a14">
           <p:sp>
             <p:nvSpPr>
               <p:cNvPr id="9" name="Rectangle 8">
@@ -18077,7 +18001,7 @@
             </p:nvSpPr>
             <p:spPr>
               <a:xfrm>
-                <a:off x="1476594" y="2656950"/>
+                <a:off x="1745539" y="2656950"/>
                 <a:ext cx="390566" cy="164681"/>
               </a:xfrm>
               <a:prstGeom prst="rect">
@@ -18195,7 +18119,7 @@
             </p:txBody>
           </p:sp>
         </mc:Choice>
-        <mc:Fallback>
+        <mc:Fallback xmlns="">
           <p:sp>
             <p:nvSpPr>
               <p:cNvPr id="9" name="Rectangle 8">
@@ -18212,7 +18136,7 @@
             </p:nvSpPr>
             <p:spPr>
               <a:xfrm>
-                <a:off x="1476594" y="2656950"/>
+                <a:off x="1745539" y="2656950"/>
                 <a:ext cx="390566" cy="164681"/>
               </a:xfrm>
               <a:prstGeom prst="rect">
@@ -18245,8 +18169,8 @@
           </p:sp>
         </mc:Fallback>
       </mc:AlternateContent>
-      <mc:AlternateContent xmlns:mc="http://schemas.openxmlformats.org/markup-compatibility/2006">
-        <mc:Choice xmlns:a14="http://schemas.microsoft.com/office/drawing/2010/main" Requires="a14">
+      <mc:AlternateContent xmlns:mc="http://schemas.openxmlformats.org/markup-compatibility/2006" xmlns:a14="http://schemas.microsoft.com/office/drawing/2010/main">
+        <mc:Choice Requires="a14">
           <p:sp>
             <p:nvSpPr>
               <p:cNvPr id="11" name="Rectangle 10">
@@ -18261,7 +18185,7 @@
             </p:nvSpPr>
             <p:spPr>
               <a:xfrm>
-                <a:off x="1476594" y="3032782"/>
+                <a:off x="1745539" y="3032782"/>
                 <a:ext cx="390566" cy="164681"/>
               </a:xfrm>
               <a:prstGeom prst="rect">
@@ -18379,7 +18303,7 @@
             </p:txBody>
           </p:sp>
         </mc:Choice>
-        <mc:Fallback>
+        <mc:Fallback xmlns="">
           <p:sp>
             <p:nvSpPr>
               <p:cNvPr id="11" name="Rectangle 10">
@@ -18396,7 +18320,7 @@
             </p:nvSpPr>
             <p:spPr>
               <a:xfrm>
-                <a:off x="1476594" y="3032782"/>
+                <a:off x="1745539" y="3032782"/>
                 <a:ext cx="390566" cy="164681"/>
               </a:xfrm>
               <a:prstGeom prst="rect">
@@ -18429,8 +18353,8 @@
           </p:sp>
         </mc:Fallback>
       </mc:AlternateContent>
-      <mc:AlternateContent xmlns:mc="http://schemas.openxmlformats.org/markup-compatibility/2006">
-        <mc:Choice xmlns:a14="http://schemas.microsoft.com/office/drawing/2010/main" Requires="a14">
+      <mc:AlternateContent xmlns:mc="http://schemas.openxmlformats.org/markup-compatibility/2006" xmlns:a14="http://schemas.microsoft.com/office/drawing/2010/main">
+        <mc:Choice Requires="a14">
           <p:sp>
             <p:nvSpPr>
               <p:cNvPr id="12" name="Rectangle 11">
@@ -18445,7 +18369,7 @@
             </p:nvSpPr>
             <p:spPr>
               <a:xfrm>
-                <a:off x="1910725" y="2471360"/>
+                <a:off x="2179670" y="2471360"/>
                 <a:ext cx="390566" cy="164681"/>
               </a:xfrm>
               <a:prstGeom prst="rect">
@@ -18563,7 +18487,7 @@
             </p:txBody>
           </p:sp>
         </mc:Choice>
-        <mc:Fallback>
+        <mc:Fallback xmlns="">
           <p:sp>
             <p:nvSpPr>
               <p:cNvPr id="12" name="Rectangle 11">
@@ -18580,7 +18504,7 @@
             </p:nvSpPr>
             <p:spPr>
               <a:xfrm>
-                <a:off x="1910725" y="2471360"/>
+                <a:off x="2179670" y="2471360"/>
                 <a:ext cx="390566" cy="164681"/>
               </a:xfrm>
               <a:prstGeom prst="rect">
@@ -18613,8 +18537,8 @@
           </p:sp>
         </mc:Fallback>
       </mc:AlternateContent>
-      <mc:AlternateContent xmlns:mc="http://schemas.openxmlformats.org/markup-compatibility/2006">
-        <mc:Choice xmlns:a14="http://schemas.microsoft.com/office/drawing/2010/main" Requires="a14">
+      <mc:AlternateContent xmlns:mc="http://schemas.openxmlformats.org/markup-compatibility/2006" xmlns:a14="http://schemas.microsoft.com/office/drawing/2010/main">
+        <mc:Choice Requires="a14">
           <p:sp>
             <p:nvSpPr>
               <p:cNvPr id="13" name="Rectangle 12">
@@ -18629,7 +18553,7 @@
             </p:nvSpPr>
             <p:spPr>
               <a:xfrm>
-                <a:off x="1910725" y="2660005"/>
+                <a:off x="2179670" y="2660005"/>
                 <a:ext cx="390566" cy="164681"/>
               </a:xfrm>
               <a:prstGeom prst="rect">
@@ -18747,7 +18671,7 @@
             </p:txBody>
           </p:sp>
         </mc:Choice>
-        <mc:Fallback>
+        <mc:Fallback xmlns="">
           <p:sp>
             <p:nvSpPr>
               <p:cNvPr id="13" name="Rectangle 12">
@@ -18764,7 +18688,7 @@
             </p:nvSpPr>
             <p:spPr>
               <a:xfrm>
-                <a:off x="1910725" y="2660005"/>
+                <a:off x="2179670" y="2660005"/>
                 <a:ext cx="390566" cy="164681"/>
               </a:xfrm>
               <a:prstGeom prst="rect">
@@ -18797,8 +18721,8 @@
           </p:sp>
         </mc:Fallback>
       </mc:AlternateContent>
-      <mc:AlternateContent xmlns:mc="http://schemas.openxmlformats.org/markup-compatibility/2006">
-        <mc:Choice xmlns:a14="http://schemas.microsoft.com/office/drawing/2010/main" Requires="a14">
+      <mc:AlternateContent xmlns:mc="http://schemas.openxmlformats.org/markup-compatibility/2006" xmlns:a14="http://schemas.microsoft.com/office/drawing/2010/main">
+        <mc:Choice Requires="a14">
           <p:sp>
             <p:nvSpPr>
               <p:cNvPr id="15" name="Rectangle 14">
@@ -18813,7 +18737,7 @@
             </p:nvSpPr>
             <p:spPr>
               <a:xfrm>
-                <a:off x="1910725" y="3035837"/>
+                <a:off x="2179670" y="3035837"/>
                 <a:ext cx="390566" cy="164681"/>
               </a:xfrm>
               <a:prstGeom prst="rect">
@@ -18931,7 +18855,7 @@
             </p:txBody>
           </p:sp>
         </mc:Choice>
-        <mc:Fallback>
+        <mc:Fallback xmlns="">
           <p:sp>
             <p:nvSpPr>
               <p:cNvPr id="15" name="Rectangle 14">
@@ -18948,7 +18872,7 @@
             </p:nvSpPr>
             <p:spPr>
               <a:xfrm>
-                <a:off x="1910725" y="3035837"/>
+                <a:off x="2179670" y="3035837"/>
                 <a:ext cx="390566" cy="164681"/>
               </a:xfrm>
               <a:prstGeom prst="rect">
@@ -18981,8 +18905,8 @@
           </p:sp>
         </mc:Fallback>
       </mc:AlternateContent>
-      <mc:AlternateContent xmlns:mc="http://schemas.openxmlformats.org/markup-compatibility/2006">
-        <mc:Choice xmlns:a14="http://schemas.microsoft.com/office/drawing/2010/main" Requires="a14">
+      <mc:AlternateContent xmlns:mc="http://schemas.openxmlformats.org/markup-compatibility/2006" xmlns:a14="http://schemas.microsoft.com/office/drawing/2010/main">
+        <mc:Choice Requires="a14">
           <p:sp>
             <p:nvSpPr>
               <p:cNvPr id="16" name="Rectangle 15">
@@ -18997,7 +18921,7 @@
             </p:nvSpPr>
             <p:spPr>
               <a:xfrm>
-                <a:off x="2346255" y="2477038"/>
+                <a:off x="2615200" y="2477038"/>
                 <a:ext cx="390566" cy="164681"/>
               </a:xfrm>
               <a:prstGeom prst="rect">
@@ -19115,7 +19039,7 @@
             </p:txBody>
           </p:sp>
         </mc:Choice>
-        <mc:Fallback>
+        <mc:Fallback xmlns="">
           <p:sp>
             <p:nvSpPr>
               <p:cNvPr id="16" name="Rectangle 15">
@@ -19132,7 +19056,7 @@
             </p:nvSpPr>
             <p:spPr>
               <a:xfrm>
-                <a:off x="2346255" y="2477038"/>
+                <a:off x="2615200" y="2477038"/>
                 <a:ext cx="390566" cy="164681"/>
               </a:xfrm>
               <a:prstGeom prst="rect">
@@ -19165,8 +19089,8 @@
           </p:sp>
         </mc:Fallback>
       </mc:AlternateContent>
-      <mc:AlternateContent xmlns:mc="http://schemas.openxmlformats.org/markup-compatibility/2006">
-        <mc:Choice xmlns:a14="http://schemas.microsoft.com/office/drawing/2010/main" Requires="a14">
+      <mc:AlternateContent xmlns:mc="http://schemas.openxmlformats.org/markup-compatibility/2006" xmlns:a14="http://schemas.microsoft.com/office/drawing/2010/main">
+        <mc:Choice Requires="a14">
           <p:sp>
             <p:nvSpPr>
               <p:cNvPr id="17" name="Rectangle 16">
@@ -19181,7 +19105,7 @@
             </p:nvSpPr>
             <p:spPr>
               <a:xfrm>
-                <a:off x="2346255" y="2665683"/>
+                <a:off x="2615200" y="2665683"/>
                 <a:ext cx="390566" cy="164681"/>
               </a:xfrm>
               <a:prstGeom prst="rect">
@@ -19299,7 +19223,7 @@
             </p:txBody>
           </p:sp>
         </mc:Choice>
-        <mc:Fallback>
+        <mc:Fallback xmlns="">
           <p:sp>
             <p:nvSpPr>
               <p:cNvPr id="17" name="Rectangle 16">
@@ -19316,7 +19240,7 @@
             </p:nvSpPr>
             <p:spPr>
               <a:xfrm>
-                <a:off x="2346255" y="2665683"/>
+                <a:off x="2615200" y="2665683"/>
                 <a:ext cx="390566" cy="164681"/>
               </a:xfrm>
               <a:prstGeom prst="rect">
@@ -19349,8 +19273,8 @@
           </p:sp>
         </mc:Fallback>
       </mc:AlternateContent>
-      <mc:AlternateContent xmlns:mc="http://schemas.openxmlformats.org/markup-compatibility/2006">
-        <mc:Choice xmlns:a14="http://schemas.microsoft.com/office/drawing/2010/main" Requires="a14">
+      <mc:AlternateContent xmlns:mc="http://schemas.openxmlformats.org/markup-compatibility/2006" xmlns:a14="http://schemas.microsoft.com/office/drawing/2010/main">
+        <mc:Choice Requires="a14">
           <p:sp>
             <p:nvSpPr>
               <p:cNvPr id="19" name="Rectangle 18">
@@ -19365,7 +19289,7 @@
             </p:nvSpPr>
             <p:spPr>
               <a:xfrm>
-                <a:off x="2346255" y="3041515"/>
+                <a:off x="2615200" y="3041515"/>
                 <a:ext cx="390566" cy="164681"/>
               </a:xfrm>
               <a:prstGeom prst="rect">
@@ -19483,7 +19407,7 @@
             </p:txBody>
           </p:sp>
         </mc:Choice>
-        <mc:Fallback>
+        <mc:Fallback xmlns="">
           <p:sp>
             <p:nvSpPr>
               <p:cNvPr id="19" name="Rectangle 18">
@@ -19500,7 +19424,7 @@
             </p:nvSpPr>
             <p:spPr>
               <a:xfrm>
-                <a:off x="2346255" y="3041515"/>
+                <a:off x="2615200" y="3041515"/>
                 <a:ext cx="390566" cy="164681"/>
               </a:xfrm>
               <a:prstGeom prst="rect">
@@ -19547,7 +19471,7 @@
         </p:nvSpPr>
         <p:spPr>
           <a:xfrm>
-            <a:off x="1320947" y="2346275"/>
+            <a:off x="1589892" y="2346275"/>
             <a:ext cx="2215054" cy="966031"/>
           </a:xfrm>
           <a:prstGeom prst="rect">
@@ -19586,8 +19510,8 @@
           </a:p>
         </p:txBody>
       </p:sp>
-      <mc:AlternateContent xmlns:mc="http://schemas.openxmlformats.org/markup-compatibility/2006">
-        <mc:Choice xmlns:a14="http://schemas.microsoft.com/office/drawing/2010/main" Requires="a14">
+      <mc:AlternateContent xmlns:mc="http://schemas.openxmlformats.org/markup-compatibility/2006" xmlns:a14="http://schemas.microsoft.com/office/drawing/2010/main">
+        <mc:Choice Requires="a14">
           <p:sp>
             <p:nvSpPr>
               <p:cNvPr id="22" name="Rectangle 21">
@@ -19602,7 +19526,7 @@
             </p:nvSpPr>
             <p:spPr>
               <a:xfrm>
-                <a:off x="3153581" y="2492688"/>
+                <a:off x="3422526" y="2492688"/>
                 <a:ext cx="296843" cy="720362"/>
               </a:xfrm>
               <a:prstGeom prst="rect">
@@ -19645,6 +19569,15 @@
                     </m:oMathParaPr>
                     <m:oMath xmlns:m="http://schemas.openxmlformats.org/officeDocument/2006/math">
                       <m:r>
+                        <a:rPr lang="vi-VN" sz="800" b="0" i="1" dirty="0">
+                          <a:solidFill>
+                            <a:schemeClr val="tx1"/>
+                          </a:solidFill>
+                          <a:latin typeface="Cambria Math" panose="02040503050406030204" pitchFamily="18" charset="0"/>
+                        </a:rPr>
+                        <m:t> </m:t>
+                      </m:r>
+                      <m:r>
                         <m:rPr>
                           <m:sty m:val="p"/>
                         </m:rPr>
@@ -19668,7 +19601,7 @@
             </p:txBody>
           </p:sp>
         </mc:Choice>
-        <mc:Fallback>
+        <mc:Fallback xmlns="">
           <p:sp>
             <p:nvSpPr>
               <p:cNvPr id="22" name="Rectangle 21">
@@ -19685,7 +19618,7 @@
             </p:nvSpPr>
             <p:spPr>
               <a:xfrm>
-                <a:off x="3153581" y="2492688"/>
+                <a:off x="3422526" y="2492688"/>
                 <a:ext cx="296843" cy="720362"/>
               </a:xfrm>
               <a:prstGeom prst="rect">
@@ -19732,7 +19665,7 @@
         </p:nvSpPr>
         <p:spPr>
           <a:xfrm>
-            <a:off x="2773540" y="2724106"/>
+            <a:off x="3042485" y="2724106"/>
             <a:ext cx="380715" cy="274320"/>
           </a:xfrm>
           <a:prstGeom prst="rect">
@@ -19794,7 +19727,7 @@
         </p:nvSpPr>
         <p:spPr>
           <a:xfrm rot="10800000">
-            <a:off x="3526865" y="2272711"/>
+            <a:off x="3795810" y="2272711"/>
             <a:ext cx="99675" cy="1116000"/>
           </a:xfrm>
           <a:prstGeom prst="leftBracket">
@@ -19838,7 +19771,7 @@
         </p:nvSpPr>
         <p:spPr>
           <a:xfrm>
-            <a:off x="1239659" y="2270402"/>
+            <a:off x="1508604" y="2270402"/>
             <a:ext cx="99675" cy="1116000"/>
           </a:xfrm>
           <a:prstGeom prst="leftBracket">
@@ -19868,8 +19801,8 @@
           </a:p>
         </p:txBody>
       </p:sp>
-      <mc:AlternateContent xmlns:mc="http://schemas.openxmlformats.org/markup-compatibility/2006">
-        <mc:Choice xmlns:a14="http://schemas.microsoft.com/office/drawing/2010/main" Requires="a14">
+      <mc:AlternateContent xmlns:mc="http://schemas.openxmlformats.org/markup-compatibility/2006" xmlns:a14="http://schemas.microsoft.com/office/drawing/2010/main">
+        <mc:Choice Requires="a14">
           <p:sp>
             <p:nvSpPr>
               <p:cNvPr id="27" name="TextBox 26">
@@ -19884,7 +19817,7 @@
             </p:nvSpPr>
             <p:spPr>
               <a:xfrm>
-                <a:off x="3593047" y="3275573"/>
+                <a:off x="3763379" y="3347291"/>
                 <a:ext cx="412349" cy="246221"/>
               </a:xfrm>
               <a:prstGeom prst="rect">
@@ -19925,7 +19858,7 @@
             </p:txBody>
           </p:sp>
         </mc:Choice>
-        <mc:Fallback>
+        <mc:Fallback xmlns="">
           <p:sp>
             <p:nvSpPr>
               <p:cNvPr id="27" name="TextBox 26">
@@ -19942,7 +19875,7 @@
             </p:nvSpPr>
             <p:spPr>
               <a:xfrm>
-                <a:off x="3593047" y="3275573"/>
+                <a:off x="3763379" y="3347291"/>
                 <a:ext cx="412349" cy="246221"/>
               </a:xfrm>
               <a:prstGeom prst="rect">
@@ -19951,7 +19884,7 @@
               <a:blipFill>
                 <a:blip r:embed="rId12"/>
                 <a:stretch>
-                  <a:fillRect/>
+                  <a:fillRect b="-5000"/>
                 </a:stretch>
               </a:blipFill>
             </p:spPr>
@@ -20084,8 +20017,8 @@
           </a:fontRef>
         </p:style>
       </p:cxnSp>
-      <mc:AlternateContent xmlns:mc="http://schemas.openxmlformats.org/markup-compatibility/2006">
-        <mc:Choice xmlns:a14="http://schemas.microsoft.com/office/drawing/2010/main" Requires="a14">
+      <mc:AlternateContent xmlns:mc="http://schemas.openxmlformats.org/markup-compatibility/2006" xmlns:a14="http://schemas.microsoft.com/office/drawing/2010/main">
+        <mc:Choice Requires="a14">
           <p:sp>
             <p:nvSpPr>
               <p:cNvPr id="33" name="Rectangle 32">
@@ -20175,7 +20108,7 @@
             </p:txBody>
           </p:sp>
         </mc:Choice>
-        <mc:Fallback>
+        <mc:Fallback xmlns="">
           <p:sp>
             <p:nvSpPr>
               <p:cNvPr id="33" name="Rectangle 32">
@@ -20278,8 +20211,8 @@
           </a:p>
         </p:txBody>
       </p:sp>
-      <mc:AlternateContent xmlns:mc="http://schemas.openxmlformats.org/markup-compatibility/2006">
-        <mc:Choice xmlns:a14="http://schemas.microsoft.com/office/drawing/2010/main" Requires="a14">
+      <mc:AlternateContent xmlns:mc="http://schemas.openxmlformats.org/markup-compatibility/2006" xmlns:a14="http://schemas.microsoft.com/office/drawing/2010/main">
+        <mc:Choice Requires="a14">
           <p:sp>
             <p:nvSpPr>
               <p:cNvPr id="42" name="Rectangle 41">
@@ -20337,6 +20270,15 @@
                     </m:oMathParaPr>
                     <m:oMath xmlns:m="http://schemas.openxmlformats.org/officeDocument/2006/math">
                       <m:r>
+                        <a:rPr lang="vi-VN" sz="800" b="0" i="1" dirty="0">
+                          <a:solidFill>
+                            <a:schemeClr val="tx1"/>
+                          </a:solidFill>
+                          <a:latin typeface="Cambria Math" panose="02040503050406030204" pitchFamily="18" charset="0"/>
+                        </a:rPr>
+                        <m:t> </m:t>
+                      </m:r>
+                      <m:r>
                         <m:rPr>
                           <m:sty m:val="p"/>
                         </m:rPr>
@@ -20360,7 +20302,7 @@
             </p:txBody>
           </p:sp>
         </mc:Choice>
-        <mc:Fallback>
+        <mc:Fallback xmlns="">
           <p:sp>
             <p:nvSpPr>
               <p:cNvPr id="42" name="Rectangle 41">
@@ -20386,7 +20328,7 @@
               <a:blipFill>
                 <a:blip r:embed="rId14"/>
                 <a:stretch>
-                  <a:fillRect/>
+                  <a:fillRect l="-4000"/>
                 </a:stretch>
               </a:blipFill>
               <a:ln>
@@ -20488,7 +20430,7 @@
         </p:nvCxnSpPr>
         <p:spPr>
           <a:xfrm>
-            <a:off x="3878358" y="3780721"/>
+            <a:off x="3878358" y="3682108"/>
             <a:ext cx="4104000" cy="0"/>
           </a:xfrm>
           <a:prstGeom prst="line">
@@ -20524,7 +20466,7 @@
         </p:nvSpPr>
         <p:spPr>
           <a:xfrm>
-            <a:off x="971694" y="4931387"/>
+            <a:off x="1240639" y="4429363"/>
             <a:ext cx="2898793" cy="334699"/>
           </a:xfrm>
           <a:prstGeom prst="rect">
@@ -20561,6 +20503,8 @@
                 <a:solidFill>
                   <a:schemeClr val="tx1"/>
                 </a:solidFill>
+                <a:latin typeface="Times New Roman" panose="02020603050405020304" pitchFamily="18" charset="0"/>
+                <a:cs typeface="Times New Roman" panose="02020603050405020304" pitchFamily="18" charset="0"/>
               </a:rPr>
               <a:t>Arbitrary parameterized quantum circuit</a:t>
             </a:r>
@@ -20585,8 +20529,8 @@
         </p:nvCxnSpPr>
         <p:spPr>
           <a:xfrm flipV="1">
-            <a:off x="2421091" y="4671172"/>
-            <a:ext cx="1" cy="260215"/>
+            <a:off x="2690036" y="4269166"/>
+            <a:ext cx="1" cy="160197"/>
           </a:xfrm>
           <a:prstGeom prst="straightConnector1">
             <a:avLst/>
@@ -20613,8 +20557,8 @@
           </a:fontRef>
         </p:style>
       </p:cxnSp>
-      <mc:AlternateContent xmlns:mc="http://schemas.openxmlformats.org/markup-compatibility/2006">
-        <mc:Choice xmlns:a14="http://schemas.microsoft.com/office/drawing/2010/main" Requires="a14">
+      <mc:AlternateContent xmlns:mc="http://schemas.openxmlformats.org/markup-compatibility/2006" xmlns:a14="http://schemas.microsoft.com/office/drawing/2010/main">
+        <mc:Choice Requires="a14">
           <p:sp>
             <p:nvSpPr>
               <p:cNvPr id="62" name="TextBox 61">
@@ -20629,7 +20573,7 @@
             </p:nvSpPr>
             <p:spPr>
               <a:xfrm>
-                <a:off x="979565" y="3983553"/>
+                <a:off x="1329191" y="3786327"/>
                 <a:ext cx="366511" cy="215444"/>
               </a:xfrm>
               <a:prstGeom prst="rect">
@@ -20695,7 +20639,7 @@
             </p:txBody>
           </p:sp>
         </mc:Choice>
-        <mc:Fallback>
+        <mc:Fallback xmlns="">
           <p:sp>
             <p:nvSpPr>
               <p:cNvPr id="62" name="TextBox 61">
@@ -20712,7 +20656,7 @@
             </p:nvSpPr>
             <p:spPr>
               <a:xfrm>
-                <a:off x="979565" y="3983553"/>
+                <a:off x="1329191" y="3786327"/>
                 <a:ext cx="366511" cy="215444"/>
               </a:xfrm>
               <a:prstGeom prst="rect">
@@ -20721,7 +20665,7 @@
               <a:blipFill>
                 <a:blip r:embed="rId15"/>
                 <a:stretch>
-                  <a:fillRect l="-16667" t="-5556" r="-13333" b="-33333"/>
+                  <a:fillRect l="-16667" t="-5882" r="-16667" b="-35294"/>
                 </a:stretch>
               </a:blipFill>
             </p:spPr>
@@ -20756,7 +20700,7 @@
         </p:nvCxnSpPr>
         <p:spPr>
           <a:xfrm>
-            <a:off x="3878358" y="3928571"/>
+            <a:off x="3878358" y="3803064"/>
             <a:ext cx="4104000" cy="0"/>
           </a:xfrm>
           <a:prstGeom prst="line">
@@ -20778,8 +20722,8 @@
           </a:fontRef>
         </p:style>
       </p:cxnSp>
-      <mc:AlternateContent xmlns:mc="http://schemas.openxmlformats.org/markup-compatibility/2006">
-        <mc:Choice xmlns:a14="http://schemas.microsoft.com/office/drawing/2010/main" Requires="a14">
+      <mc:AlternateContent xmlns:mc="http://schemas.openxmlformats.org/markup-compatibility/2006" xmlns:a14="http://schemas.microsoft.com/office/drawing/2010/main">
+        <mc:Choice Requires="a14">
           <p:sp>
             <p:nvSpPr>
               <p:cNvPr id="47" name="Rectangle 46">
@@ -20794,8 +20738,8 @@
             </p:nvSpPr>
             <p:spPr>
               <a:xfrm>
-                <a:off x="1961205" y="3572521"/>
-                <a:ext cx="919773" cy="1098651"/>
+                <a:off x="2230150" y="3572522"/>
+                <a:ext cx="919773" cy="696644"/>
               </a:xfrm>
               <a:prstGeom prst="rect">
                 <a:avLst/>
@@ -20889,7 +20833,7 @@
             </p:txBody>
           </p:sp>
         </mc:Choice>
-        <mc:Fallback>
+        <mc:Fallback xmlns="">
           <p:sp>
             <p:nvSpPr>
               <p:cNvPr id="47" name="Rectangle 46">
@@ -20906,8 +20850,8 @@
             </p:nvSpPr>
             <p:spPr>
               <a:xfrm>
-                <a:off x="1961205" y="3572521"/>
-                <a:ext cx="919773" cy="1098651"/>
+                <a:off x="2230150" y="3572522"/>
+                <a:ext cx="919773" cy="696644"/>
               </a:xfrm>
               <a:prstGeom prst="rect">
                 <a:avLst/>
@@ -20939,8 +20883,8 @@
           </p:sp>
         </mc:Fallback>
       </mc:AlternateContent>
-      <mc:AlternateContent xmlns:mc="http://schemas.openxmlformats.org/markup-compatibility/2006">
-        <mc:Choice xmlns:a14="http://schemas.microsoft.com/office/drawing/2010/main" Requires="a14">
+      <mc:AlternateContent xmlns:mc="http://schemas.openxmlformats.org/markup-compatibility/2006" xmlns:a14="http://schemas.microsoft.com/office/drawing/2010/main">
+        <mc:Choice Requires="a14">
           <p:sp>
             <p:nvSpPr>
               <p:cNvPr id="60" name="Rectangle 59">
@@ -20955,8 +20899,8 @@
             </p:nvSpPr>
             <p:spPr>
               <a:xfrm>
-                <a:off x="6219454" y="3567879"/>
-                <a:ext cx="555307" cy="1098651"/>
+                <a:off x="6219454" y="3567880"/>
+                <a:ext cx="555307" cy="696644"/>
               </a:xfrm>
               <a:prstGeom prst="rect">
                 <a:avLst/>
@@ -21027,7 +20971,7 @@
             </p:txBody>
           </p:sp>
         </mc:Choice>
-        <mc:Fallback>
+        <mc:Fallback xmlns="">
           <p:sp>
             <p:nvSpPr>
               <p:cNvPr id="60" name="Rectangle 59">
@@ -21044,8 +20988,8 @@
             </p:nvSpPr>
             <p:spPr>
               <a:xfrm>
-                <a:off x="6219454" y="3567879"/>
-                <a:ext cx="555307" cy="1098651"/>
+                <a:off x="6219454" y="3567880"/>
+                <a:ext cx="555307" cy="696644"/>
               </a:xfrm>
               <a:prstGeom prst="rect">
                 <a:avLst/>
@@ -21077,8 +21021,8 @@
           </p:sp>
         </mc:Fallback>
       </mc:AlternateContent>
-      <mc:AlternateContent xmlns:mc="http://schemas.openxmlformats.org/markup-compatibility/2006">
-        <mc:Choice xmlns:a14="http://schemas.microsoft.com/office/drawing/2010/main" Requires="a14">
+      <mc:AlternateContent xmlns:mc="http://schemas.openxmlformats.org/markup-compatibility/2006" xmlns:a14="http://schemas.microsoft.com/office/drawing/2010/main">
+        <mc:Choice Requires="a14">
           <p:sp>
             <p:nvSpPr>
               <p:cNvPr id="67" name="TextBox 66">
@@ -21093,7 +21037,7 @@
             </p:nvSpPr>
             <p:spPr>
               <a:xfrm>
-                <a:off x="4851115" y="4143234"/>
+                <a:off x="4851115" y="3838433"/>
                 <a:ext cx="402578" cy="276999"/>
               </a:xfrm>
               <a:prstGeom prst="rect">
@@ -21107,6 +21051,7 @@
               </a:bodyPr>
               <a:lstStyle/>
               <a:p>
+                <a:pPr/>
                 <a14:m>
                   <m:oMathPara xmlns:m="http://schemas.openxmlformats.org/officeDocument/2006/math">
                     <m:oMathParaPr>
@@ -21127,7 +21072,7 @@
             </p:txBody>
           </p:sp>
         </mc:Choice>
-        <mc:Fallback>
+        <mc:Fallback xmlns="">
           <p:sp>
             <p:nvSpPr>
               <p:cNvPr id="67" name="TextBox 66">
@@ -21144,7 +21089,7 @@
             </p:nvSpPr>
             <p:spPr>
               <a:xfrm>
-                <a:off x="4851115" y="4143234"/>
+                <a:off x="4851115" y="3838433"/>
                 <a:ext cx="402578" cy="276999"/>
               </a:xfrm>
               <a:prstGeom prst="rect">
@@ -21186,7 +21131,7 @@
         </p:nvSpPr>
         <p:spPr>
           <a:xfrm>
-            <a:off x="5666365" y="4935283"/>
+            <a:off x="5666365" y="4433259"/>
             <a:ext cx="1654002" cy="334698"/>
           </a:xfrm>
           <a:prstGeom prst="rect">
@@ -21223,6 +21168,8 @@
                 <a:solidFill>
                   <a:schemeClr val="tx1"/>
                 </a:solidFill>
+                <a:latin typeface="Times New Roman" panose="02020603050405020304" pitchFamily="18" charset="0"/>
+                <a:cs typeface="Times New Roman" panose="02020603050405020304" pitchFamily="18" charset="0"/>
               </a:rPr>
               <a:t>Fixed quantum circuit</a:t>
             </a:r>
@@ -21247,8 +21194,8 @@
         </p:nvCxnSpPr>
         <p:spPr>
           <a:xfrm flipV="1">
-            <a:off x="6493366" y="4666530"/>
-            <a:ext cx="3742" cy="268753"/>
+            <a:off x="6493366" y="4264524"/>
+            <a:ext cx="3742" cy="168735"/>
           </a:xfrm>
           <a:prstGeom prst="straightConnector1">
             <a:avLst/>
@@ -21291,8 +21238,8 @@
             </p:nvSpPr>
             <p:spPr>
               <a:xfrm rot="16200000">
-                <a:off x="7258914" y="3879282"/>
-                <a:ext cx="1098651" cy="475819"/>
+                <a:off x="7459918" y="3678277"/>
+                <a:ext cx="696643" cy="475819"/>
               </a:xfrm>
               <a:prstGeom prst="rect">
                 <a:avLst/>
@@ -21345,6 +21292,8 @@
                     <a:solidFill>
                       <a:schemeClr val="tx1"/>
                     </a:solidFill>
+                    <a:latin typeface="Times New Roman" panose="02020603050405020304" pitchFamily="18" charset="0"/>
+                    <a:cs typeface="Times New Roman" panose="02020603050405020304" pitchFamily="18" charset="0"/>
                   </a:rPr>
                   <a:t>Measurement</a:t>
                 </a:r>
@@ -21369,8 +21318,8 @@
             </p:nvSpPr>
             <p:spPr>
               <a:xfrm rot="16200000">
-                <a:off x="7258914" y="3879282"/>
-                <a:ext cx="1098651" cy="475819"/>
+                <a:off x="7459918" y="3678277"/>
+                <a:ext cx="696643" cy="475819"/>
               </a:xfrm>
               <a:prstGeom prst="rect">
                 <a:avLst/>
@@ -21402,8 +21351,8 @@
           </p:sp>
         </mc:Fallback>
       </mc:AlternateContent>
-      <mc:AlternateContent xmlns:mc="http://schemas.openxmlformats.org/markup-compatibility/2006">
-        <mc:Choice xmlns:a14="http://schemas.microsoft.com/office/drawing/2010/main" Requires="a14">
+      <mc:AlternateContent xmlns:mc="http://schemas.openxmlformats.org/markup-compatibility/2006" xmlns:a14="http://schemas.microsoft.com/office/drawing/2010/main">
+        <mc:Choice Requires="a14">
           <p:sp>
             <p:nvSpPr>
               <p:cNvPr id="87" name="TextBox 86">
@@ -21432,6 +21381,7 @@
               </a:bodyPr>
               <a:lstStyle/>
               <a:p>
+                <a:pPr/>
                 <a14:m>
                   <m:oMathPara xmlns:m="http://schemas.openxmlformats.org/officeDocument/2006/math">
                     <m:oMathParaPr>
@@ -21452,7 +21402,7 @@
             </p:txBody>
           </p:sp>
         </mc:Choice>
-        <mc:Fallback>
+        <mc:Fallback xmlns="">
           <p:sp>
             <p:nvSpPr>
               <p:cNvPr id="87" name="TextBox 86">
@@ -21629,8 +21579,8 @@
           </a:p>
         </p:txBody>
       </p:sp>
-      <mc:AlternateContent xmlns:mc="http://schemas.openxmlformats.org/markup-compatibility/2006">
-        <mc:Choice xmlns:a14="http://schemas.microsoft.com/office/drawing/2010/main" Requires="a14">
+      <mc:AlternateContent xmlns:mc="http://schemas.openxmlformats.org/markup-compatibility/2006" xmlns:a14="http://schemas.microsoft.com/office/drawing/2010/main">
+        <mc:Choice Requires="a14">
           <p:sp>
             <p:nvSpPr>
               <p:cNvPr id="96" name="TextBox 95">
@@ -21742,7 +21692,7 @@
             </p:txBody>
           </p:sp>
         </mc:Choice>
-        <mc:Fallback>
+        <mc:Fallback xmlns="">
           <p:sp>
             <p:nvSpPr>
               <p:cNvPr id="96" name="TextBox 95">
@@ -21787,8 +21737,8 @@
           </p:sp>
         </mc:Fallback>
       </mc:AlternateContent>
-      <mc:AlternateContent xmlns:mc="http://schemas.openxmlformats.org/markup-compatibility/2006">
-        <mc:Choice xmlns:a14="http://schemas.microsoft.com/office/drawing/2010/main" Requires="a14">
+      <mc:AlternateContent xmlns:mc="http://schemas.openxmlformats.org/markup-compatibility/2006" xmlns:a14="http://schemas.microsoft.com/office/drawing/2010/main">
+        <mc:Choice Requires="a14">
           <p:sp>
             <p:nvSpPr>
               <p:cNvPr id="97" name="TextBox 96">
@@ -21817,6 +21767,7 @@
               </a:bodyPr>
               <a:lstStyle/>
               <a:p>
+                <a:pPr/>
                 <a14:m>
                   <m:oMathPara xmlns:m="http://schemas.openxmlformats.org/officeDocument/2006/math">
                     <m:oMathParaPr>
@@ -21837,7 +21788,7 @@
             </p:txBody>
           </p:sp>
         </mc:Choice>
-        <mc:Fallback>
+        <mc:Fallback xmlns="">
           <p:sp>
             <p:nvSpPr>
               <p:cNvPr id="97" name="TextBox 96">
@@ -21882,8 +21833,8 @@
           </p:sp>
         </mc:Fallback>
       </mc:AlternateContent>
-      <mc:AlternateContent xmlns:mc="http://schemas.openxmlformats.org/markup-compatibility/2006">
-        <mc:Choice xmlns:a14="http://schemas.microsoft.com/office/drawing/2010/main" Requires="a14">
+      <mc:AlternateContent xmlns:mc="http://schemas.openxmlformats.org/markup-compatibility/2006" xmlns:a14="http://schemas.microsoft.com/office/drawing/2010/main">
+        <mc:Choice Requires="a14">
           <p:sp>
             <p:nvSpPr>
               <p:cNvPr id="98" name="Rectangle 97">
@@ -21973,7 +21924,7 @@
             </p:txBody>
           </p:sp>
         </mc:Choice>
-        <mc:Fallback>
+        <mc:Fallback xmlns="">
           <p:sp>
             <p:nvSpPr>
               <p:cNvPr id="98" name="Rectangle 97">
@@ -22563,8 +22514,8 @@
           </a:p>
         </p:txBody>
       </p:sp>
-      <mc:AlternateContent xmlns:mc="http://schemas.openxmlformats.org/markup-compatibility/2006">
-        <mc:Choice xmlns:a14="http://schemas.microsoft.com/office/drawing/2010/main" Requires="a14">
+      <mc:AlternateContent xmlns:mc="http://schemas.openxmlformats.org/markup-compatibility/2006" xmlns:a14="http://schemas.microsoft.com/office/drawing/2010/main">
+        <mc:Choice Requires="a14">
           <p:sp>
             <p:nvSpPr>
               <p:cNvPr id="118" name="Rectangle 117">
@@ -22756,7 +22707,7 @@
             </p:txBody>
           </p:sp>
         </mc:Choice>
-        <mc:Fallback>
+        <mc:Fallback xmlns="">
           <p:sp>
             <p:nvSpPr>
               <p:cNvPr id="118" name="Rectangle 117">
@@ -22967,8 +22918,8 @@
           </a:fontRef>
         </p:style>
       </p:cxnSp>
-      <mc:AlternateContent xmlns:mc="http://schemas.openxmlformats.org/markup-compatibility/2006">
-        <mc:Choice xmlns:a14="http://schemas.microsoft.com/office/drawing/2010/main" Requires="a14">
+      <mc:AlternateContent xmlns:mc="http://schemas.openxmlformats.org/markup-compatibility/2006" xmlns:a14="http://schemas.microsoft.com/office/drawing/2010/main">
+        <mc:Choice Requires="a14">
           <p:sp>
             <p:nvSpPr>
               <p:cNvPr id="124" name="Rectangle 123">
@@ -23169,7 +23120,7 @@
             </p:txBody>
           </p:sp>
         </mc:Choice>
-        <mc:Fallback>
+        <mc:Fallback xmlns="">
           <p:sp>
             <p:nvSpPr>
               <p:cNvPr id="124" name="Rectangle 123">
@@ -23380,8 +23331,8 @@
           </a:fontRef>
         </p:style>
       </p:cxnSp>
-      <mc:AlternateContent xmlns:mc="http://schemas.openxmlformats.org/markup-compatibility/2006">
-        <mc:Choice xmlns:a14="http://schemas.microsoft.com/office/drawing/2010/main" Requires="a14">
+      <mc:AlternateContent xmlns:mc="http://schemas.openxmlformats.org/markup-compatibility/2006" xmlns:a14="http://schemas.microsoft.com/office/drawing/2010/main">
+        <mc:Choice Requires="a14">
           <p:sp>
             <p:nvSpPr>
               <p:cNvPr id="129" name="Rectangle 128">
@@ -23573,7 +23524,7 @@
             </p:txBody>
           </p:sp>
         </mc:Choice>
-        <mc:Fallback>
+        <mc:Fallback xmlns="">
           <p:sp>
             <p:nvSpPr>
               <p:cNvPr id="129" name="Rectangle 128">
@@ -23680,8 +23631,8 @@
           </a:p>
         </p:txBody>
       </p:sp>
-      <mc:AlternateContent xmlns:mc="http://schemas.openxmlformats.org/markup-compatibility/2006">
-        <mc:Choice xmlns:a14="http://schemas.microsoft.com/office/drawing/2010/main" Requires="a14">
+      <mc:AlternateContent xmlns:mc="http://schemas.openxmlformats.org/markup-compatibility/2006" xmlns:a14="http://schemas.microsoft.com/office/drawing/2010/main">
+        <mc:Choice Requires="a14">
           <p:sp>
             <p:nvSpPr>
               <p:cNvPr id="132" name="TextBox 131">
@@ -23732,7 +23683,7 @@
             </p:txBody>
           </p:sp>
         </mc:Choice>
-        <mc:Fallback>
+        <mc:Fallback xmlns="">
           <p:sp>
             <p:nvSpPr>
               <p:cNvPr id="132" name="TextBox 131">
@@ -23777,8 +23728,8 @@
           </p:sp>
         </mc:Fallback>
       </mc:AlternateContent>
-      <mc:AlternateContent xmlns:mc="http://schemas.openxmlformats.org/markup-compatibility/2006">
-        <mc:Choice xmlns:a14="http://schemas.microsoft.com/office/drawing/2010/main" Requires="a14">
+      <mc:AlternateContent xmlns:mc="http://schemas.openxmlformats.org/markup-compatibility/2006" xmlns:a14="http://schemas.microsoft.com/office/drawing/2010/main">
+        <mc:Choice Requires="a14">
           <p:sp>
             <p:nvSpPr>
               <p:cNvPr id="133" name="TextBox 132">
@@ -23908,7 +23859,7 @@
             </p:txBody>
           </p:sp>
         </mc:Choice>
-        <mc:Fallback>
+        <mc:Fallback xmlns="">
           <p:sp>
             <p:nvSpPr>
               <p:cNvPr id="133" name="TextBox 132">
@@ -24153,7 +24104,7 @@
         </p:nvCxnSpPr>
         <p:spPr>
           <a:xfrm flipH="1" flipV="1">
-            <a:off x="1328065" y="3321645"/>
+            <a:off x="1597010" y="3321645"/>
             <a:ext cx="633140" cy="246221"/>
           </a:xfrm>
           <a:prstGeom prst="line">
@@ -24197,7 +24148,7 @@
         </p:nvCxnSpPr>
         <p:spPr>
           <a:xfrm flipV="1">
-            <a:off x="2870072" y="3310872"/>
+            <a:off x="3139017" y="3310872"/>
             <a:ext cx="680343" cy="274539"/>
           </a:xfrm>
           <a:prstGeom prst="line">
@@ -24225,8 +24176,8 @@
           </a:fontRef>
         </p:style>
       </p:cxnSp>
-      <mc:AlternateContent xmlns:mc="http://schemas.openxmlformats.org/markup-compatibility/2006">
-        <mc:Choice xmlns:a14="http://schemas.microsoft.com/office/drawing/2010/main" Requires="a14">
+      <mc:AlternateContent xmlns:mc="http://schemas.openxmlformats.org/markup-compatibility/2006" xmlns:a14="http://schemas.microsoft.com/office/drawing/2010/main">
+        <mc:Choice Requires="a14">
           <p:sp>
             <p:nvSpPr>
               <p:cNvPr id="166" name="TextBox 165">
@@ -24241,7 +24192,7 @@
             </p:nvSpPr>
             <p:spPr>
               <a:xfrm>
-                <a:off x="1904492" y="2840180"/>
+                <a:off x="2173437" y="2840180"/>
                 <a:ext cx="402578" cy="184666"/>
               </a:xfrm>
               <a:prstGeom prst="rect">
@@ -24255,6 +24206,7 @@
               </a:bodyPr>
               <a:lstStyle/>
               <a:p>
+                <a:pPr/>
                 <a14:m>
                   <m:oMathPara xmlns:m="http://schemas.openxmlformats.org/officeDocument/2006/math">
                     <m:oMathParaPr>
@@ -24275,7 +24227,7 @@
             </p:txBody>
           </p:sp>
         </mc:Choice>
-        <mc:Fallback>
+        <mc:Fallback xmlns="">
           <p:sp>
             <p:nvSpPr>
               <p:cNvPr id="166" name="TextBox 165">
@@ -24292,7 +24244,7 @@
             </p:nvSpPr>
             <p:spPr>
               <a:xfrm>
-                <a:off x="1904492" y="2840180"/>
+                <a:off x="2173437" y="2840180"/>
                 <a:ext cx="402578" cy="184666"/>
               </a:xfrm>
               <a:prstGeom prst="rect">
@@ -24320,8 +24272,8 @@
           </p:sp>
         </mc:Fallback>
       </mc:AlternateContent>
-      <mc:AlternateContent xmlns:mc="http://schemas.openxmlformats.org/markup-compatibility/2006">
-        <mc:Choice xmlns:a14="http://schemas.microsoft.com/office/drawing/2010/main" Requires="a14">
+      <mc:AlternateContent xmlns:mc="http://schemas.openxmlformats.org/markup-compatibility/2006" xmlns:a14="http://schemas.microsoft.com/office/drawing/2010/main">
+        <mc:Choice Requires="a14">
           <p:sp>
             <p:nvSpPr>
               <p:cNvPr id="171" name="TextBox 170">
@@ -24336,8 +24288,8 @@
             </p:nvSpPr>
             <p:spPr>
               <a:xfrm>
-                <a:off x="3443073" y="3987525"/>
-                <a:ext cx="402578" cy="276999"/>
+                <a:off x="3637870" y="3754441"/>
+                <a:ext cx="270533" cy="276999"/>
               </a:xfrm>
               <a:prstGeom prst="rect">
                 <a:avLst/>
@@ -24350,6 +24302,7 @@
               </a:bodyPr>
               <a:lstStyle/>
               <a:p>
+                <a:pPr/>
                 <a14:m>
                   <m:oMathPara xmlns:m="http://schemas.openxmlformats.org/officeDocument/2006/math">
                     <m:oMathParaPr>
@@ -24370,7 +24323,7 @@
             </p:txBody>
           </p:sp>
         </mc:Choice>
-        <mc:Fallback>
+        <mc:Fallback xmlns="">
           <p:sp>
             <p:nvSpPr>
               <p:cNvPr id="171" name="TextBox 170">
@@ -24387,8 +24340,8 @@
             </p:nvSpPr>
             <p:spPr>
               <a:xfrm>
-                <a:off x="3443073" y="3987525"/>
-                <a:ext cx="402578" cy="276999"/>
+                <a:off x="3637870" y="3754441"/>
+                <a:ext cx="270533" cy="276999"/>
               </a:xfrm>
               <a:prstGeom prst="rect">
                 <a:avLst/>
@@ -24415,8 +24368,8 @@
           </p:sp>
         </mc:Fallback>
       </mc:AlternateContent>
-      <mc:AlternateContent xmlns:mc="http://schemas.openxmlformats.org/markup-compatibility/2006">
-        <mc:Choice xmlns:a14="http://schemas.microsoft.com/office/drawing/2010/main" Requires="a14">
+      <mc:AlternateContent xmlns:mc="http://schemas.openxmlformats.org/markup-compatibility/2006" xmlns:a14="http://schemas.microsoft.com/office/drawing/2010/main">
+        <mc:Choice Requires="a14">
           <p:sp>
             <p:nvSpPr>
               <p:cNvPr id="175" name="TextBox 174">
@@ -24431,7 +24384,7 @@
             </p:nvSpPr>
             <p:spPr>
               <a:xfrm>
-                <a:off x="8052809" y="3968351"/>
+                <a:off x="8052809" y="3806988"/>
                 <a:ext cx="539360" cy="215444"/>
               </a:xfrm>
               <a:prstGeom prst="rect">
@@ -24498,7 +24451,7 @@
             </p:txBody>
           </p:sp>
         </mc:Choice>
-        <mc:Fallback>
+        <mc:Fallback xmlns="">
           <p:sp>
             <p:nvSpPr>
               <p:cNvPr id="175" name="TextBox 174">
@@ -24515,7 +24468,7 @@
             </p:nvSpPr>
             <p:spPr>
               <a:xfrm>
-                <a:off x="8052809" y="3968351"/>
+                <a:off x="8052809" y="3806988"/>
                 <a:ext cx="539360" cy="215444"/>
               </a:xfrm>
               <a:prstGeom prst="rect">
@@ -24524,7 +24477,103 @@
               <a:blipFill>
                 <a:blip r:embed="rId31"/>
                 <a:stretch>
-                  <a:fillRect b="-22222"/>
+                  <a:fillRect b="-29412"/>
+                </a:stretch>
+              </a:blipFill>
+            </p:spPr>
+            <p:txBody>
+              <a:bodyPr/>
+              <a:lstStyle/>
+              <a:p>
+                <a:r>
+                  <a:rPr lang="en-VN">
+                    <a:noFill/>
+                  </a:rPr>
+                  <a:t> </a:t>
+                </a:r>
+              </a:p>
+            </p:txBody>
+          </p:sp>
+        </mc:Fallback>
+      </mc:AlternateContent>
+      <mc:AlternateContent xmlns:mc="http://schemas.openxmlformats.org/markup-compatibility/2006" xmlns:a14="http://schemas.microsoft.com/office/drawing/2010/main">
+        <mc:Choice Requires="a14">
+          <p:sp>
+            <p:nvSpPr>
+              <p:cNvPr id="6" name="TextBox 5">
+                <a:extLst>
+                  <a:ext uri="{FF2B5EF4-FFF2-40B4-BE49-F238E27FC236}">
+                    <a16:creationId xmlns:a16="http://schemas.microsoft.com/office/drawing/2014/main" id="{94BE812F-B81C-F890-7525-BB37FBF271BA}"/>
+                  </a:ext>
+                </a:extLst>
+              </p:cNvPr>
+              <p:cNvSpPr txBox="1"/>
+              <p:nvPr/>
+            </p:nvSpPr>
+            <p:spPr>
+              <a:xfrm>
+                <a:off x="1804778" y="3837862"/>
+                <a:ext cx="402578" cy="276999"/>
+              </a:xfrm>
+              <a:prstGeom prst="rect">
+                <a:avLst/>
+              </a:prstGeom>
+              <a:noFill/>
+            </p:spPr>
+            <p:txBody>
+              <a:bodyPr wrap="square" lIns="0" tIns="0" rIns="0" bIns="0" rtlCol="0">
+                <a:spAutoFit/>
+              </a:bodyPr>
+              <a:lstStyle/>
+              <a:p>
+                <a:pPr/>
+                <a14:m>
+                  <m:oMathPara xmlns:m="http://schemas.openxmlformats.org/officeDocument/2006/math">
+                    <m:oMathParaPr>
+                      <m:jc m:val="centerGroup"/>
+                    </m:oMathParaPr>
+                    <m:oMath xmlns:m="http://schemas.openxmlformats.org/officeDocument/2006/math">
+                      <m:r>
+                        <a:rPr lang="en-VN" i="1">
+                          <a:latin typeface="Cambria Math" panose="02040503050406030204" pitchFamily="18" charset="0"/>
+                        </a:rPr>
+                        <m:t>⋮</m:t>
+                      </m:r>
+                    </m:oMath>
+                  </m:oMathPara>
+                </a14:m>
+                <a:endParaRPr lang="en-VN"/>
+              </a:p>
+            </p:txBody>
+          </p:sp>
+        </mc:Choice>
+        <mc:Fallback xmlns="">
+          <p:sp>
+            <p:nvSpPr>
+              <p:cNvPr id="6" name="TextBox 5">
+                <a:extLst>
+                  <a:ext uri="{FF2B5EF4-FFF2-40B4-BE49-F238E27FC236}">
+                    <a16:creationId xmlns:a16="http://schemas.microsoft.com/office/drawing/2014/main" id="{94BE812F-B81C-F890-7525-BB37FBF271BA}"/>
+                  </a:ext>
+                </a:extLst>
+              </p:cNvPr>
+              <p:cNvSpPr txBox="1">
+                <a:spLocks noRot="1" noChangeAspect="1" noMove="1" noResize="1" noEditPoints="1" noAdjustHandles="1" noChangeArrowheads="1" noChangeShapeType="1" noTextEdit="1"/>
+              </p:cNvSpPr>
+              <p:nvPr/>
+            </p:nvSpPr>
+            <p:spPr>
+              <a:xfrm>
+                <a:off x="1804778" y="3837862"/>
+                <a:ext cx="402578" cy="276999"/>
+              </a:xfrm>
+              <a:prstGeom prst="rect">
+                <a:avLst/>
+              </a:prstGeom>
+              <a:blipFill>
+                <a:blip r:embed="rId18"/>
+                <a:stretch>
+                  <a:fillRect b="-4545"/>
                 </a:stretch>
               </a:blipFill>
             </p:spPr>

--- a/images/draw.pptx
+++ b/images/draw.pptx
@@ -8,6 +8,7 @@
     <p:sldId id="256" r:id="rId2"/>
     <p:sldId id="257" r:id="rId3"/>
     <p:sldId id="258" r:id="rId4"/>
+    <p:sldId id="259" r:id="rId5"/>
   </p:sldIdLst>
   <p:sldSz cx="12192000" cy="6858000"/>
   <p:notesSz cx="6858000" cy="9144000"/>
@@ -263,7 +264,7 @@
           <a:p>
             <a:fld id="{F3B8E073-128F-49A8-A50F-B9D43F2C8A21}" type="datetimeFigureOut">
               <a:rPr lang="en-CA" smtClean="0"/>
-              <a:t>2024-10-06</a:t>
+              <a:t>2025-02-16</a:t>
             </a:fld>
             <a:endParaRPr lang="en-CA"/>
           </a:p>
@@ -463,7 +464,7 @@
           <a:p>
             <a:fld id="{F3B8E073-128F-49A8-A50F-B9D43F2C8A21}" type="datetimeFigureOut">
               <a:rPr lang="en-CA" smtClean="0"/>
-              <a:t>2024-10-06</a:t>
+              <a:t>2025-02-16</a:t>
             </a:fld>
             <a:endParaRPr lang="en-CA"/>
           </a:p>
@@ -673,7 +674,7 @@
           <a:p>
             <a:fld id="{F3B8E073-128F-49A8-A50F-B9D43F2C8A21}" type="datetimeFigureOut">
               <a:rPr lang="en-CA" smtClean="0"/>
-              <a:t>2024-10-06</a:t>
+              <a:t>2025-02-16</a:t>
             </a:fld>
             <a:endParaRPr lang="en-CA"/>
           </a:p>
@@ -873,7 +874,7 @@
           <a:p>
             <a:fld id="{F3B8E073-128F-49A8-A50F-B9D43F2C8A21}" type="datetimeFigureOut">
               <a:rPr lang="en-CA" smtClean="0"/>
-              <a:t>2024-10-06</a:t>
+              <a:t>2025-02-16</a:t>
             </a:fld>
             <a:endParaRPr lang="en-CA"/>
           </a:p>
@@ -1149,7 +1150,7 @@
           <a:p>
             <a:fld id="{F3B8E073-128F-49A8-A50F-B9D43F2C8A21}" type="datetimeFigureOut">
               <a:rPr lang="en-CA" smtClean="0"/>
-              <a:t>2024-10-06</a:t>
+              <a:t>2025-02-16</a:t>
             </a:fld>
             <a:endParaRPr lang="en-CA"/>
           </a:p>
@@ -1417,7 +1418,7 @@
           <a:p>
             <a:fld id="{F3B8E073-128F-49A8-A50F-B9D43F2C8A21}" type="datetimeFigureOut">
               <a:rPr lang="en-CA" smtClean="0"/>
-              <a:t>2024-10-06</a:t>
+              <a:t>2025-02-16</a:t>
             </a:fld>
             <a:endParaRPr lang="en-CA"/>
           </a:p>
@@ -1832,7 +1833,7 @@
           <a:p>
             <a:fld id="{F3B8E073-128F-49A8-A50F-B9D43F2C8A21}" type="datetimeFigureOut">
               <a:rPr lang="en-CA" smtClean="0"/>
-              <a:t>2024-10-06</a:t>
+              <a:t>2025-02-16</a:t>
             </a:fld>
             <a:endParaRPr lang="en-CA"/>
           </a:p>
@@ -1974,7 +1975,7 @@
           <a:p>
             <a:fld id="{F3B8E073-128F-49A8-A50F-B9D43F2C8A21}" type="datetimeFigureOut">
               <a:rPr lang="en-CA" smtClean="0"/>
-              <a:t>2024-10-06</a:t>
+              <a:t>2025-02-16</a:t>
             </a:fld>
             <a:endParaRPr lang="en-CA"/>
           </a:p>
@@ -2087,7 +2088,7 @@
           <a:p>
             <a:fld id="{F3B8E073-128F-49A8-A50F-B9D43F2C8A21}" type="datetimeFigureOut">
               <a:rPr lang="en-CA" smtClean="0"/>
-              <a:t>2024-10-06</a:t>
+              <a:t>2025-02-16</a:t>
             </a:fld>
             <a:endParaRPr lang="en-CA"/>
           </a:p>
@@ -2400,7 +2401,7 @@
           <a:p>
             <a:fld id="{F3B8E073-128F-49A8-A50F-B9D43F2C8A21}" type="datetimeFigureOut">
               <a:rPr lang="en-CA" smtClean="0"/>
-              <a:t>2024-10-06</a:t>
+              <a:t>2025-02-16</a:t>
             </a:fld>
             <a:endParaRPr lang="en-CA"/>
           </a:p>
@@ -2689,7 +2690,7 @@
           <a:p>
             <a:fld id="{F3B8E073-128F-49A8-A50F-B9D43F2C8A21}" type="datetimeFigureOut">
               <a:rPr lang="en-CA" smtClean="0"/>
-              <a:t>2024-10-06</a:t>
+              <a:t>2025-02-16</a:t>
             </a:fld>
             <a:endParaRPr lang="en-CA"/>
           </a:p>
@@ -2932,7 +2933,7 @@
           <a:p>
             <a:fld id="{F3B8E073-128F-49A8-A50F-B9D43F2C8A21}" type="datetimeFigureOut">
               <a:rPr lang="en-CA" smtClean="0"/>
-              <a:t>2024-10-06</a:t>
+              <a:t>2025-02-16</a:t>
             </a:fld>
             <a:endParaRPr lang="en-CA"/>
           </a:p>
@@ -17551,8 +17552,8 @@
         </p:nvCxnSpPr>
         <p:spPr>
           <a:xfrm>
-            <a:off x="1781283" y="4151095"/>
-            <a:ext cx="1908000" cy="0"/>
+            <a:off x="1995896" y="3998696"/>
+            <a:ext cx="1692000" cy="0"/>
           </a:xfrm>
           <a:prstGeom prst="line">
             <a:avLst/>
@@ -17589,8 +17590,8 @@
         </p:nvCxnSpPr>
         <p:spPr>
           <a:xfrm>
-            <a:off x="1781283" y="3688368"/>
-            <a:ext cx="1908000" cy="0"/>
+            <a:off x="1995896" y="3680347"/>
+            <a:ext cx="1692000" cy="0"/>
           </a:xfrm>
           <a:prstGeom prst="line">
             <a:avLst/>
@@ -17627,8 +17628,8 @@
         </p:nvCxnSpPr>
         <p:spPr>
           <a:xfrm>
-            <a:off x="1781283" y="3800359"/>
-            <a:ext cx="1908000" cy="0"/>
+            <a:off x="1995896" y="3736191"/>
+            <a:ext cx="1692000" cy="0"/>
           </a:xfrm>
           <a:prstGeom prst="line">
             <a:avLst/>
@@ -17665,7 +17666,7 @@
         </p:nvCxnSpPr>
         <p:spPr>
           <a:xfrm>
-            <a:off x="3878358" y="4153800"/>
+            <a:off x="3878358" y="3993380"/>
             <a:ext cx="4104000" cy="0"/>
           </a:xfrm>
           <a:prstGeom prst="line">
@@ -17703,7 +17704,7 @@
         </p:nvCxnSpPr>
         <p:spPr>
           <a:xfrm>
-            <a:off x="1675842" y="2563412"/>
+            <a:off x="1890455" y="2563412"/>
             <a:ext cx="1404000" cy="2177"/>
           </a:xfrm>
           <a:prstGeom prst="line">
@@ -17741,7 +17742,7 @@
         </p:nvCxnSpPr>
         <p:spPr>
           <a:xfrm>
-            <a:off x="1675842" y="2739742"/>
+            <a:off x="1890455" y="2739742"/>
             <a:ext cx="1404000" cy="2177"/>
           </a:xfrm>
           <a:prstGeom prst="line">
@@ -17779,7 +17780,7 @@
         </p:nvCxnSpPr>
         <p:spPr>
           <a:xfrm>
-            <a:off x="1675842" y="3114294"/>
+            <a:off x="1890455" y="3114294"/>
             <a:ext cx="1404000" cy="2177"/>
           </a:xfrm>
           <a:prstGeom prst="line">
@@ -17801,8 +17802,8 @@
           </a:fontRef>
         </p:style>
       </p:cxnSp>
-      <mc:AlternateContent xmlns:mc="http://schemas.openxmlformats.org/markup-compatibility/2006" xmlns:a14="http://schemas.microsoft.com/office/drawing/2010/main">
-        <mc:Choice Requires="a14">
+      <mc:AlternateContent xmlns:mc="http://schemas.openxmlformats.org/markup-compatibility/2006">
+        <mc:Choice xmlns:a14="http://schemas.microsoft.com/office/drawing/2010/main" Requires="a14">
           <p:sp>
             <p:nvSpPr>
               <p:cNvPr id="8" name="Rectangle 7">
@@ -17817,7 +17818,7 @@
             </p:nvSpPr>
             <p:spPr>
               <a:xfrm>
-                <a:off x="1745539" y="2468305"/>
+                <a:off x="1960152" y="2468305"/>
                 <a:ext cx="390566" cy="164681"/>
               </a:xfrm>
               <a:prstGeom prst="rect">
@@ -17883,16 +17884,13 @@
                         </m:e>
                         <m:sub>
                           <m:r>
-                            <m:rPr>
-                              <m:sty m:val="p"/>
-                            </m:rPr>
                             <a:rPr lang="vi-VN" sz="800" i="1" dirty="0">
                               <a:solidFill>
                                 <a:schemeClr val="tx1"/>
                               </a:solidFill>
                               <a:latin typeface="Cambria Math" panose="02040503050406030204" pitchFamily="18" charset="0"/>
                             </a:rPr>
-                            <m:t>Z</m:t>
+                            <m:t>𝑧</m:t>
                           </m:r>
                         </m:sub>
                       </m:sSub>
@@ -17935,7 +17933,7 @@
             </p:txBody>
           </p:sp>
         </mc:Choice>
-        <mc:Fallback xmlns="">
+        <mc:Fallback>
           <p:sp>
             <p:nvSpPr>
               <p:cNvPr id="8" name="Rectangle 7">
@@ -17952,7 +17950,7 @@
             </p:nvSpPr>
             <p:spPr>
               <a:xfrm>
-                <a:off x="1745539" y="2468305"/>
+                <a:off x="1960152" y="2468305"/>
                 <a:ext cx="390566" cy="164681"/>
               </a:xfrm>
               <a:prstGeom prst="rect">
@@ -17985,8 +17983,8 @@
           </p:sp>
         </mc:Fallback>
       </mc:AlternateContent>
-      <mc:AlternateContent xmlns:mc="http://schemas.openxmlformats.org/markup-compatibility/2006" xmlns:a14="http://schemas.microsoft.com/office/drawing/2010/main">
-        <mc:Choice Requires="a14">
+      <mc:AlternateContent xmlns:mc="http://schemas.openxmlformats.org/markup-compatibility/2006">
+        <mc:Choice xmlns:a14="http://schemas.microsoft.com/office/drawing/2010/main" Requires="a14">
           <p:sp>
             <p:nvSpPr>
               <p:cNvPr id="9" name="Rectangle 8">
@@ -18001,7 +17999,7 @@
             </p:nvSpPr>
             <p:spPr>
               <a:xfrm>
-                <a:off x="1745539" y="2656950"/>
+                <a:off x="1960152" y="2656950"/>
                 <a:ext cx="390566" cy="164681"/>
               </a:xfrm>
               <a:prstGeom prst="rect">
@@ -18067,16 +18065,13 @@
                         </m:e>
                         <m:sub>
                           <m:r>
-                            <m:rPr>
-                              <m:sty m:val="p"/>
-                            </m:rPr>
                             <a:rPr lang="vi-VN" sz="800" i="1" dirty="0">
                               <a:solidFill>
                                 <a:schemeClr val="tx1"/>
                               </a:solidFill>
                               <a:latin typeface="Cambria Math" panose="02040503050406030204" pitchFamily="18" charset="0"/>
                             </a:rPr>
-                            <m:t>Z</m:t>
+                            <m:t>𝑧</m:t>
                           </m:r>
                         </m:sub>
                       </m:sSub>
@@ -18119,7 +18114,7 @@
             </p:txBody>
           </p:sp>
         </mc:Choice>
-        <mc:Fallback xmlns="">
+        <mc:Fallback>
           <p:sp>
             <p:nvSpPr>
               <p:cNvPr id="9" name="Rectangle 8">
@@ -18136,7 +18131,7 @@
             </p:nvSpPr>
             <p:spPr>
               <a:xfrm>
-                <a:off x="1745539" y="2656950"/>
+                <a:off x="1960152" y="2656950"/>
                 <a:ext cx="390566" cy="164681"/>
               </a:xfrm>
               <a:prstGeom prst="rect">
@@ -18169,8 +18164,8 @@
           </p:sp>
         </mc:Fallback>
       </mc:AlternateContent>
-      <mc:AlternateContent xmlns:mc="http://schemas.openxmlformats.org/markup-compatibility/2006" xmlns:a14="http://schemas.microsoft.com/office/drawing/2010/main">
-        <mc:Choice Requires="a14">
+      <mc:AlternateContent xmlns:mc="http://schemas.openxmlformats.org/markup-compatibility/2006">
+        <mc:Choice xmlns:a14="http://schemas.microsoft.com/office/drawing/2010/main" Requires="a14">
           <p:sp>
             <p:nvSpPr>
               <p:cNvPr id="11" name="Rectangle 10">
@@ -18185,7 +18180,7 @@
             </p:nvSpPr>
             <p:spPr>
               <a:xfrm>
-                <a:off x="1745539" y="3032782"/>
+                <a:off x="1960152" y="3032782"/>
                 <a:ext cx="390566" cy="164681"/>
               </a:xfrm>
               <a:prstGeom prst="rect">
@@ -18251,16 +18246,13 @@
                         </m:e>
                         <m:sub>
                           <m:r>
-                            <m:rPr>
-                              <m:sty m:val="p"/>
-                            </m:rPr>
                             <a:rPr lang="vi-VN" sz="800" i="1" dirty="0">
                               <a:solidFill>
                                 <a:schemeClr val="tx1"/>
                               </a:solidFill>
                               <a:latin typeface="Cambria Math" panose="02040503050406030204" pitchFamily="18" charset="0"/>
                             </a:rPr>
-                            <m:t>Z</m:t>
+                            <m:t>𝑧</m:t>
                           </m:r>
                         </m:sub>
                       </m:sSub>
@@ -18303,7 +18295,7 @@
             </p:txBody>
           </p:sp>
         </mc:Choice>
-        <mc:Fallback xmlns="">
+        <mc:Fallback>
           <p:sp>
             <p:nvSpPr>
               <p:cNvPr id="11" name="Rectangle 10">
@@ -18320,7 +18312,7 @@
             </p:nvSpPr>
             <p:spPr>
               <a:xfrm>
-                <a:off x="1745539" y="3032782"/>
+                <a:off x="1960152" y="3032782"/>
                 <a:ext cx="390566" cy="164681"/>
               </a:xfrm>
               <a:prstGeom prst="rect">
@@ -18353,8 +18345,8 @@
           </p:sp>
         </mc:Fallback>
       </mc:AlternateContent>
-      <mc:AlternateContent xmlns:mc="http://schemas.openxmlformats.org/markup-compatibility/2006" xmlns:a14="http://schemas.microsoft.com/office/drawing/2010/main">
-        <mc:Choice Requires="a14">
+      <mc:AlternateContent xmlns:mc="http://schemas.openxmlformats.org/markup-compatibility/2006">
+        <mc:Choice xmlns:a14="http://schemas.microsoft.com/office/drawing/2010/main" Requires="a14">
           <p:sp>
             <p:nvSpPr>
               <p:cNvPr id="12" name="Rectangle 11">
@@ -18369,7 +18361,7 @@
             </p:nvSpPr>
             <p:spPr>
               <a:xfrm>
-                <a:off x="2179670" y="2471360"/>
+                <a:off x="2394283" y="2471360"/>
                 <a:ext cx="390566" cy="164681"/>
               </a:xfrm>
               <a:prstGeom prst="rect">
@@ -18435,16 +18427,13 @@
                         </m:e>
                         <m:sub>
                           <m:r>
-                            <m:rPr>
-                              <m:sty m:val="p"/>
-                            </m:rPr>
                             <a:rPr lang="vi-VN" sz="800" i="1" dirty="0">
                               <a:solidFill>
                                 <a:schemeClr val="tx1"/>
                               </a:solidFill>
                               <a:latin typeface="Cambria Math" panose="02040503050406030204" pitchFamily="18" charset="0"/>
                             </a:rPr>
-                            <m:t>X</m:t>
+                            <m:t>𝑥</m:t>
                           </m:r>
                         </m:sub>
                       </m:sSub>
@@ -18487,7 +18476,7 @@
             </p:txBody>
           </p:sp>
         </mc:Choice>
-        <mc:Fallback xmlns="">
+        <mc:Fallback>
           <p:sp>
             <p:nvSpPr>
               <p:cNvPr id="12" name="Rectangle 11">
@@ -18504,7 +18493,7 @@
             </p:nvSpPr>
             <p:spPr>
               <a:xfrm>
-                <a:off x="2179670" y="2471360"/>
+                <a:off x="2394283" y="2471360"/>
                 <a:ext cx="390566" cy="164681"/>
               </a:xfrm>
               <a:prstGeom prst="rect">
@@ -18537,8 +18526,8 @@
           </p:sp>
         </mc:Fallback>
       </mc:AlternateContent>
-      <mc:AlternateContent xmlns:mc="http://schemas.openxmlformats.org/markup-compatibility/2006" xmlns:a14="http://schemas.microsoft.com/office/drawing/2010/main">
-        <mc:Choice Requires="a14">
+      <mc:AlternateContent xmlns:mc="http://schemas.openxmlformats.org/markup-compatibility/2006">
+        <mc:Choice xmlns:a14="http://schemas.microsoft.com/office/drawing/2010/main" Requires="a14">
           <p:sp>
             <p:nvSpPr>
               <p:cNvPr id="13" name="Rectangle 12">
@@ -18553,7 +18542,7 @@
             </p:nvSpPr>
             <p:spPr>
               <a:xfrm>
-                <a:off x="2179670" y="2660005"/>
+                <a:off x="2394283" y="2660005"/>
                 <a:ext cx="390566" cy="164681"/>
               </a:xfrm>
               <a:prstGeom prst="rect">
@@ -18619,16 +18608,13 @@
                         </m:e>
                         <m:sub>
                           <m:r>
-                            <m:rPr>
-                              <m:sty m:val="p"/>
-                            </m:rPr>
                             <a:rPr lang="vi-VN" sz="800" i="1" dirty="0">
                               <a:solidFill>
                                 <a:schemeClr val="tx1"/>
                               </a:solidFill>
                               <a:latin typeface="Cambria Math" panose="02040503050406030204" pitchFamily="18" charset="0"/>
                             </a:rPr>
-                            <m:t>X</m:t>
+                            <m:t>𝑥</m:t>
                           </m:r>
                         </m:sub>
                       </m:sSub>
@@ -18671,7 +18657,7 @@
             </p:txBody>
           </p:sp>
         </mc:Choice>
-        <mc:Fallback xmlns="">
+        <mc:Fallback>
           <p:sp>
             <p:nvSpPr>
               <p:cNvPr id="13" name="Rectangle 12">
@@ -18688,7 +18674,7 @@
             </p:nvSpPr>
             <p:spPr>
               <a:xfrm>
-                <a:off x="2179670" y="2660005"/>
+                <a:off x="2394283" y="2660005"/>
                 <a:ext cx="390566" cy="164681"/>
               </a:xfrm>
               <a:prstGeom prst="rect">
@@ -18721,8 +18707,8 @@
           </p:sp>
         </mc:Fallback>
       </mc:AlternateContent>
-      <mc:AlternateContent xmlns:mc="http://schemas.openxmlformats.org/markup-compatibility/2006" xmlns:a14="http://schemas.microsoft.com/office/drawing/2010/main">
-        <mc:Choice Requires="a14">
+      <mc:AlternateContent xmlns:mc="http://schemas.openxmlformats.org/markup-compatibility/2006">
+        <mc:Choice xmlns:a14="http://schemas.microsoft.com/office/drawing/2010/main" Requires="a14">
           <p:sp>
             <p:nvSpPr>
               <p:cNvPr id="15" name="Rectangle 14">
@@ -18737,7 +18723,7 @@
             </p:nvSpPr>
             <p:spPr>
               <a:xfrm>
-                <a:off x="2179670" y="3035837"/>
+                <a:off x="2394283" y="3035837"/>
                 <a:ext cx="390566" cy="164681"/>
               </a:xfrm>
               <a:prstGeom prst="rect">
@@ -18803,16 +18789,13 @@
                         </m:e>
                         <m:sub>
                           <m:r>
-                            <m:rPr>
-                              <m:sty m:val="p"/>
-                            </m:rPr>
                             <a:rPr lang="vi-VN" sz="800" i="1" dirty="0">
                               <a:solidFill>
                                 <a:schemeClr val="tx1"/>
                               </a:solidFill>
                               <a:latin typeface="Cambria Math" panose="02040503050406030204" pitchFamily="18" charset="0"/>
                             </a:rPr>
-                            <m:t>X</m:t>
+                            <m:t>𝑥</m:t>
                           </m:r>
                         </m:sub>
                       </m:sSub>
@@ -18855,7 +18838,7 @@
             </p:txBody>
           </p:sp>
         </mc:Choice>
-        <mc:Fallback xmlns="">
+        <mc:Fallback>
           <p:sp>
             <p:nvSpPr>
               <p:cNvPr id="15" name="Rectangle 14">
@@ -18872,7 +18855,7 @@
             </p:nvSpPr>
             <p:spPr>
               <a:xfrm>
-                <a:off x="2179670" y="3035837"/>
+                <a:off x="2394283" y="3035837"/>
                 <a:ext cx="390566" cy="164681"/>
               </a:xfrm>
               <a:prstGeom prst="rect">
@@ -18905,8 +18888,8 @@
           </p:sp>
         </mc:Fallback>
       </mc:AlternateContent>
-      <mc:AlternateContent xmlns:mc="http://schemas.openxmlformats.org/markup-compatibility/2006" xmlns:a14="http://schemas.microsoft.com/office/drawing/2010/main">
-        <mc:Choice Requires="a14">
+      <mc:AlternateContent xmlns:mc="http://schemas.openxmlformats.org/markup-compatibility/2006">
+        <mc:Choice xmlns:a14="http://schemas.microsoft.com/office/drawing/2010/main" Requires="a14">
           <p:sp>
             <p:nvSpPr>
               <p:cNvPr id="16" name="Rectangle 15">
@@ -18921,7 +18904,7 @@
             </p:nvSpPr>
             <p:spPr>
               <a:xfrm>
-                <a:off x="2615200" y="2477038"/>
+                <a:off x="2829813" y="2477038"/>
                 <a:ext cx="390566" cy="164681"/>
               </a:xfrm>
               <a:prstGeom prst="rect">
@@ -18987,16 +18970,13 @@
                         </m:e>
                         <m:sub>
                           <m:r>
-                            <m:rPr>
-                              <m:sty m:val="p"/>
-                            </m:rPr>
                             <a:rPr lang="vi-VN" sz="800" i="1" dirty="0">
                               <a:solidFill>
                                 <a:schemeClr val="tx1"/>
                               </a:solidFill>
                               <a:latin typeface="Cambria Math" panose="02040503050406030204" pitchFamily="18" charset="0"/>
                             </a:rPr>
-                            <m:t>Z</m:t>
+                            <m:t>𝑧</m:t>
                           </m:r>
                         </m:sub>
                       </m:sSub>
@@ -19039,7 +19019,7 @@
             </p:txBody>
           </p:sp>
         </mc:Choice>
-        <mc:Fallback xmlns="">
+        <mc:Fallback>
           <p:sp>
             <p:nvSpPr>
               <p:cNvPr id="16" name="Rectangle 15">
@@ -19056,7 +19036,7 @@
             </p:nvSpPr>
             <p:spPr>
               <a:xfrm>
-                <a:off x="2615200" y="2477038"/>
+                <a:off x="2829813" y="2477038"/>
                 <a:ext cx="390566" cy="164681"/>
               </a:xfrm>
               <a:prstGeom prst="rect">
@@ -19089,8 +19069,8 @@
           </p:sp>
         </mc:Fallback>
       </mc:AlternateContent>
-      <mc:AlternateContent xmlns:mc="http://schemas.openxmlformats.org/markup-compatibility/2006" xmlns:a14="http://schemas.microsoft.com/office/drawing/2010/main">
-        <mc:Choice Requires="a14">
+      <mc:AlternateContent xmlns:mc="http://schemas.openxmlformats.org/markup-compatibility/2006">
+        <mc:Choice xmlns:a14="http://schemas.microsoft.com/office/drawing/2010/main" Requires="a14">
           <p:sp>
             <p:nvSpPr>
               <p:cNvPr id="17" name="Rectangle 16">
@@ -19105,7 +19085,7 @@
             </p:nvSpPr>
             <p:spPr>
               <a:xfrm>
-                <a:off x="2615200" y="2665683"/>
+                <a:off x="2829813" y="2665683"/>
                 <a:ext cx="390566" cy="164681"/>
               </a:xfrm>
               <a:prstGeom prst="rect">
@@ -19171,16 +19151,13 @@
                         </m:e>
                         <m:sub>
                           <m:r>
-                            <m:rPr>
-                              <m:sty m:val="p"/>
-                            </m:rPr>
                             <a:rPr lang="vi-VN" sz="800" i="1" dirty="0">
                               <a:solidFill>
                                 <a:schemeClr val="tx1"/>
                               </a:solidFill>
                               <a:latin typeface="Cambria Math" panose="02040503050406030204" pitchFamily="18" charset="0"/>
                             </a:rPr>
-                            <m:t>Z</m:t>
+                            <m:t>𝑧</m:t>
                           </m:r>
                         </m:sub>
                       </m:sSub>
@@ -19223,7 +19200,7 @@
             </p:txBody>
           </p:sp>
         </mc:Choice>
-        <mc:Fallback xmlns="">
+        <mc:Fallback>
           <p:sp>
             <p:nvSpPr>
               <p:cNvPr id="17" name="Rectangle 16">
@@ -19240,7 +19217,7 @@
             </p:nvSpPr>
             <p:spPr>
               <a:xfrm>
-                <a:off x="2615200" y="2665683"/>
+                <a:off x="2829813" y="2665683"/>
                 <a:ext cx="390566" cy="164681"/>
               </a:xfrm>
               <a:prstGeom prst="rect">
@@ -19273,8 +19250,8 @@
           </p:sp>
         </mc:Fallback>
       </mc:AlternateContent>
-      <mc:AlternateContent xmlns:mc="http://schemas.openxmlformats.org/markup-compatibility/2006" xmlns:a14="http://schemas.microsoft.com/office/drawing/2010/main">
-        <mc:Choice Requires="a14">
+      <mc:AlternateContent xmlns:mc="http://schemas.openxmlformats.org/markup-compatibility/2006">
+        <mc:Choice xmlns:a14="http://schemas.microsoft.com/office/drawing/2010/main" Requires="a14">
           <p:sp>
             <p:nvSpPr>
               <p:cNvPr id="19" name="Rectangle 18">
@@ -19289,7 +19266,7 @@
             </p:nvSpPr>
             <p:spPr>
               <a:xfrm>
-                <a:off x="2615200" y="3041515"/>
+                <a:off x="2829813" y="3041515"/>
                 <a:ext cx="390566" cy="164681"/>
               </a:xfrm>
               <a:prstGeom prst="rect">
@@ -19355,16 +19332,13 @@
                         </m:e>
                         <m:sub>
                           <m:r>
-                            <m:rPr>
-                              <m:sty m:val="p"/>
-                            </m:rPr>
                             <a:rPr lang="vi-VN" sz="800" i="1" dirty="0">
                               <a:solidFill>
                                 <a:schemeClr val="tx1"/>
                               </a:solidFill>
                               <a:latin typeface="Cambria Math" panose="02040503050406030204" pitchFamily="18" charset="0"/>
                             </a:rPr>
-                            <m:t>Z</m:t>
+                            <m:t>𝑧</m:t>
                           </m:r>
                         </m:sub>
                       </m:sSub>
@@ -19407,7 +19381,7 @@
             </p:txBody>
           </p:sp>
         </mc:Choice>
-        <mc:Fallback xmlns="">
+        <mc:Fallback>
           <p:sp>
             <p:nvSpPr>
               <p:cNvPr id="19" name="Rectangle 18">
@@ -19424,7 +19398,7 @@
             </p:nvSpPr>
             <p:spPr>
               <a:xfrm>
-                <a:off x="2615200" y="3041515"/>
+                <a:off x="2829813" y="3041515"/>
                 <a:ext cx="390566" cy="164681"/>
               </a:xfrm>
               <a:prstGeom prst="rect">
@@ -19471,8 +19445,8 @@
         </p:nvSpPr>
         <p:spPr>
           <a:xfrm>
-            <a:off x="1589892" y="2346275"/>
-            <a:ext cx="2215054" cy="966031"/>
+            <a:off x="1831363" y="2435267"/>
+            <a:ext cx="2146528" cy="823428"/>
           </a:xfrm>
           <a:prstGeom prst="rect">
             <a:avLst/>
@@ -19482,7 +19456,7 @@
             <a:solidFill>
               <a:schemeClr val="tx1"/>
             </a:solidFill>
-            <a:prstDash val="lgDash"/>
+            <a:prstDash val="sysDot"/>
           </a:ln>
         </p:spPr>
         <p:style>
@@ -19510,8 +19484,8 @@
           </a:p>
         </p:txBody>
       </p:sp>
-      <mc:AlternateContent xmlns:mc="http://schemas.openxmlformats.org/markup-compatibility/2006" xmlns:a14="http://schemas.microsoft.com/office/drawing/2010/main">
-        <mc:Choice Requires="a14">
+      <mc:AlternateContent xmlns:mc="http://schemas.openxmlformats.org/markup-compatibility/2006">
+        <mc:Choice xmlns:a14="http://schemas.microsoft.com/office/drawing/2010/main" Requires="a14">
           <p:sp>
             <p:nvSpPr>
               <p:cNvPr id="22" name="Rectangle 21">
@@ -19526,7 +19500,7 @@
             </p:nvSpPr>
             <p:spPr>
               <a:xfrm>
-                <a:off x="3422526" y="2492688"/>
+                <a:off x="3637139" y="2492688"/>
                 <a:ext cx="296843" cy="720362"/>
               </a:xfrm>
               <a:prstGeom prst="rect">
@@ -19601,7 +19575,7 @@
             </p:txBody>
           </p:sp>
         </mc:Choice>
-        <mc:Fallback xmlns="">
+        <mc:Fallback>
           <p:sp>
             <p:nvSpPr>
               <p:cNvPr id="22" name="Rectangle 21">
@@ -19618,7 +19592,7 @@
             </p:nvSpPr>
             <p:spPr>
               <a:xfrm>
-                <a:off x="3422526" y="2492688"/>
+                <a:off x="3637139" y="2492688"/>
                 <a:ext cx="296843" cy="720362"/>
               </a:xfrm>
               <a:prstGeom prst="rect">
@@ -19627,7 +19601,7 @@
               <a:blipFill>
                 <a:blip r:embed="rId11"/>
                 <a:stretch>
-                  <a:fillRect/>
+                  <a:fillRect l="-4000"/>
                 </a:stretch>
               </a:blipFill>
               <a:ln>
@@ -19665,7 +19639,7 @@
         </p:nvSpPr>
         <p:spPr>
           <a:xfrm>
-            <a:off x="3042485" y="2724106"/>
+            <a:off x="3257098" y="2724106"/>
             <a:ext cx="380715" cy="274320"/>
           </a:xfrm>
           <a:prstGeom prst="rect">
@@ -19715,10 +19689,10 @@
       </p:sp>
       <p:sp>
         <p:nvSpPr>
-          <p:cNvPr id="24" name="Left Bracket 23">
+          <p:cNvPr id="25" name="Left Bracket 24">
             <a:extLst>
               <a:ext uri="{FF2B5EF4-FFF2-40B4-BE49-F238E27FC236}">
-                <a16:creationId xmlns:a16="http://schemas.microsoft.com/office/drawing/2014/main" id="{DEDAE62D-6AC2-FF28-1D5D-9D8EBBC77D48}"/>
+                <a16:creationId xmlns:a16="http://schemas.microsoft.com/office/drawing/2014/main" id="{FBF9EEB7-582D-E94E-E2E7-1C2F0DD1FA3A}"/>
               </a:ext>
             </a:extLst>
           </p:cNvPr>
@@ -19726,9 +19700,9 @@
           <p:nvPr/>
         </p:nvSpPr>
         <p:spPr>
-          <a:xfrm rot="10800000">
-            <a:off x="3795810" y="2272711"/>
-            <a:ext cx="99675" cy="1116000"/>
+          <a:xfrm>
+            <a:off x="1769380" y="2329038"/>
+            <a:ext cx="109659" cy="1057364"/>
           </a:xfrm>
           <a:prstGeom prst="leftBracket">
             <a:avLst/>
@@ -19757,52 +19731,8 @@
           </a:p>
         </p:txBody>
       </p:sp>
-      <p:sp>
-        <p:nvSpPr>
-          <p:cNvPr id="25" name="Left Bracket 24">
-            <a:extLst>
-              <a:ext uri="{FF2B5EF4-FFF2-40B4-BE49-F238E27FC236}">
-                <a16:creationId xmlns:a16="http://schemas.microsoft.com/office/drawing/2014/main" id="{FBF9EEB7-582D-E94E-E2E7-1C2F0DD1FA3A}"/>
-              </a:ext>
-            </a:extLst>
-          </p:cNvPr>
-          <p:cNvSpPr/>
-          <p:nvPr/>
-        </p:nvSpPr>
-        <p:spPr>
-          <a:xfrm>
-            <a:off x="1508604" y="2270402"/>
-            <a:ext cx="99675" cy="1116000"/>
-          </a:xfrm>
-          <a:prstGeom prst="leftBracket">
-            <a:avLst/>
-          </a:prstGeom>
-        </p:spPr>
-        <p:style>
-          <a:lnRef idx="2">
-            <a:schemeClr val="dk1"/>
-          </a:lnRef>
-          <a:fillRef idx="0">
-            <a:schemeClr val="dk1"/>
-          </a:fillRef>
-          <a:effectRef idx="1">
-            <a:schemeClr val="dk1"/>
-          </a:effectRef>
-          <a:fontRef idx="minor">
-            <a:schemeClr val="tx1"/>
-          </a:fontRef>
-        </p:style>
-        <p:txBody>
-          <a:bodyPr rtlCol="0" anchor="ctr"/>
-          <a:lstStyle/>
-          <a:p>
-            <a:pPr algn="ctr"/>
-            <a:endParaRPr lang="en-VN"/>
-          </a:p>
-        </p:txBody>
-      </p:sp>
-      <mc:AlternateContent xmlns:mc="http://schemas.openxmlformats.org/markup-compatibility/2006" xmlns:a14="http://schemas.microsoft.com/office/drawing/2010/main">
-        <mc:Choice Requires="a14">
+      <mc:AlternateContent xmlns:mc="http://schemas.openxmlformats.org/markup-compatibility/2006">
+        <mc:Choice xmlns:a14="http://schemas.microsoft.com/office/drawing/2010/main" Requires="a14">
           <p:sp>
             <p:nvSpPr>
               <p:cNvPr id="27" name="TextBox 26">
@@ -19817,7 +19747,7 @@
             </p:nvSpPr>
             <p:spPr>
               <a:xfrm>
-                <a:off x="3763379" y="3347291"/>
+                <a:off x="3897782" y="3347291"/>
                 <a:ext cx="412349" cy="246221"/>
               </a:xfrm>
               <a:prstGeom prst="rect">
@@ -19858,7 +19788,7 @@
             </p:txBody>
           </p:sp>
         </mc:Choice>
-        <mc:Fallback xmlns="">
+        <mc:Fallback>
           <p:sp>
             <p:nvSpPr>
               <p:cNvPr id="27" name="TextBox 26">
@@ -19875,7 +19805,7 @@
             </p:nvSpPr>
             <p:spPr>
               <a:xfrm>
-                <a:off x="3763379" y="3347291"/>
+                <a:off x="3897782" y="3347291"/>
                 <a:ext cx="412349" cy="246221"/>
               </a:xfrm>
               <a:prstGeom prst="rect">
@@ -19919,7 +19849,7 @@
         </p:nvCxnSpPr>
         <p:spPr>
           <a:xfrm>
-            <a:off x="4119076" y="2162387"/>
+            <a:off x="4119076" y="2435101"/>
             <a:ext cx="3995443" cy="0"/>
           </a:xfrm>
           <a:prstGeom prst="line">
@@ -19957,7 +19887,7 @@
         </p:nvCxnSpPr>
         <p:spPr>
           <a:xfrm>
-            <a:off x="4119076" y="2330276"/>
+            <a:off x="4119076" y="2602990"/>
             <a:ext cx="3995443" cy="0"/>
           </a:xfrm>
           <a:prstGeom prst="line">
@@ -19995,7 +19925,7 @@
         </p:nvCxnSpPr>
         <p:spPr>
           <a:xfrm flipV="1">
-            <a:off x="4119076" y="2692361"/>
+            <a:off x="4119076" y="2965075"/>
             <a:ext cx="4001342" cy="21489"/>
           </a:xfrm>
           <a:prstGeom prst="line">
@@ -20017,8 +19947,8 @@
           </a:fontRef>
         </p:style>
       </p:cxnSp>
-      <mc:AlternateContent xmlns:mc="http://schemas.openxmlformats.org/markup-compatibility/2006" xmlns:a14="http://schemas.microsoft.com/office/drawing/2010/main">
-        <mc:Choice Requires="a14">
+      <mc:AlternateContent xmlns:mc="http://schemas.openxmlformats.org/markup-compatibility/2006">
+        <mc:Choice xmlns:a14="http://schemas.microsoft.com/office/drawing/2010/main" Requires="a14">
           <p:sp>
             <p:nvSpPr>
               <p:cNvPr id="33" name="Rectangle 32">
@@ -20033,7 +19963,7 @@
             </p:nvSpPr>
             <p:spPr>
               <a:xfrm>
-                <a:off x="4166269" y="2628978"/>
+                <a:off x="4166269" y="2901692"/>
                 <a:ext cx="181002" cy="167736"/>
               </a:xfrm>
               <a:prstGeom prst="rect">
@@ -20108,7 +20038,7 @@
             </p:txBody>
           </p:sp>
         </mc:Choice>
-        <mc:Fallback xmlns="">
+        <mc:Fallback>
           <p:sp>
             <p:nvSpPr>
               <p:cNvPr id="33" name="Rectangle 32">
@@ -20125,7 +20055,7 @@
             </p:nvSpPr>
             <p:spPr>
               <a:xfrm>
-                <a:off x="4166269" y="2628978"/>
+                <a:off x="4166269" y="2901692"/>
                 <a:ext cx="181002" cy="167736"/>
               </a:xfrm>
               <a:prstGeom prst="rect">
@@ -20134,7 +20064,7 @@
               <a:blipFill>
                 <a:blip r:embed="rId13"/>
                 <a:stretch>
-                  <a:fillRect l="-5882"/>
+                  <a:fillRect l="-5882" b="-6667"/>
                 </a:stretch>
               </a:blipFill>
               <a:ln>
@@ -20172,8 +20102,8 @@
         </p:nvSpPr>
         <p:spPr>
           <a:xfrm>
-            <a:off x="4048028" y="1994419"/>
-            <a:ext cx="4807669" cy="1329590"/>
+            <a:off x="4083749" y="2331348"/>
+            <a:ext cx="4724738" cy="1009199"/>
           </a:xfrm>
           <a:prstGeom prst="rect">
             <a:avLst/>
@@ -20183,7 +20113,7 @@
             <a:solidFill>
               <a:schemeClr val="tx1"/>
             </a:solidFill>
-            <a:prstDash val="lgDash"/>
+            <a:prstDash val="sysDot"/>
           </a:ln>
         </p:spPr>
         <p:style>
@@ -20211,8 +20141,8 @@
           </a:p>
         </p:txBody>
       </p:sp>
-      <mc:AlternateContent xmlns:mc="http://schemas.openxmlformats.org/markup-compatibility/2006" xmlns:a14="http://schemas.microsoft.com/office/drawing/2010/main">
-        <mc:Choice Requires="a14">
+      <mc:AlternateContent xmlns:mc="http://schemas.openxmlformats.org/markup-compatibility/2006">
+        <mc:Choice xmlns:a14="http://schemas.microsoft.com/office/drawing/2010/main" Requires="a14">
           <p:sp>
             <p:nvSpPr>
               <p:cNvPr id="42" name="Rectangle 41">
@@ -20227,7 +20157,7 @@
             </p:nvSpPr>
             <p:spPr>
               <a:xfrm>
-                <a:off x="8487801" y="2088883"/>
+                <a:off x="8487801" y="2361597"/>
                 <a:ext cx="284965" cy="805879"/>
               </a:xfrm>
               <a:prstGeom prst="rect">
@@ -20302,7 +20232,7 @@
             </p:txBody>
           </p:sp>
         </mc:Choice>
-        <mc:Fallback xmlns="">
+        <mc:Fallback>
           <p:sp>
             <p:nvSpPr>
               <p:cNvPr id="42" name="Rectangle 41">
@@ -20319,7 +20249,7 @@
             </p:nvSpPr>
             <p:spPr>
               <a:xfrm>
-                <a:off x="8487801" y="2088883"/>
+                <a:off x="8487801" y="2361597"/>
                 <a:ext cx="284965" cy="805879"/>
               </a:xfrm>
               <a:prstGeom prst="rect">
@@ -20366,7 +20296,7 @@
         </p:nvSpPr>
         <p:spPr>
           <a:xfrm>
-            <a:off x="8104430" y="2320302"/>
+            <a:off x="8104430" y="2593016"/>
             <a:ext cx="387508" cy="274320"/>
           </a:xfrm>
           <a:prstGeom prst="rect">
@@ -20466,8 +20396,8 @@
         </p:nvSpPr>
         <p:spPr>
           <a:xfrm>
-            <a:off x="1240639" y="4429363"/>
-            <a:ext cx="2898793" cy="334699"/>
+            <a:off x="1831362" y="4004300"/>
+            <a:ext cx="2144945" cy="334699"/>
           </a:xfrm>
           <a:prstGeom prst="rect">
             <a:avLst/>
@@ -20506,59 +20436,13 @@
                 <a:latin typeface="Times New Roman" panose="02020603050405020304" pitchFamily="18" charset="0"/>
                 <a:cs typeface="Times New Roman" panose="02020603050405020304" pitchFamily="18" charset="0"/>
               </a:rPr>
-              <a:t>Arbitrary parameterized quantum circuit</a:t>
+              <a:t>Parameterized quantum circuit</a:t>
             </a:r>
           </a:p>
         </p:txBody>
       </p:sp>
-      <p:cxnSp>
-        <p:nvCxnSpPr>
-          <p:cNvPr id="57" name="Straight Arrow Connector 56">
-            <a:extLst>
-              <a:ext uri="{FF2B5EF4-FFF2-40B4-BE49-F238E27FC236}">
-                <a16:creationId xmlns:a16="http://schemas.microsoft.com/office/drawing/2014/main" id="{F5E7C0F0-511C-0B4A-707F-F92A6B873989}"/>
-              </a:ext>
-            </a:extLst>
-          </p:cNvPr>
-          <p:cNvCxnSpPr>
-            <a:cxnSpLocks/>
-            <a:stCxn id="56" idx="0"/>
-            <a:endCxn id="47" idx="2"/>
-          </p:cNvCxnSpPr>
-          <p:nvPr/>
-        </p:nvCxnSpPr>
-        <p:spPr>
-          <a:xfrm flipV="1">
-            <a:off x="2690036" y="4269166"/>
-            <a:ext cx="1" cy="160197"/>
-          </a:xfrm>
-          <a:prstGeom prst="straightConnector1">
-            <a:avLst/>
-          </a:prstGeom>
-          <a:ln>
-            <a:solidFill>
-              <a:srgbClr val="FF0000"/>
-            </a:solidFill>
-            <a:tailEnd type="triangle"/>
-          </a:ln>
-        </p:spPr>
-        <p:style>
-          <a:lnRef idx="2">
-            <a:schemeClr val="dk1"/>
-          </a:lnRef>
-          <a:fillRef idx="0">
-            <a:schemeClr val="dk1"/>
-          </a:fillRef>
-          <a:effectRef idx="1">
-            <a:schemeClr val="dk1"/>
-          </a:effectRef>
-          <a:fontRef idx="minor">
-            <a:schemeClr val="tx1"/>
-          </a:fontRef>
-        </p:style>
-      </p:cxnSp>
-      <mc:AlternateContent xmlns:mc="http://schemas.openxmlformats.org/markup-compatibility/2006" xmlns:a14="http://schemas.microsoft.com/office/drawing/2010/main">
-        <mc:Choice Requires="a14">
+      <mc:AlternateContent xmlns:mc="http://schemas.openxmlformats.org/markup-compatibility/2006">
+        <mc:Choice xmlns:a14="http://schemas.microsoft.com/office/drawing/2010/main" Requires="a14">
           <p:sp>
             <p:nvSpPr>
               <p:cNvPr id="62" name="TextBox 61">
@@ -20573,7 +20457,7 @@
             </p:nvSpPr>
             <p:spPr>
               <a:xfrm>
-                <a:off x="1329191" y="3786327"/>
+                <a:off x="1565593" y="3736123"/>
                 <a:ext cx="366511" cy="215444"/>
               </a:xfrm>
               <a:prstGeom prst="rect">
@@ -20639,7 +20523,7 @@
             </p:txBody>
           </p:sp>
         </mc:Choice>
-        <mc:Fallback xmlns="">
+        <mc:Fallback>
           <p:sp>
             <p:nvSpPr>
               <p:cNvPr id="62" name="TextBox 61">
@@ -20656,7 +20540,7 @@
             </p:nvSpPr>
             <p:spPr>
               <a:xfrm>
-                <a:off x="1329191" y="3786327"/>
+                <a:off x="1565593" y="3736123"/>
                 <a:ext cx="366511" cy="215444"/>
               </a:xfrm>
               <a:prstGeom prst="rect">
@@ -20665,7 +20549,7 @@
               <a:blipFill>
                 <a:blip r:embed="rId15"/>
                 <a:stretch>
-                  <a:fillRect l="-16667" t="-5882" r="-16667" b="-35294"/>
+                  <a:fillRect l="-16667" t="-5556" r="-16667" b="-27778"/>
                 </a:stretch>
               </a:blipFill>
             </p:spPr>
@@ -20700,7 +20584,7 @@
         </p:nvCxnSpPr>
         <p:spPr>
           <a:xfrm>
-            <a:off x="3878358" y="3803064"/>
+            <a:off x="3878358" y="3738896"/>
             <a:ext cx="4104000" cy="0"/>
           </a:xfrm>
           <a:prstGeom prst="line">
@@ -20722,8 +20606,8 @@
           </a:fontRef>
         </p:style>
       </p:cxnSp>
-      <mc:AlternateContent xmlns:mc="http://schemas.openxmlformats.org/markup-compatibility/2006" xmlns:a14="http://schemas.microsoft.com/office/drawing/2010/main">
-        <mc:Choice Requires="a14">
+      <mc:AlternateContent xmlns:mc="http://schemas.openxmlformats.org/markup-compatibility/2006">
+        <mc:Choice xmlns:a14="http://schemas.microsoft.com/office/drawing/2010/main" Requires="a14">
           <p:sp>
             <p:nvSpPr>
               <p:cNvPr id="47" name="Rectangle 46">
@@ -20738,8 +20622,8 @@
             </p:nvSpPr>
             <p:spPr>
               <a:xfrm>
-                <a:off x="2230150" y="3572522"/>
-                <a:ext cx="919773" cy="696644"/>
+                <a:off x="2444763" y="3572893"/>
+                <a:ext cx="919773" cy="463476"/>
               </a:xfrm>
               <a:prstGeom prst="rect">
                 <a:avLst/>
@@ -20833,7 +20717,7 @@
             </p:txBody>
           </p:sp>
         </mc:Choice>
-        <mc:Fallback xmlns="">
+        <mc:Fallback>
           <p:sp>
             <p:nvSpPr>
               <p:cNvPr id="47" name="Rectangle 46">
@@ -20850,8 +20734,8 @@
             </p:nvSpPr>
             <p:spPr>
               <a:xfrm>
-                <a:off x="2230150" y="3572522"/>
-                <a:ext cx="919773" cy="696644"/>
+                <a:off x="2444763" y="3572893"/>
+                <a:ext cx="919773" cy="463476"/>
               </a:xfrm>
               <a:prstGeom prst="rect">
                 <a:avLst/>
@@ -20883,8 +20767,8 @@
           </p:sp>
         </mc:Fallback>
       </mc:AlternateContent>
-      <mc:AlternateContent xmlns:mc="http://schemas.openxmlformats.org/markup-compatibility/2006" xmlns:a14="http://schemas.microsoft.com/office/drawing/2010/main">
-        <mc:Choice Requires="a14">
+      <mc:AlternateContent xmlns:mc="http://schemas.openxmlformats.org/markup-compatibility/2006">
+        <mc:Choice xmlns:a14="http://schemas.microsoft.com/office/drawing/2010/main" Requires="a14">
           <p:sp>
             <p:nvSpPr>
               <p:cNvPr id="60" name="Rectangle 59">
@@ -20899,8 +20783,8 @@
             </p:nvSpPr>
             <p:spPr>
               <a:xfrm>
-                <a:off x="6219454" y="3567880"/>
-                <a:ext cx="555307" cy="696644"/>
+                <a:off x="6219454" y="3575901"/>
+                <a:ext cx="555307" cy="466709"/>
               </a:xfrm>
               <a:prstGeom prst="rect">
                 <a:avLst/>
@@ -20971,7 +20855,7 @@
             </p:txBody>
           </p:sp>
         </mc:Choice>
-        <mc:Fallback xmlns="">
+        <mc:Fallback>
           <p:sp>
             <p:nvSpPr>
               <p:cNvPr id="60" name="Rectangle 59">
@@ -20988,8 +20872,8 @@
             </p:nvSpPr>
             <p:spPr>
               <a:xfrm>
-                <a:off x="6219454" y="3567880"/>
-                <a:ext cx="555307" cy="696644"/>
+                <a:off x="6219454" y="3575901"/>
+                <a:ext cx="555307" cy="466709"/>
               </a:xfrm>
               <a:prstGeom prst="rect">
                 <a:avLst/>
@@ -21021,8 +20905,8 @@
           </p:sp>
         </mc:Fallback>
       </mc:AlternateContent>
-      <mc:AlternateContent xmlns:mc="http://schemas.openxmlformats.org/markup-compatibility/2006" xmlns:a14="http://schemas.microsoft.com/office/drawing/2010/main">
-        <mc:Choice Requires="a14">
+      <mc:AlternateContent xmlns:mc="http://schemas.openxmlformats.org/markup-compatibility/2006">
+        <mc:Choice xmlns:a14="http://schemas.microsoft.com/office/drawing/2010/main" Requires="a14">
           <p:sp>
             <p:nvSpPr>
               <p:cNvPr id="67" name="TextBox 66">
@@ -21037,7 +20921,7 @@
             </p:nvSpPr>
             <p:spPr>
               <a:xfrm>
-                <a:off x="4851115" y="3838433"/>
+                <a:off x="4851115" y="3734160"/>
                 <a:ext cx="402578" cy="276999"/>
               </a:xfrm>
               <a:prstGeom prst="rect">
@@ -21072,7 +20956,7 @@
             </p:txBody>
           </p:sp>
         </mc:Choice>
-        <mc:Fallback xmlns="">
+        <mc:Fallback>
           <p:sp>
             <p:nvSpPr>
               <p:cNvPr id="67" name="TextBox 66">
@@ -21089,7 +20973,7 @@
             </p:nvSpPr>
             <p:spPr>
               <a:xfrm>
-                <a:off x="4851115" y="3838433"/>
+                <a:off x="4851115" y="3734160"/>
                 <a:ext cx="402578" cy="276999"/>
               </a:xfrm>
               <a:prstGeom prst="rect">
@@ -21131,7 +21015,7 @@
         </p:nvSpPr>
         <p:spPr>
           <a:xfrm>
-            <a:off x="5666365" y="4433259"/>
+            <a:off x="5666365" y="3990956"/>
             <a:ext cx="1654002" cy="334698"/>
           </a:xfrm>
           <a:prstGeom prst="rect">
@@ -21176,52 +21060,6 @@
           </a:p>
         </p:txBody>
       </p:sp>
-      <p:cxnSp>
-        <p:nvCxnSpPr>
-          <p:cNvPr id="77" name="Straight Arrow Connector 76">
-            <a:extLst>
-              <a:ext uri="{FF2B5EF4-FFF2-40B4-BE49-F238E27FC236}">
-                <a16:creationId xmlns:a16="http://schemas.microsoft.com/office/drawing/2014/main" id="{221B3439-3972-4F14-3676-3227B976C6E1}"/>
-              </a:ext>
-            </a:extLst>
-          </p:cNvPr>
-          <p:cNvCxnSpPr>
-            <a:cxnSpLocks/>
-            <a:stCxn id="76" idx="0"/>
-            <a:endCxn id="60" idx="2"/>
-          </p:cNvCxnSpPr>
-          <p:nvPr/>
-        </p:nvCxnSpPr>
-        <p:spPr>
-          <a:xfrm flipV="1">
-            <a:off x="6493366" y="4264524"/>
-            <a:ext cx="3742" cy="168735"/>
-          </a:xfrm>
-          <a:prstGeom prst="straightConnector1">
-            <a:avLst/>
-          </a:prstGeom>
-          <a:ln>
-            <a:solidFill>
-              <a:srgbClr val="FF0000"/>
-            </a:solidFill>
-            <a:tailEnd type="triangle"/>
-          </a:ln>
-        </p:spPr>
-        <p:style>
-          <a:lnRef idx="2">
-            <a:schemeClr val="dk1"/>
-          </a:lnRef>
-          <a:fillRef idx="0">
-            <a:schemeClr val="dk1"/>
-          </a:fillRef>
-          <a:effectRef idx="1">
-            <a:schemeClr val="dk1"/>
-          </a:effectRef>
-          <a:fontRef idx="minor">
-            <a:schemeClr val="tx1"/>
-          </a:fontRef>
-        </p:style>
-      </p:cxnSp>
       <mc:AlternateContent xmlns:mc="http://schemas.openxmlformats.org/markup-compatibility/2006">
         <mc:Choice xmlns:a14="http://schemas.microsoft.com/office/drawing/2010/main" Requires="a14">
           <p:sp>
@@ -21238,8 +21076,8 @@
             </p:nvSpPr>
             <p:spPr>
               <a:xfrm rot="16200000">
-                <a:off x="7459918" y="3678277"/>
-                <a:ext cx="696643" cy="475819"/>
+                <a:off x="7574886" y="3566552"/>
+                <a:ext cx="466708" cy="475819"/>
               </a:xfrm>
               <a:prstGeom prst="rect">
                 <a:avLst/>
@@ -21277,7 +21115,7 @@
                 <a14:m>
                   <m:oMath xmlns:m="http://schemas.openxmlformats.org/officeDocument/2006/math">
                     <m:r>
-                      <a:rPr lang="vi-VN" sz="1000" b="0" i="0" dirty="0" smtClean="0">
+                      <a:rPr lang="vi-VN" sz="600" b="0" i="0" dirty="0" smtClean="0">
                         <a:solidFill>
                           <a:schemeClr val="tx1"/>
                         </a:solidFill>
@@ -21288,7 +21126,7 @@
                   </m:oMath>
                 </a14:m>
                 <a:r>
-                  <a:rPr lang="en-CA" sz="1000" dirty="0">
+                  <a:rPr lang="en-CA" sz="600" dirty="0">
                     <a:solidFill>
                       <a:schemeClr val="tx1"/>
                     </a:solidFill>
@@ -21318,8 +21156,8 @@
             </p:nvSpPr>
             <p:spPr>
               <a:xfrm rot="16200000">
-                <a:off x="7459918" y="3678277"/>
-                <a:ext cx="696643" cy="475819"/>
+                <a:off x="7574886" y="3566552"/>
+                <a:ext cx="466708" cy="475819"/>
               </a:xfrm>
               <a:prstGeom prst="rect">
                 <a:avLst/>
@@ -21351,8 +21189,8 @@
           </p:sp>
         </mc:Fallback>
       </mc:AlternateContent>
-      <mc:AlternateContent xmlns:mc="http://schemas.openxmlformats.org/markup-compatibility/2006" xmlns:a14="http://schemas.microsoft.com/office/drawing/2010/main">
-        <mc:Choice Requires="a14">
+      <mc:AlternateContent xmlns:mc="http://schemas.openxmlformats.org/markup-compatibility/2006">
+        <mc:Choice xmlns:a14="http://schemas.microsoft.com/office/drawing/2010/main" Requires="a14">
           <p:sp>
             <p:nvSpPr>
               <p:cNvPr id="87" name="TextBox 86">
@@ -21367,7 +21205,7 @@
             </p:nvSpPr>
             <p:spPr>
               <a:xfrm>
-                <a:off x="4057968" y="2409488"/>
+                <a:off x="4057968" y="2682202"/>
                 <a:ext cx="402578" cy="184666"/>
               </a:xfrm>
               <a:prstGeom prst="rect">
@@ -21402,7 +21240,7 @@
             </p:txBody>
           </p:sp>
         </mc:Choice>
-        <mc:Fallback xmlns="">
+        <mc:Fallback>
           <p:sp>
             <p:nvSpPr>
               <p:cNvPr id="87" name="TextBox 86">
@@ -21419,7 +21257,7 @@
             </p:nvSpPr>
             <p:spPr>
               <a:xfrm>
-                <a:off x="4057968" y="2409488"/>
+                <a:off x="4057968" y="2682202"/>
                 <a:ext cx="402578" cy="184666"/>
               </a:xfrm>
               <a:prstGeom prst="rect">
@@ -21428,7 +21266,7 @@
               <a:blipFill>
                 <a:blip r:embed="rId20"/>
                 <a:stretch>
-                  <a:fillRect/>
+                  <a:fillRect b="-6667"/>
                 </a:stretch>
               </a:blipFill>
             </p:spPr>
@@ -21465,7 +21303,7 @@
         </p:nvCxnSpPr>
         <p:spPr>
           <a:xfrm flipV="1">
-            <a:off x="6647349" y="2363271"/>
+            <a:off x="6647349" y="2635985"/>
             <a:ext cx="445" cy="324448"/>
           </a:xfrm>
           <a:prstGeom prst="line">
@@ -21501,7 +21339,7 @@
         </p:nvSpPr>
         <p:spPr>
           <a:xfrm>
-            <a:off x="6614054" y="2295791"/>
+            <a:off x="6614054" y="2568505"/>
             <a:ext cx="67480" cy="67480"/>
           </a:xfrm>
           <a:prstGeom prst="ellipse">
@@ -21547,7 +21385,7 @@
         </p:nvSpPr>
         <p:spPr>
           <a:xfrm>
-            <a:off x="6613609" y="2687719"/>
+            <a:off x="6613609" y="2960433"/>
             <a:ext cx="67480" cy="67480"/>
           </a:xfrm>
           <a:prstGeom prst="ellipse">
@@ -21579,8 +21417,8 @@
           </a:p>
         </p:txBody>
       </p:sp>
-      <mc:AlternateContent xmlns:mc="http://schemas.openxmlformats.org/markup-compatibility/2006" xmlns:a14="http://schemas.microsoft.com/office/drawing/2010/main">
-        <mc:Choice Requires="a14">
+      <mc:AlternateContent xmlns:mc="http://schemas.openxmlformats.org/markup-compatibility/2006">
+        <mc:Choice xmlns:a14="http://schemas.microsoft.com/office/drawing/2010/main" Requires="a14">
           <p:sp>
             <p:nvSpPr>
               <p:cNvPr id="96" name="TextBox 95">
@@ -21595,7 +21433,7 @@
             </p:nvSpPr>
             <p:spPr>
               <a:xfrm>
-                <a:off x="6634961" y="2404720"/>
+                <a:off x="6634961" y="2677434"/>
                 <a:ext cx="484644" cy="209160"/>
               </a:xfrm>
               <a:prstGeom prst="rect">
@@ -21692,7 +21530,7 @@
             </p:txBody>
           </p:sp>
         </mc:Choice>
-        <mc:Fallback xmlns="">
+        <mc:Fallback>
           <p:sp>
             <p:nvSpPr>
               <p:cNvPr id="96" name="TextBox 95">
@@ -21709,7 +21547,7 @@
             </p:nvSpPr>
             <p:spPr>
               <a:xfrm>
-                <a:off x="6634961" y="2404720"/>
+                <a:off x="6634961" y="2677434"/>
                 <a:ext cx="484644" cy="209160"/>
               </a:xfrm>
               <a:prstGeom prst="rect">
@@ -21718,7 +21556,7 @@
               <a:blipFill>
                 <a:blip r:embed="rId21"/>
                 <a:stretch>
-                  <a:fillRect b="-17647"/>
+                  <a:fillRect b="-16667"/>
                 </a:stretch>
               </a:blipFill>
             </p:spPr>
@@ -21737,8 +21575,8 @@
           </p:sp>
         </mc:Fallback>
       </mc:AlternateContent>
-      <mc:AlternateContent xmlns:mc="http://schemas.openxmlformats.org/markup-compatibility/2006" xmlns:a14="http://schemas.microsoft.com/office/drawing/2010/main">
-        <mc:Choice Requires="a14">
+      <mc:AlternateContent xmlns:mc="http://schemas.openxmlformats.org/markup-compatibility/2006">
+        <mc:Choice xmlns:a14="http://schemas.microsoft.com/office/drawing/2010/main" Requires="a14">
           <p:sp>
             <p:nvSpPr>
               <p:cNvPr id="97" name="TextBox 96">
@@ -21753,7 +21591,7 @@
             </p:nvSpPr>
             <p:spPr>
               <a:xfrm>
-                <a:off x="7152900" y="2420838"/>
+                <a:off x="7152900" y="2693552"/>
                 <a:ext cx="207732" cy="184666"/>
               </a:xfrm>
               <a:prstGeom prst="rect">
@@ -21788,7 +21626,7 @@
             </p:txBody>
           </p:sp>
         </mc:Choice>
-        <mc:Fallback xmlns="">
+        <mc:Fallback>
           <p:sp>
             <p:nvSpPr>
               <p:cNvPr id="97" name="TextBox 96">
@@ -21805,7 +21643,7 @@
             </p:nvSpPr>
             <p:spPr>
               <a:xfrm>
-                <a:off x="7152900" y="2420838"/>
+                <a:off x="7152900" y="2693552"/>
                 <a:ext cx="207732" cy="184666"/>
               </a:xfrm>
               <a:prstGeom prst="rect">
@@ -21833,8 +21671,8 @@
           </p:sp>
         </mc:Fallback>
       </mc:AlternateContent>
-      <mc:AlternateContent xmlns:mc="http://schemas.openxmlformats.org/markup-compatibility/2006" xmlns:a14="http://schemas.microsoft.com/office/drawing/2010/main">
-        <mc:Choice Requires="a14">
+      <mc:AlternateContent xmlns:mc="http://schemas.openxmlformats.org/markup-compatibility/2006">
+        <mc:Choice xmlns:a14="http://schemas.microsoft.com/office/drawing/2010/main" Requires="a14">
           <p:sp>
             <p:nvSpPr>
               <p:cNvPr id="98" name="Rectangle 97">
@@ -21849,7 +21687,7 @@
             </p:nvSpPr>
             <p:spPr>
               <a:xfrm>
-                <a:off x="7360632" y="2082445"/>
+                <a:off x="7360632" y="2355159"/>
                 <a:ext cx="149767" cy="167736"/>
               </a:xfrm>
               <a:prstGeom prst="rect">
@@ -21924,7 +21762,7 @@
             </p:txBody>
           </p:sp>
         </mc:Choice>
-        <mc:Fallback xmlns="">
+        <mc:Fallback>
           <p:sp>
             <p:nvSpPr>
               <p:cNvPr id="98" name="Rectangle 97">
@@ -21941,7 +21779,7 @@
             </p:nvSpPr>
             <p:spPr>
               <a:xfrm>
-                <a:off x="7360632" y="2082445"/>
+                <a:off x="7360632" y="2355159"/>
                 <a:ext cx="149767" cy="167736"/>
               </a:xfrm>
               <a:prstGeom prst="rect">
@@ -21950,7 +21788,7 @@
               <a:blipFill>
                 <a:blip r:embed="rId23"/>
                 <a:stretch>
-                  <a:fillRect l="-13333"/>
+                  <a:fillRect l="-13333" b="-6250"/>
                 </a:stretch>
               </a:blipFill>
               <a:ln>
@@ -21991,7 +21829,7 @@
         </p:nvCxnSpPr>
         <p:spPr>
           <a:xfrm>
-            <a:off x="7662426" y="2197639"/>
+            <a:off x="7662426" y="2470353"/>
             <a:ext cx="0" cy="502226"/>
           </a:xfrm>
           <a:prstGeom prst="line">
@@ -22027,7 +21865,7 @@
         </p:nvSpPr>
         <p:spPr>
           <a:xfrm>
-            <a:off x="7628686" y="2130159"/>
+            <a:off x="7628686" y="2402873"/>
             <a:ext cx="67480" cy="67480"/>
           </a:xfrm>
           <a:prstGeom prst="ellipse">
@@ -22075,7 +21913,7 @@
         </p:nvCxnSpPr>
         <p:spPr>
           <a:xfrm>
-            <a:off x="7608190" y="2661662"/>
+            <a:off x="7608190" y="2934376"/>
             <a:ext cx="113414" cy="93208"/>
           </a:xfrm>
           <a:prstGeom prst="line">
@@ -22113,7 +21951,7 @@
         </p:nvCxnSpPr>
         <p:spPr>
           <a:xfrm flipV="1">
-            <a:off x="7602774" y="2659970"/>
+            <a:off x="7602774" y="2932684"/>
             <a:ext cx="115392" cy="99228"/>
           </a:xfrm>
           <a:prstGeom prst="line">
@@ -22152,7 +21990,7 @@
         </p:nvCxnSpPr>
         <p:spPr>
           <a:xfrm>
-            <a:off x="7974967" y="2198275"/>
+            <a:off x="7974967" y="2470989"/>
             <a:ext cx="0" cy="502226"/>
           </a:xfrm>
           <a:prstGeom prst="line">
@@ -22188,7 +22026,7 @@
         </p:nvSpPr>
         <p:spPr>
           <a:xfrm>
-            <a:off x="7941227" y="2130795"/>
+            <a:off x="7941227" y="2403509"/>
             <a:ext cx="67480" cy="67480"/>
           </a:xfrm>
           <a:prstGeom prst="ellipse">
@@ -22236,7 +22074,7 @@
         </p:nvCxnSpPr>
         <p:spPr>
           <a:xfrm>
-            <a:off x="7920731" y="2662298"/>
+            <a:off x="7920731" y="2935012"/>
             <a:ext cx="113414" cy="93208"/>
           </a:xfrm>
           <a:prstGeom prst="line">
@@ -22274,7 +22112,7 @@
         </p:nvCxnSpPr>
         <p:spPr>
           <a:xfrm flipV="1">
-            <a:off x="7915315" y="2660606"/>
+            <a:off x="7915315" y="2933320"/>
             <a:ext cx="115392" cy="99228"/>
           </a:xfrm>
           <a:prstGeom prst="line">
@@ -22313,7 +22151,7 @@
         </p:nvCxnSpPr>
         <p:spPr>
           <a:xfrm flipV="1">
-            <a:off x="7819959" y="2180017"/>
+            <a:off x="7819959" y="2452731"/>
             <a:ext cx="995" cy="497391"/>
           </a:xfrm>
           <a:prstGeom prst="line">
@@ -22349,7 +22187,7 @@
         </p:nvSpPr>
         <p:spPr>
           <a:xfrm>
-            <a:off x="7786219" y="2677408"/>
+            <a:off x="7786219" y="2950122"/>
             <a:ext cx="67480" cy="67480"/>
           </a:xfrm>
           <a:prstGeom prst="ellipse">
@@ -22397,7 +22235,7 @@
         </p:nvCxnSpPr>
         <p:spPr>
           <a:xfrm>
-            <a:off x="7762935" y="2113796"/>
+            <a:off x="7762935" y="2386510"/>
             <a:ext cx="113414" cy="93208"/>
           </a:xfrm>
           <a:prstGeom prst="line">
@@ -22435,7 +22273,7 @@
         </p:nvCxnSpPr>
         <p:spPr>
           <a:xfrm flipV="1">
-            <a:off x="7757519" y="2112104"/>
+            <a:off x="7757519" y="2384818"/>
             <a:ext cx="115392" cy="99228"/>
           </a:xfrm>
           <a:prstGeom prst="line">
@@ -22471,7 +22309,7 @@
         </p:nvSpPr>
         <p:spPr>
           <a:xfrm>
-            <a:off x="7570331" y="2067372"/>
+            <a:off x="7570331" y="2340086"/>
             <a:ext cx="500359" cy="807397"/>
           </a:xfrm>
           <a:prstGeom prst="rect">
@@ -22514,8 +22352,8 @@
           </a:p>
         </p:txBody>
       </p:sp>
-      <mc:AlternateContent xmlns:mc="http://schemas.openxmlformats.org/markup-compatibility/2006" xmlns:a14="http://schemas.microsoft.com/office/drawing/2010/main">
-        <mc:Choice Requires="a14">
+      <mc:AlternateContent xmlns:mc="http://schemas.openxmlformats.org/markup-compatibility/2006">
+        <mc:Choice xmlns:a14="http://schemas.microsoft.com/office/drawing/2010/main" Requires="a14">
           <p:sp>
             <p:nvSpPr>
               <p:cNvPr id="118" name="Rectangle 117">
@@ -22530,7 +22368,7 @@
             </p:nvSpPr>
             <p:spPr>
               <a:xfrm>
-                <a:off x="4564215" y="2569722"/>
+                <a:off x="4564215" y="2842436"/>
                 <a:ext cx="500359" cy="260286"/>
               </a:xfrm>
               <a:prstGeom prst="rect">
@@ -22707,7 +22545,7 @@
             </p:txBody>
           </p:sp>
         </mc:Choice>
-        <mc:Fallback xmlns="">
+        <mc:Fallback>
           <p:sp>
             <p:nvSpPr>
               <p:cNvPr id="118" name="Rectangle 117">
@@ -22724,7 +22562,7 @@
             </p:nvSpPr>
             <p:spPr>
               <a:xfrm>
-                <a:off x="4564215" y="2569722"/>
+                <a:off x="4564215" y="2842436"/>
                 <a:ext cx="500359" cy="260286"/>
               </a:xfrm>
               <a:prstGeom prst="rect">
@@ -22733,7 +22571,7 @@
               <a:blipFill>
                 <a:blip r:embed="rId24"/>
                 <a:stretch>
-                  <a:fillRect b="-4545"/>
+                  <a:fillRect/>
                 </a:stretch>
               </a:blipFill>
               <a:ln>
@@ -22774,7 +22612,7 @@
         </p:nvCxnSpPr>
         <p:spPr>
           <a:xfrm>
-            <a:off x="5156604" y="2204896"/>
+            <a:off x="5156604" y="2477610"/>
             <a:ext cx="0" cy="502226"/>
           </a:xfrm>
           <a:prstGeom prst="line">
@@ -22810,7 +22648,7 @@
         </p:nvSpPr>
         <p:spPr>
           <a:xfrm>
-            <a:off x="5122864" y="2137416"/>
+            <a:off x="5122864" y="2410130"/>
             <a:ext cx="67480" cy="67480"/>
           </a:xfrm>
           <a:prstGeom prst="ellipse">
@@ -22858,7 +22696,7 @@
         </p:nvCxnSpPr>
         <p:spPr>
           <a:xfrm>
-            <a:off x="5102368" y="2668919"/>
+            <a:off x="5102368" y="2941633"/>
             <a:ext cx="113414" cy="93208"/>
           </a:xfrm>
           <a:prstGeom prst="line">
@@ -22896,7 +22734,7 @@
         </p:nvCxnSpPr>
         <p:spPr>
           <a:xfrm flipV="1">
-            <a:off x="5096952" y="2667227"/>
+            <a:off x="5096952" y="2939941"/>
             <a:ext cx="115392" cy="99228"/>
           </a:xfrm>
           <a:prstGeom prst="line">
@@ -22918,8 +22756,8 @@
           </a:fontRef>
         </p:style>
       </p:cxnSp>
-      <mc:AlternateContent xmlns:mc="http://schemas.openxmlformats.org/markup-compatibility/2006" xmlns:a14="http://schemas.microsoft.com/office/drawing/2010/main">
-        <mc:Choice Requires="a14">
+      <mc:AlternateContent xmlns:mc="http://schemas.openxmlformats.org/markup-compatibility/2006">
+        <mc:Choice xmlns:a14="http://schemas.microsoft.com/office/drawing/2010/main" Requires="a14">
           <p:sp>
             <p:nvSpPr>
               <p:cNvPr id="124" name="Rectangle 123">
@@ -22934,7 +22772,7 @@
             </p:nvSpPr>
             <p:spPr>
               <a:xfrm>
-                <a:off x="5254345" y="2569722"/>
+                <a:off x="5254345" y="2842436"/>
                 <a:ext cx="500359" cy="260286"/>
               </a:xfrm>
               <a:prstGeom prst="rect">
@@ -23120,7 +22958,7 @@
             </p:txBody>
           </p:sp>
         </mc:Choice>
-        <mc:Fallback xmlns="">
+        <mc:Fallback>
           <p:sp>
             <p:nvSpPr>
               <p:cNvPr id="124" name="Rectangle 123">
@@ -23137,7 +22975,7 @@
             </p:nvSpPr>
             <p:spPr>
               <a:xfrm>
-                <a:off x="5254345" y="2569722"/>
+                <a:off x="5254345" y="2842436"/>
                 <a:ext cx="500359" cy="260286"/>
               </a:xfrm>
               <a:prstGeom prst="rect">
@@ -23146,7 +22984,7 @@
               <a:blipFill>
                 <a:blip r:embed="rId25"/>
                 <a:stretch>
-                  <a:fillRect b="-4545"/>
+                  <a:fillRect/>
                 </a:stretch>
               </a:blipFill>
               <a:ln>
@@ -23187,7 +23025,7 @@
         </p:nvCxnSpPr>
         <p:spPr>
           <a:xfrm>
-            <a:off x="5860996" y="2201227"/>
+            <a:off x="5860996" y="2473941"/>
             <a:ext cx="0" cy="502226"/>
           </a:xfrm>
           <a:prstGeom prst="line">
@@ -23223,7 +23061,7 @@
         </p:nvSpPr>
         <p:spPr>
           <a:xfrm>
-            <a:off x="5827256" y="2133747"/>
+            <a:off x="5827256" y="2406461"/>
             <a:ext cx="67480" cy="67480"/>
           </a:xfrm>
           <a:prstGeom prst="ellipse">
@@ -23271,7 +23109,7 @@
         </p:nvCxnSpPr>
         <p:spPr>
           <a:xfrm>
-            <a:off x="5806760" y="2665250"/>
+            <a:off x="5806760" y="2937964"/>
             <a:ext cx="113414" cy="93208"/>
           </a:xfrm>
           <a:prstGeom prst="line">
@@ -23309,7 +23147,7 @@
         </p:nvCxnSpPr>
         <p:spPr>
           <a:xfrm flipV="1">
-            <a:off x="5801344" y="2663558"/>
+            <a:off x="5801344" y="2936272"/>
             <a:ext cx="115392" cy="99228"/>
           </a:xfrm>
           <a:prstGeom prst="line">
@@ -23331,8 +23169,8 @@
           </a:fontRef>
         </p:style>
       </p:cxnSp>
-      <mc:AlternateContent xmlns:mc="http://schemas.openxmlformats.org/markup-compatibility/2006" xmlns:a14="http://schemas.microsoft.com/office/drawing/2010/main">
-        <mc:Choice Requires="a14">
+      <mc:AlternateContent xmlns:mc="http://schemas.openxmlformats.org/markup-compatibility/2006">
+        <mc:Choice xmlns:a14="http://schemas.microsoft.com/office/drawing/2010/main" Requires="a14">
           <p:sp>
             <p:nvSpPr>
               <p:cNvPr id="129" name="Rectangle 128">
@@ -23347,7 +23185,7 @@
             </p:nvSpPr>
             <p:spPr>
               <a:xfrm>
-                <a:off x="5958737" y="2573737"/>
+                <a:off x="5958737" y="2846451"/>
                 <a:ext cx="500359" cy="260286"/>
               </a:xfrm>
               <a:prstGeom prst="rect">
@@ -23524,7 +23362,7 @@
             </p:txBody>
           </p:sp>
         </mc:Choice>
-        <mc:Fallback xmlns="">
+        <mc:Fallback>
           <p:sp>
             <p:nvSpPr>
               <p:cNvPr id="129" name="Rectangle 128">
@@ -23541,7 +23379,7 @@
             </p:nvSpPr>
             <p:spPr>
               <a:xfrm>
-                <a:off x="5958737" y="2573737"/>
+                <a:off x="5958737" y="2846451"/>
                 <a:ext cx="500359" cy="260286"/>
               </a:xfrm>
               <a:prstGeom prst="rect">
@@ -23588,7 +23426,7 @@
         </p:nvSpPr>
         <p:spPr>
           <a:xfrm>
-            <a:off x="4504111" y="2081069"/>
+            <a:off x="4504111" y="2353783"/>
             <a:ext cx="2028495" cy="795879"/>
           </a:xfrm>
           <a:prstGeom prst="rect">
@@ -23631,8 +23469,8 @@
           </a:p>
         </p:txBody>
       </p:sp>
-      <mc:AlternateContent xmlns:mc="http://schemas.openxmlformats.org/markup-compatibility/2006" xmlns:a14="http://schemas.microsoft.com/office/drawing/2010/main">
-        <mc:Choice Requires="a14">
+      <mc:AlternateContent xmlns:mc="http://schemas.openxmlformats.org/markup-compatibility/2006">
+        <mc:Choice xmlns:a14="http://schemas.microsoft.com/office/drawing/2010/main" Requires="a14">
           <p:sp>
             <p:nvSpPr>
               <p:cNvPr id="132" name="TextBox 131">
@@ -23647,13 +23485,15 @@
             </p:nvSpPr>
             <p:spPr>
               <a:xfrm>
-                <a:off x="7539695" y="3038726"/>
-                <a:ext cx="538679" cy="153888"/>
+                <a:off x="7625424" y="3268576"/>
+                <a:ext cx="375620" cy="153888"/>
               </a:xfrm>
               <a:prstGeom prst="rect">
                 <a:avLst/>
               </a:prstGeom>
-              <a:noFill/>
+              <a:solidFill>
+                <a:schemeClr val="bg1"/>
+              </a:solidFill>
             </p:spPr>
             <p:txBody>
               <a:bodyPr wrap="square" lIns="0" tIns="0" rIns="0" bIns="0" rtlCol="0">
@@ -23683,7 +23523,7 @@
             </p:txBody>
           </p:sp>
         </mc:Choice>
-        <mc:Fallback xmlns="">
+        <mc:Fallback>
           <p:sp>
             <p:nvSpPr>
               <p:cNvPr id="132" name="TextBox 131">
@@ -23700,8 +23540,8 @@
             </p:nvSpPr>
             <p:spPr>
               <a:xfrm>
-                <a:off x="7539695" y="3038726"/>
-                <a:ext cx="538679" cy="153888"/>
+                <a:off x="7625424" y="3268576"/>
+                <a:ext cx="375620" cy="153888"/>
               </a:xfrm>
               <a:prstGeom prst="rect">
                 <a:avLst/>
@@ -23709,7 +23549,7 @@
               <a:blipFill>
                 <a:blip r:embed="rId27"/>
                 <a:stretch>
-                  <a:fillRect b="-7692"/>
+                  <a:fillRect l="-6452" r="-6452" b="-7692"/>
                 </a:stretch>
               </a:blipFill>
             </p:spPr>
@@ -23728,8 +23568,8 @@
           </p:sp>
         </mc:Fallback>
       </mc:AlternateContent>
-      <mc:AlternateContent xmlns:mc="http://schemas.openxmlformats.org/markup-compatibility/2006" xmlns:a14="http://schemas.microsoft.com/office/drawing/2010/main">
-        <mc:Choice Requires="a14">
+      <mc:AlternateContent xmlns:mc="http://schemas.openxmlformats.org/markup-compatibility/2006">
+        <mc:Choice xmlns:a14="http://schemas.microsoft.com/office/drawing/2010/main" Requires="a14">
           <p:sp>
             <p:nvSpPr>
               <p:cNvPr id="133" name="TextBox 132">
@@ -23744,13 +23584,15 @@
             </p:nvSpPr>
             <p:spPr>
               <a:xfrm>
-                <a:off x="4504111" y="2975341"/>
-                <a:ext cx="2028495" cy="261546"/>
+                <a:off x="5041511" y="3233767"/>
+                <a:ext cx="960616" cy="261546"/>
               </a:xfrm>
               <a:prstGeom prst="rect">
                 <a:avLst/>
               </a:prstGeom>
-              <a:noFill/>
+              <a:solidFill>
+                <a:schemeClr val="bg1"/>
+              </a:solidFill>
             </p:spPr>
             <p:txBody>
               <a:bodyPr wrap="square" lIns="0" tIns="0" rIns="0" bIns="0" rtlCol="0">
@@ -23859,7 +23701,7 @@
             </p:txBody>
           </p:sp>
         </mc:Choice>
-        <mc:Fallback xmlns="">
+        <mc:Fallback>
           <p:sp>
             <p:nvSpPr>
               <p:cNvPr id="133" name="TextBox 132">
@@ -23876,8 +23718,8 @@
             </p:nvSpPr>
             <p:spPr>
               <a:xfrm>
-                <a:off x="4504111" y="2975341"/>
-                <a:ext cx="2028495" cy="261546"/>
+                <a:off x="5041511" y="3233767"/>
+                <a:ext cx="960616" cy="261546"/>
               </a:xfrm>
               <a:prstGeom prst="rect">
                 <a:avLst/>
@@ -23885,7 +23727,7 @@
               <a:blipFill>
                 <a:blip r:embed="rId28"/>
                 <a:stretch>
-                  <a:fillRect b="-19048"/>
+                  <a:fillRect l="-2597" r="-2597" b="-13636"/>
                 </a:stretch>
               </a:blipFill>
             </p:spPr>
@@ -23918,7 +23760,7 @@
         </p:nvSpPr>
         <p:spPr>
           <a:xfrm rot="16200000">
-            <a:off x="5483541" y="1934709"/>
+            <a:off x="5483541" y="2207423"/>
             <a:ext cx="78244" cy="2019886"/>
           </a:xfrm>
           <a:prstGeom prst="leftBrace">
@@ -23966,7 +23808,7 @@
         </p:nvSpPr>
         <p:spPr>
           <a:xfrm rot="16200000">
-            <a:off x="7775091" y="2700847"/>
+            <a:off x="7775091" y="2973561"/>
             <a:ext cx="78244" cy="487765"/>
           </a:xfrm>
           <a:prstGeom prst="leftBrace">
@@ -24016,8 +23858,8 @@
         </p:nvCxnSpPr>
         <p:spPr>
           <a:xfrm flipH="1" flipV="1">
-            <a:off x="4057968" y="3338962"/>
-            <a:ext cx="2171015" cy="232147"/>
+            <a:off x="4107674" y="3347291"/>
+            <a:ext cx="2121309" cy="223818"/>
           </a:xfrm>
           <a:prstGeom prst="line">
             <a:avLst/>
@@ -24060,8 +23902,8 @@
         </p:nvCxnSpPr>
         <p:spPr>
           <a:xfrm flipV="1">
-            <a:off x="6774761" y="3338962"/>
-            <a:ext cx="2080936" cy="220180"/>
+            <a:off x="6774761" y="3347291"/>
+            <a:ext cx="2045882" cy="211851"/>
           </a:xfrm>
           <a:prstGeom prst="line">
             <a:avLst/>
@@ -24104,8 +23946,8 @@
         </p:nvCxnSpPr>
         <p:spPr>
           <a:xfrm flipH="1" flipV="1">
-            <a:off x="1597010" y="3321645"/>
-            <a:ext cx="633140" cy="246221"/>
+            <a:off x="1831362" y="3268358"/>
+            <a:ext cx="613401" cy="299508"/>
           </a:xfrm>
           <a:prstGeom prst="line">
             <a:avLst/>
@@ -24148,8 +23990,8 @@
         </p:nvCxnSpPr>
         <p:spPr>
           <a:xfrm flipV="1">
-            <a:off x="3139017" y="3310872"/>
-            <a:ext cx="680343" cy="274539"/>
+            <a:off x="3353630" y="3268358"/>
+            <a:ext cx="624261" cy="317053"/>
           </a:xfrm>
           <a:prstGeom prst="line">
             <a:avLst/>
@@ -24176,8 +24018,8 @@
           </a:fontRef>
         </p:style>
       </p:cxnSp>
-      <mc:AlternateContent xmlns:mc="http://schemas.openxmlformats.org/markup-compatibility/2006" xmlns:a14="http://schemas.microsoft.com/office/drawing/2010/main">
-        <mc:Choice Requires="a14">
+      <mc:AlternateContent xmlns:mc="http://schemas.openxmlformats.org/markup-compatibility/2006">
+        <mc:Choice xmlns:a14="http://schemas.microsoft.com/office/drawing/2010/main" Requires="a14">
           <p:sp>
             <p:nvSpPr>
               <p:cNvPr id="166" name="TextBox 165">
@@ -24192,7 +24034,7 @@
             </p:nvSpPr>
             <p:spPr>
               <a:xfrm>
-                <a:off x="2173437" y="2840180"/>
+                <a:off x="2388050" y="2840180"/>
                 <a:ext cx="402578" cy="184666"/>
               </a:xfrm>
               <a:prstGeom prst="rect">
@@ -24222,12 +24064,12 @@
                     </m:oMath>
                   </m:oMathPara>
                 </a14:m>
-                <a:endParaRPr lang="en-VN" sz="1200"/>
+                <a:endParaRPr lang="en-VN" sz="1200" i="1"/>
               </a:p>
             </p:txBody>
           </p:sp>
         </mc:Choice>
-        <mc:Fallback xmlns="">
+        <mc:Fallback>
           <p:sp>
             <p:nvSpPr>
               <p:cNvPr id="166" name="TextBox 165">
@@ -24244,7 +24086,7 @@
             </p:nvSpPr>
             <p:spPr>
               <a:xfrm>
-                <a:off x="2173437" y="2840180"/>
+                <a:off x="2388050" y="2840180"/>
                 <a:ext cx="402578" cy="184666"/>
               </a:xfrm>
               <a:prstGeom prst="rect">
@@ -24272,8 +24114,8 @@
           </p:sp>
         </mc:Fallback>
       </mc:AlternateContent>
-      <mc:AlternateContent xmlns:mc="http://schemas.openxmlformats.org/markup-compatibility/2006" xmlns:a14="http://schemas.microsoft.com/office/drawing/2010/main">
-        <mc:Choice Requires="a14">
+      <mc:AlternateContent xmlns:mc="http://schemas.openxmlformats.org/markup-compatibility/2006">
+        <mc:Choice xmlns:a14="http://schemas.microsoft.com/office/drawing/2010/main" Requires="a14">
           <p:sp>
             <p:nvSpPr>
               <p:cNvPr id="171" name="TextBox 170">
@@ -24288,7 +24130,7 @@
             </p:nvSpPr>
             <p:spPr>
               <a:xfrm>
-                <a:off x="3637870" y="3754441"/>
+                <a:off x="3647209" y="3737089"/>
                 <a:ext cx="270533" cy="276999"/>
               </a:xfrm>
               <a:prstGeom prst="rect">
@@ -24323,7 +24165,7 @@
             </p:txBody>
           </p:sp>
         </mc:Choice>
-        <mc:Fallback xmlns="">
+        <mc:Fallback>
           <p:sp>
             <p:nvSpPr>
               <p:cNvPr id="171" name="TextBox 170">
@@ -24340,7 +24182,7 @@
             </p:nvSpPr>
             <p:spPr>
               <a:xfrm>
-                <a:off x="3637870" y="3754441"/>
+                <a:off x="3647209" y="3737089"/>
                 <a:ext cx="270533" cy="276999"/>
               </a:xfrm>
               <a:prstGeom prst="rect">
@@ -24349,7 +24191,7 @@
               <a:blipFill>
                 <a:blip r:embed="rId30"/>
                 <a:stretch>
-                  <a:fillRect b="-4348"/>
+                  <a:fillRect b="-4545"/>
                 </a:stretch>
               </a:blipFill>
             </p:spPr>
@@ -24368,8 +24210,8 @@
           </p:sp>
         </mc:Fallback>
       </mc:AlternateContent>
-      <mc:AlternateContent xmlns:mc="http://schemas.openxmlformats.org/markup-compatibility/2006" xmlns:a14="http://schemas.microsoft.com/office/drawing/2010/main">
-        <mc:Choice Requires="a14">
+      <mc:AlternateContent xmlns:mc="http://schemas.openxmlformats.org/markup-compatibility/2006">
+        <mc:Choice xmlns:a14="http://schemas.microsoft.com/office/drawing/2010/main" Requires="a14">
           <p:sp>
             <p:nvSpPr>
               <p:cNvPr id="175" name="TextBox 174">
@@ -24384,7 +24226,7 @@
             </p:nvSpPr>
             <p:spPr>
               <a:xfrm>
-                <a:off x="8052809" y="3806988"/>
+                <a:off x="7982358" y="3721148"/>
                 <a:ext cx="539360" cy="215444"/>
               </a:xfrm>
               <a:prstGeom prst="rect">
@@ -24451,7 +24293,7 @@
             </p:txBody>
           </p:sp>
         </mc:Choice>
-        <mc:Fallback xmlns="">
+        <mc:Fallback>
           <p:sp>
             <p:nvSpPr>
               <p:cNvPr id="175" name="TextBox 174">
@@ -24468,7 +24310,7 @@
             </p:nvSpPr>
             <p:spPr>
               <a:xfrm>
-                <a:off x="8052809" y="3806988"/>
+                <a:off x="7982358" y="3721148"/>
                 <a:ext cx="539360" cy="215444"/>
               </a:xfrm>
               <a:prstGeom prst="rect">
@@ -24477,7 +24319,7 @@
               <a:blipFill>
                 <a:blip r:embed="rId31"/>
                 <a:stretch>
-                  <a:fillRect b="-29412"/>
+                  <a:fillRect b="-21053"/>
                 </a:stretch>
               </a:blipFill>
             </p:spPr>
@@ -24496,8 +24338,8 @@
           </p:sp>
         </mc:Fallback>
       </mc:AlternateContent>
-      <mc:AlternateContent xmlns:mc="http://schemas.openxmlformats.org/markup-compatibility/2006" xmlns:a14="http://schemas.microsoft.com/office/drawing/2010/main">
-        <mc:Choice Requires="a14">
+      <mc:AlternateContent xmlns:mc="http://schemas.openxmlformats.org/markup-compatibility/2006">
+        <mc:Choice xmlns:a14="http://schemas.microsoft.com/office/drawing/2010/main" Requires="a14">
           <p:sp>
             <p:nvSpPr>
               <p:cNvPr id="6" name="TextBox 5">
@@ -24512,7 +24354,7 @@
             </p:nvSpPr>
             <p:spPr>
               <a:xfrm>
-                <a:off x="1804778" y="3837862"/>
+                <a:off x="2019391" y="3749631"/>
                 <a:ext cx="402578" cy="276999"/>
               </a:xfrm>
               <a:prstGeom prst="rect">
@@ -24547,7 +24389,7 @@
             </p:txBody>
           </p:sp>
         </mc:Choice>
-        <mc:Fallback xmlns="">
+        <mc:Fallback>
           <p:sp>
             <p:nvSpPr>
               <p:cNvPr id="6" name="TextBox 5">
@@ -24564,8 +24406,3169 @@
             </p:nvSpPr>
             <p:spPr>
               <a:xfrm>
-                <a:off x="1804778" y="3837862"/>
+                <a:off x="2019391" y="3749631"/>
                 <a:ext cx="402578" cy="276999"/>
+              </a:xfrm>
+              <a:prstGeom prst="rect">
+                <a:avLst/>
+              </a:prstGeom>
+              <a:blipFill>
+                <a:blip r:embed="rId32"/>
+                <a:stretch>
+                  <a:fillRect/>
+                </a:stretch>
+              </a:blipFill>
+            </p:spPr>
+            <p:txBody>
+              <a:bodyPr/>
+              <a:lstStyle/>
+              <a:p>
+                <a:r>
+                  <a:rPr lang="en-VN">
+                    <a:noFill/>
+                  </a:rPr>
+                  <a:t> </a:t>
+                </a:r>
+              </a:p>
+            </p:txBody>
+          </p:sp>
+        </mc:Fallback>
+      </mc:AlternateContent>
+      <p:sp>
+        <p:nvSpPr>
+          <p:cNvPr id="32" name="Left Bracket 31">
+            <a:extLst>
+              <a:ext uri="{FF2B5EF4-FFF2-40B4-BE49-F238E27FC236}">
+                <a16:creationId xmlns:a16="http://schemas.microsoft.com/office/drawing/2014/main" id="{83C1FCD9-2B7B-DC15-D457-57282EB6C6E2}"/>
+              </a:ext>
+            </a:extLst>
+          </p:cNvPr>
+          <p:cNvSpPr/>
+          <p:nvPr/>
+        </p:nvSpPr>
+        <p:spPr>
+          <a:xfrm flipH="1">
+            <a:off x="3923193" y="2329038"/>
+            <a:ext cx="109659" cy="1057364"/>
+          </a:xfrm>
+          <a:prstGeom prst="leftBracket">
+            <a:avLst/>
+          </a:prstGeom>
+        </p:spPr>
+        <p:style>
+          <a:lnRef idx="2">
+            <a:schemeClr val="dk1"/>
+          </a:lnRef>
+          <a:fillRef idx="0">
+            <a:schemeClr val="dk1"/>
+          </a:fillRef>
+          <a:effectRef idx="1">
+            <a:schemeClr val="dk1"/>
+          </a:effectRef>
+          <a:fontRef idx="minor">
+            <a:schemeClr val="tx1"/>
+          </a:fontRef>
+        </p:style>
+        <p:txBody>
+          <a:bodyPr rtlCol="0" anchor="ctr"/>
+          <a:lstStyle/>
+          <a:p>
+            <a:pPr algn="ctr"/>
+            <a:endParaRPr lang="en-VN"/>
+          </a:p>
+        </p:txBody>
+      </p:sp>
+    </p:spTree>
+    <p:extLst>
+      <p:ext uri="{BB962C8B-B14F-4D97-AF65-F5344CB8AC3E}">
+        <p14:creationId xmlns:p14="http://schemas.microsoft.com/office/powerpoint/2010/main" val="3741988023"/>
+      </p:ext>
+    </p:extLst>
+  </p:cSld>
+  <p:clrMapOvr>
+    <a:masterClrMapping/>
+  </p:clrMapOvr>
+</p:sld>
+</file>
+
+<file path=ppt/slides/slide4.xml><?xml version="1.0" encoding="utf-8"?>
+<p:sld xmlns:a="http://schemas.openxmlformats.org/drawingml/2006/main" xmlns:r="http://schemas.openxmlformats.org/officeDocument/2006/relationships" xmlns:p="http://schemas.openxmlformats.org/presentationml/2006/main">
+  <p:cSld>
+    <p:spTree>
+      <p:nvGrpSpPr>
+        <p:cNvPr id="1" name=""/>
+        <p:cNvGrpSpPr/>
+        <p:nvPr/>
+      </p:nvGrpSpPr>
+      <p:grpSpPr>
+        <a:xfrm>
+          <a:off x="0" y="0"/>
+          <a:ext cx="0" cy="0"/>
+          <a:chOff x="0" y="0"/>
+          <a:chExt cx="0" cy="0"/>
+        </a:xfrm>
+      </p:grpSpPr>
+      <p:sp>
+        <p:nvSpPr>
+          <p:cNvPr id="2" name="Title 1">
+            <a:extLst>
+              <a:ext uri="{FF2B5EF4-FFF2-40B4-BE49-F238E27FC236}">
+                <a16:creationId xmlns:a16="http://schemas.microsoft.com/office/drawing/2014/main" id="{68D543D4-D6A2-EB62-136F-9EC6BE681DE0}"/>
+              </a:ext>
+            </a:extLst>
+          </p:cNvPr>
+          <p:cNvSpPr>
+            <a:spLocks noGrp="1"/>
+          </p:cNvSpPr>
+          <p:nvPr>
+            <p:ph type="title"/>
+          </p:nvPr>
+        </p:nvSpPr>
+        <p:spPr/>
+        <p:txBody>
+          <a:bodyPr/>
+          <a:lstStyle/>
+          <a:p>
+            <a:endParaRPr lang="en-VN" i="1"/>
+          </a:p>
+        </p:txBody>
+      </p:sp>
+      <p:cxnSp>
+        <p:nvCxnSpPr>
+          <p:cNvPr id="4" name="Straight Connector 3">
+            <a:extLst>
+              <a:ext uri="{FF2B5EF4-FFF2-40B4-BE49-F238E27FC236}">
+                <a16:creationId xmlns:a16="http://schemas.microsoft.com/office/drawing/2014/main" id="{3836BE16-1CEB-E714-E8F3-160038EFDD78}"/>
+              </a:ext>
+            </a:extLst>
+          </p:cNvPr>
+          <p:cNvCxnSpPr>
+            <a:cxnSpLocks/>
+          </p:cNvCxnSpPr>
+          <p:nvPr/>
+        </p:nvCxnSpPr>
+        <p:spPr>
+          <a:xfrm>
+            <a:off x="1334317" y="2563412"/>
+            <a:ext cx="1944000" cy="2177"/>
+          </a:xfrm>
+          <a:prstGeom prst="line">
+            <a:avLst/>
+          </a:prstGeom>
+        </p:spPr>
+        <p:style>
+          <a:lnRef idx="2">
+            <a:schemeClr val="dk1"/>
+          </a:lnRef>
+          <a:fillRef idx="0">
+            <a:schemeClr val="dk1"/>
+          </a:fillRef>
+          <a:effectRef idx="1">
+            <a:schemeClr val="dk1"/>
+          </a:effectRef>
+          <a:fontRef idx="minor">
+            <a:schemeClr val="tx1"/>
+          </a:fontRef>
+        </p:style>
+      </p:cxnSp>
+      <p:cxnSp>
+        <p:nvCxnSpPr>
+          <p:cNvPr id="5" name="Straight Connector 4">
+            <a:extLst>
+              <a:ext uri="{FF2B5EF4-FFF2-40B4-BE49-F238E27FC236}">
+                <a16:creationId xmlns:a16="http://schemas.microsoft.com/office/drawing/2014/main" id="{34A7A294-73D4-3CD9-9F7B-46ED96DB221C}"/>
+              </a:ext>
+            </a:extLst>
+          </p:cNvPr>
+          <p:cNvCxnSpPr>
+            <a:cxnSpLocks/>
+          </p:cNvCxnSpPr>
+          <p:nvPr/>
+        </p:nvCxnSpPr>
+        <p:spPr>
+          <a:xfrm>
+            <a:off x="1334317" y="2739742"/>
+            <a:ext cx="1944000" cy="2177"/>
+          </a:xfrm>
+          <a:prstGeom prst="line">
+            <a:avLst/>
+          </a:prstGeom>
+        </p:spPr>
+        <p:style>
+          <a:lnRef idx="2">
+            <a:schemeClr val="dk1"/>
+          </a:lnRef>
+          <a:fillRef idx="0">
+            <a:schemeClr val="dk1"/>
+          </a:fillRef>
+          <a:effectRef idx="1">
+            <a:schemeClr val="dk1"/>
+          </a:effectRef>
+          <a:fontRef idx="minor">
+            <a:schemeClr val="tx1"/>
+          </a:fontRef>
+        </p:style>
+      </p:cxnSp>
+      <p:cxnSp>
+        <p:nvCxnSpPr>
+          <p:cNvPr id="6" name="Straight Connector 5">
+            <a:extLst>
+              <a:ext uri="{FF2B5EF4-FFF2-40B4-BE49-F238E27FC236}">
+                <a16:creationId xmlns:a16="http://schemas.microsoft.com/office/drawing/2014/main" id="{CCA9C577-75A2-C635-34E6-AB05B71BE9DB}"/>
+              </a:ext>
+            </a:extLst>
+          </p:cNvPr>
+          <p:cNvCxnSpPr>
+            <a:cxnSpLocks/>
+          </p:cNvCxnSpPr>
+          <p:nvPr/>
+        </p:nvCxnSpPr>
+        <p:spPr>
+          <a:xfrm>
+            <a:off x="1334317" y="3114294"/>
+            <a:ext cx="1944000" cy="2177"/>
+          </a:xfrm>
+          <a:prstGeom prst="line">
+            <a:avLst/>
+          </a:prstGeom>
+        </p:spPr>
+        <p:style>
+          <a:lnRef idx="2">
+            <a:schemeClr val="dk1"/>
+          </a:lnRef>
+          <a:fillRef idx="0">
+            <a:schemeClr val="dk1"/>
+          </a:fillRef>
+          <a:effectRef idx="1">
+            <a:schemeClr val="dk1"/>
+          </a:effectRef>
+          <a:fontRef idx="minor">
+            <a:schemeClr val="tx1"/>
+          </a:fontRef>
+        </p:style>
+      </p:cxnSp>
+      <mc:AlternateContent xmlns:mc="http://schemas.openxmlformats.org/markup-compatibility/2006">
+        <mc:Choice xmlns:a14="http://schemas.microsoft.com/office/drawing/2010/main" Requires="a14">
+          <p:sp>
+            <p:nvSpPr>
+              <p:cNvPr id="7" name="Rectangle 6">
+                <a:extLst>
+                  <a:ext uri="{FF2B5EF4-FFF2-40B4-BE49-F238E27FC236}">
+                    <a16:creationId xmlns:a16="http://schemas.microsoft.com/office/drawing/2014/main" id="{222CF09C-DA0E-7BD5-7C14-11DA909C0DD8}"/>
+                  </a:ext>
+                </a:extLst>
+              </p:cNvPr>
+              <p:cNvSpPr/>
+              <p:nvPr/>
+            </p:nvSpPr>
+            <p:spPr>
+              <a:xfrm>
+                <a:off x="1960152" y="2468305"/>
+                <a:ext cx="390566" cy="164681"/>
+              </a:xfrm>
+              <a:prstGeom prst="rect">
+                <a:avLst/>
+              </a:prstGeom>
+              <a:solidFill>
+                <a:schemeClr val="bg1"/>
+              </a:solidFill>
+              <a:ln>
+                <a:solidFill>
+                  <a:schemeClr val="tx1"/>
+                </a:solidFill>
+              </a:ln>
+            </p:spPr>
+            <p:style>
+              <a:lnRef idx="2">
+                <a:schemeClr val="dk1">
+                  <a:shade val="15000"/>
+                </a:schemeClr>
+              </a:lnRef>
+              <a:fillRef idx="1">
+                <a:schemeClr val="dk1"/>
+              </a:fillRef>
+              <a:effectRef idx="0">
+                <a:schemeClr val="dk1"/>
+              </a:effectRef>
+              <a:fontRef idx="minor">
+                <a:schemeClr val="lt1"/>
+              </a:fontRef>
+            </p:style>
+            <p:txBody>
+              <a:bodyPr rtlCol="0" anchor="ctr"/>
+              <a:lstStyle/>
+              <a:p>
+                <a:pPr algn="ctr"/>
+                <a14:m>
+                  <m:oMathPara xmlns:m="http://schemas.openxmlformats.org/officeDocument/2006/math">
+                    <m:oMathParaPr>
+                      <m:jc m:val="centerGroup"/>
+                    </m:oMathParaPr>
+                    <m:oMath xmlns:m="http://schemas.openxmlformats.org/officeDocument/2006/math">
+                      <m:sSub>
+                        <m:sSubPr>
+                          <m:ctrlPr>
+                            <a:rPr lang="vi-VN" sz="800" b="0" i="1" dirty="0" smtClean="0">
+                              <a:solidFill>
+                                <a:schemeClr val="tx1"/>
+                              </a:solidFill>
+                              <a:latin typeface="Cambria Math" panose="02040503050406030204" pitchFamily="18" charset="0"/>
+                            </a:rPr>
+                          </m:ctrlPr>
+                        </m:sSubPr>
+                        <m:e>
+                          <m:r>
+                            <a:rPr lang="vi-VN" sz="800" b="0" i="1" dirty="0" smtClean="0">
+                              <a:solidFill>
+                                <a:schemeClr val="tx1"/>
+                              </a:solidFill>
+                              <a:latin typeface="Cambria Math" panose="02040503050406030204" pitchFamily="18" charset="0"/>
+                            </a:rPr>
+                            <m:t>𝑅</m:t>
+                          </m:r>
+                        </m:e>
+                        <m:sub>
+                          <m:r>
+                            <a:rPr lang="vi-VN" sz="800" i="1" dirty="0">
+                              <a:solidFill>
+                                <a:schemeClr val="tx1"/>
+                              </a:solidFill>
+                              <a:latin typeface="Cambria Math" panose="02040503050406030204" pitchFamily="18" charset="0"/>
+                            </a:rPr>
+                            <m:t>𝑥</m:t>
+                          </m:r>
+                        </m:sub>
+                      </m:sSub>
+                      <m:r>
+                        <a:rPr lang="en-US" sz="800" i="1" dirty="0" smtClean="0">
+                          <a:solidFill>
+                            <a:schemeClr val="tx1"/>
+                          </a:solidFill>
+                          <a:latin typeface="Cambria Math" panose="02040503050406030204" pitchFamily="18" charset="0"/>
+                        </a:rPr>
+                        <m:t>(</m:t>
+                      </m:r>
+                      <m:r>
+                        <a:rPr lang="vi-VN" sz="800" b="0" i="1" dirty="0" smtClean="0">
+                          <a:solidFill>
+                            <a:schemeClr val="tx1"/>
+                          </a:solidFill>
+                          <a:latin typeface="Cambria Math" panose="02040503050406030204" pitchFamily="18" charset="0"/>
+                        </a:rPr>
+                        <m:t>.</m:t>
+                      </m:r>
+                      <m:r>
+                        <a:rPr lang="en-US" sz="800" i="1" dirty="0" smtClean="0">
+                          <a:solidFill>
+                            <a:schemeClr val="tx1"/>
+                          </a:solidFill>
+                          <a:latin typeface="Cambria Math" panose="02040503050406030204" pitchFamily="18" charset="0"/>
+                        </a:rPr>
+                        <m:t>)</m:t>
+                      </m:r>
+                    </m:oMath>
+                  </m:oMathPara>
+                </a14:m>
+                <a:endParaRPr lang="en-CA" sz="800" i="1" dirty="0">
+                  <a:solidFill>
+                    <a:schemeClr val="tx1"/>
+                  </a:solidFill>
+                </a:endParaRPr>
+              </a:p>
+            </p:txBody>
+          </p:sp>
+        </mc:Choice>
+        <mc:Fallback>
+          <p:sp>
+            <p:nvSpPr>
+              <p:cNvPr id="7" name="Rectangle 6">
+                <a:extLst>
+                  <a:ext uri="{FF2B5EF4-FFF2-40B4-BE49-F238E27FC236}">
+                    <a16:creationId xmlns:a16="http://schemas.microsoft.com/office/drawing/2014/main" id="{222CF09C-DA0E-7BD5-7C14-11DA909C0DD8}"/>
+                  </a:ext>
+                </a:extLst>
+              </p:cNvPr>
+              <p:cNvSpPr>
+                <a:spLocks noRot="1" noChangeAspect="1" noMove="1" noResize="1" noEditPoints="1" noAdjustHandles="1" noChangeArrowheads="1" noChangeShapeType="1" noTextEdit="1"/>
+              </p:cNvSpPr>
+              <p:nvPr/>
+            </p:nvSpPr>
+            <p:spPr>
+              <a:xfrm>
+                <a:off x="1960152" y="2468305"/>
+                <a:ext cx="390566" cy="164681"/>
+              </a:xfrm>
+              <a:prstGeom prst="rect">
+                <a:avLst/>
+              </a:prstGeom>
+              <a:blipFill>
+                <a:blip r:embed="rId2"/>
+                <a:stretch>
+                  <a:fillRect b="-6250"/>
+                </a:stretch>
+              </a:blipFill>
+              <a:ln>
+                <a:solidFill>
+                  <a:schemeClr val="tx1"/>
+                </a:solidFill>
+              </a:ln>
+            </p:spPr>
+            <p:txBody>
+              <a:bodyPr/>
+              <a:lstStyle/>
+              <a:p>
+                <a:r>
+                  <a:rPr lang="en-VN">
+                    <a:noFill/>
+                  </a:rPr>
+                  <a:t> </a:t>
+                </a:r>
+              </a:p>
+            </p:txBody>
+          </p:sp>
+        </mc:Fallback>
+      </mc:AlternateContent>
+      <mc:AlternateContent xmlns:mc="http://schemas.openxmlformats.org/markup-compatibility/2006">
+        <mc:Choice xmlns:a14="http://schemas.microsoft.com/office/drawing/2010/main" Requires="a14">
+          <p:sp>
+            <p:nvSpPr>
+              <p:cNvPr id="8" name="Rectangle 7">
+                <a:extLst>
+                  <a:ext uri="{FF2B5EF4-FFF2-40B4-BE49-F238E27FC236}">
+                    <a16:creationId xmlns:a16="http://schemas.microsoft.com/office/drawing/2014/main" id="{90000627-11B9-A5A1-E9E5-58EC7FD52549}"/>
+                  </a:ext>
+                </a:extLst>
+              </p:cNvPr>
+              <p:cNvSpPr/>
+              <p:nvPr/>
+            </p:nvSpPr>
+            <p:spPr>
+              <a:xfrm>
+                <a:off x="1960152" y="2656950"/>
+                <a:ext cx="390566" cy="164681"/>
+              </a:xfrm>
+              <a:prstGeom prst="rect">
+                <a:avLst/>
+              </a:prstGeom>
+              <a:solidFill>
+                <a:schemeClr val="bg1"/>
+              </a:solidFill>
+              <a:ln>
+                <a:solidFill>
+                  <a:schemeClr val="tx1"/>
+                </a:solidFill>
+              </a:ln>
+            </p:spPr>
+            <p:style>
+              <a:lnRef idx="2">
+                <a:schemeClr val="dk1">
+                  <a:shade val="15000"/>
+                </a:schemeClr>
+              </a:lnRef>
+              <a:fillRef idx="1">
+                <a:schemeClr val="dk1"/>
+              </a:fillRef>
+              <a:effectRef idx="0">
+                <a:schemeClr val="dk1"/>
+              </a:effectRef>
+              <a:fontRef idx="minor">
+                <a:schemeClr val="lt1"/>
+              </a:fontRef>
+            </p:style>
+            <p:txBody>
+              <a:bodyPr rtlCol="0" anchor="ctr"/>
+              <a:lstStyle/>
+              <a:p>
+                <a:pPr algn="ctr"/>
+                <a14:m>
+                  <m:oMathPara xmlns:m="http://schemas.openxmlformats.org/officeDocument/2006/math">
+                    <m:oMathParaPr>
+                      <m:jc m:val="centerGroup"/>
+                    </m:oMathParaPr>
+                    <m:oMath xmlns:m="http://schemas.openxmlformats.org/officeDocument/2006/math">
+                      <m:sSub>
+                        <m:sSubPr>
+                          <m:ctrlPr>
+                            <a:rPr lang="vi-VN" sz="800" b="0" i="1" dirty="0" smtClean="0">
+                              <a:solidFill>
+                                <a:schemeClr val="tx1"/>
+                              </a:solidFill>
+                              <a:latin typeface="Cambria Math" panose="02040503050406030204" pitchFamily="18" charset="0"/>
+                            </a:rPr>
+                          </m:ctrlPr>
+                        </m:sSubPr>
+                        <m:e>
+                          <m:r>
+                            <a:rPr lang="vi-VN" sz="800" b="0" i="1" dirty="0" smtClean="0">
+                              <a:solidFill>
+                                <a:schemeClr val="tx1"/>
+                              </a:solidFill>
+                              <a:latin typeface="Cambria Math" panose="02040503050406030204" pitchFamily="18" charset="0"/>
+                            </a:rPr>
+                            <m:t>𝑅</m:t>
+                          </m:r>
+                        </m:e>
+                        <m:sub>
+                          <m:r>
+                            <a:rPr lang="vi-VN" sz="800" i="1" dirty="0">
+                              <a:solidFill>
+                                <a:schemeClr val="tx1"/>
+                              </a:solidFill>
+                              <a:latin typeface="Cambria Math" panose="02040503050406030204" pitchFamily="18" charset="0"/>
+                            </a:rPr>
+                            <m:t>𝑥</m:t>
+                          </m:r>
+                        </m:sub>
+                      </m:sSub>
+                      <m:r>
+                        <a:rPr lang="en-US" sz="800" i="1" dirty="0" smtClean="0">
+                          <a:solidFill>
+                            <a:schemeClr val="tx1"/>
+                          </a:solidFill>
+                          <a:latin typeface="Cambria Math" panose="02040503050406030204" pitchFamily="18" charset="0"/>
+                        </a:rPr>
+                        <m:t>(</m:t>
+                      </m:r>
+                      <m:r>
+                        <a:rPr lang="vi-VN" sz="800" i="1" dirty="0" smtClean="0">
+                          <a:solidFill>
+                            <a:schemeClr val="tx1"/>
+                          </a:solidFill>
+                          <a:latin typeface="Cambria Math" panose="02040503050406030204" pitchFamily="18" charset="0"/>
+                        </a:rPr>
+                        <m:t>.</m:t>
+                      </m:r>
+                      <m:r>
+                        <a:rPr lang="en-US" sz="800" i="1" dirty="0" smtClean="0">
+                          <a:solidFill>
+                            <a:schemeClr val="tx1"/>
+                          </a:solidFill>
+                          <a:latin typeface="Cambria Math" panose="02040503050406030204" pitchFamily="18" charset="0"/>
+                        </a:rPr>
+                        <m:t>)</m:t>
+                      </m:r>
+                    </m:oMath>
+                  </m:oMathPara>
+                </a14:m>
+                <a:endParaRPr lang="en-CA" sz="800" i="1" dirty="0">
+                  <a:solidFill>
+                    <a:schemeClr val="tx1"/>
+                  </a:solidFill>
+                </a:endParaRPr>
+              </a:p>
+            </p:txBody>
+          </p:sp>
+        </mc:Choice>
+        <mc:Fallback>
+          <p:sp>
+            <p:nvSpPr>
+              <p:cNvPr id="8" name="Rectangle 7">
+                <a:extLst>
+                  <a:ext uri="{FF2B5EF4-FFF2-40B4-BE49-F238E27FC236}">
+                    <a16:creationId xmlns:a16="http://schemas.microsoft.com/office/drawing/2014/main" id="{90000627-11B9-A5A1-E9E5-58EC7FD52549}"/>
+                  </a:ext>
+                </a:extLst>
+              </p:cNvPr>
+              <p:cNvSpPr>
+                <a:spLocks noRot="1" noChangeAspect="1" noMove="1" noResize="1" noEditPoints="1" noAdjustHandles="1" noChangeArrowheads="1" noChangeShapeType="1" noTextEdit="1"/>
+              </p:cNvSpPr>
+              <p:nvPr/>
+            </p:nvSpPr>
+            <p:spPr>
+              <a:xfrm>
+                <a:off x="1960152" y="2656950"/>
+                <a:ext cx="390566" cy="164681"/>
+              </a:xfrm>
+              <a:prstGeom prst="rect">
+                <a:avLst/>
+              </a:prstGeom>
+              <a:blipFill>
+                <a:blip r:embed="rId3"/>
+                <a:stretch>
+                  <a:fillRect b="-6250"/>
+                </a:stretch>
+              </a:blipFill>
+              <a:ln>
+                <a:solidFill>
+                  <a:schemeClr val="tx1"/>
+                </a:solidFill>
+              </a:ln>
+            </p:spPr>
+            <p:txBody>
+              <a:bodyPr/>
+              <a:lstStyle/>
+              <a:p>
+                <a:r>
+                  <a:rPr lang="en-VN">
+                    <a:noFill/>
+                  </a:rPr>
+                  <a:t> </a:t>
+                </a:r>
+              </a:p>
+            </p:txBody>
+          </p:sp>
+        </mc:Fallback>
+      </mc:AlternateContent>
+      <mc:AlternateContent xmlns:mc="http://schemas.openxmlformats.org/markup-compatibility/2006">
+        <mc:Choice xmlns:a14="http://schemas.microsoft.com/office/drawing/2010/main" Requires="a14">
+          <p:sp>
+            <p:nvSpPr>
+              <p:cNvPr id="9" name="Rectangle 8">
+                <a:extLst>
+                  <a:ext uri="{FF2B5EF4-FFF2-40B4-BE49-F238E27FC236}">
+                    <a16:creationId xmlns:a16="http://schemas.microsoft.com/office/drawing/2014/main" id="{0813304F-F8B8-223A-6682-084309722067}"/>
+                  </a:ext>
+                </a:extLst>
+              </p:cNvPr>
+              <p:cNvSpPr/>
+              <p:nvPr/>
+            </p:nvSpPr>
+            <p:spPr>
+              <a:xfrm>
+                <a:off x="1960152" y="3032782"/>
+                <a:ext cx="390566" cy="164681"/>
+              </a:xfrm>
+              <a:prstGeom prst="rect">
+                <a:avLst/>
+              </a:prstGeom>
+              <a:solidFill>
+                <a:schemeClr val="bg1"/>
+              </a:solidFill>
+              <a:ln>
+                <a:solidFill>
+                  <a:schemeClr val="tx1"/>
+                </a:solidFill>
+              </a:ln>
+            </p:spPr>
+            <p:style>
+              <a:lnRef idx="2">
+                <a:schemeClr val="dk1">
+                  <a:shade val="15000"/>
+                </a:schemeClr>
+              </a:lnRef>
+              <a:fillRef idx="1">
+                <a:schemeClr val="dk1"/>
+              </a:fillRef>
+              <a:effectRef idx="0">
+                <a:schemeClr val="dk1"/>
+              </a:effectRef>
+              <a:fontRef idx="minor">
+                <a:schemeClr val="lt1"/>
+              </a:fontRef>
+            </p:style>
+            <p:txBody>
+              <a:bodyPr rtlCol="0" anchor="ctr"/>
+              <a:lstStyle/>
+              <a:p>
+                <a:pPr algn="ctr"/>
+                <a14:m>
+                  <m:oMathPara xmlns:m="http://schemas.openxmlformats.org/officeDocument/2006/math">
+                    <m:oMathParaPr>
+                      <m:jc m:val="centerGroup"/>
+                    </m:oMathParaPr>
+                    <m:oMath xmlns:m="http://schemas.openxmlformats.org/officeDocument/2006/math">
+                      <m:sSub>
+                        <m:sSubPr>
+                          <m:ctrlPr>
+                            <a:rPr lang="vi-VN" sz="800" b="0" i="1" dirty="0" smtClean="0">
+                              <a:solidFill>
+                                <a:schemeClr val="tx1"/>
+                              </a:solidFill>
+                              <a:latin typeface="Cambria Math" panose="02040503050406030204" pitchFamily="18" charset="0"/>
+                            </a:rPr>
+                          </m:ctrlPr>
+                        </m:sSubPr>
+                        <m:e>
+                          <m:r>
+                            <a:rPr lang="vi-VN" sz="800" b="0" i="1" dirty="0" smtClean="0">
+                              <a:solidFill>
+                                <a:schemeClr val="tx1"/>
+                              </a:solidFill>
+                              <a:latin typeface="Cambria Math" panose="02040503050406030204" pitchFamily="18" charset="0"/>
+                            </a:rPr>
+                            <m:t>𝑅</m:t>
+                          </m:r>
+                        </m:e>
+                        <m:sub>
+                          <m:r>
+                            <a:rPr lang="vi-VN" sz="800" i="1" dirty="0">
+                              <a:solidFill>
+                                <a:schemeClr val="tx1"/>
+                              </a:solidFill>
+                              <a:latin typeface="Cambria Math" panose="02040503050406030204" pitchFamily="18" charset="0"/>
+                            </a:rPr>
+                            <m:t>𝑥</m:t>
+                          </m:r>
+                        </m:sub>
+                      </m:sSub>
+                      <m:r>
+                        <a:rPr lang="en-US" sz="800" i="1" dirty="0" smtClean="0">
+                          <a:solidFill>
+                            <a:schemeClr val="tx1"/>
+                          </a:solidFill>
+                          <a:latin typeface="Cambria Math" panose="02040503050406030204" pitchFamily="18" charset="0"/>
+                        </a:rPr>
+                        <m:t>(</m:t>
+                      </m:r>
+                      <m:r>
+                        <a:rPr lang="vi-VN" sz="800" i="1" dirty="0" smtClean="0">
+                          <a:solidFill>
+                            <a:schemeClr val="tx1"/>
+                          </a:solidFill>
+                          <a:latin typeface="Cambria Math" panose="02040503050406030204" pitchFamily="18" charset="0"/>
+                        </a:rPr>
+                        <m:t>.</m:t>
+                      </m:r>
+                      <m:r>
+                        <a:rPr lang="en-US" sz="800" i="1" dirty="0" smtClean="0">
+                          <a:solidFill>
+                            <a:schemeClr val="tx1"/>
+                          </a:solidFill>
+                          <a:latin typeface="Cambria Math" panose="02040503050406030204" pitchFamily="18" charset="0"/>
+                        </a:rPr>
+                        <m:t>)</m:t>
+                      </m:r>
+                    </m:oMath>
+                  </m:oMathPara>
+                </a14:m>
+                <a:endParaRPr lang="en-CA" sz="800" i="1" dirty="0">
+                  <a:solidFill>
+                    <a:schemeClr val="tx1"/>
+                  </a:solidFill>
+                </a:endParaRPr>
+              </a:p>
+            </p:txBody>
+          </p:sp>
+        </mc:Choice>
+        <mc:Fallback>
+          <p:sp>
+            <p:nvSpPr>
+              <p:cNvPr id="9" name="Rectangle 8">
+                <a:extLst>
+                  <a:ext uri="{FF2B5EF4-FFF2-40B4-BE49-F238E27FC236}">
+                    <a16:creationId xmlns:a16="http://schemas.microsoft.com/office/drawing/2014/main" id="{0813304F-F8B8-223A-6682-084309722067}"/>
+                  </a:ext>
+                </a:extLst>
+              </p:cNvPr>
+              <p:cNvSpPr>
+                <a:spLocks noRot="1" noChangeAspect="1" noMove="1" noResize="1" noEditPoints="1" noAdjustHandles="1" noChangeArrowheads="1" noChangeShapeType="1" noTextEdit="1"/>
+              </p:cNvSpPr>
+              <p:nvPr/>
+            </p:nvSpPr>
+            <p:spPr>
+              <a:xfrm>
+                <a:off x="1960152" y="3032782"/>
+                <a:ext cx="390566" cy="164681"/>
+              </a:xfrm>
+              <a:prstGeom prst="rect">
+                <a:avLst/>
+              </a:prstGeom>
+              <a:blipFill>
+                <a:blip r:embed="rId4"/>
+                <a:stretch>
+                  <a:fillRect b="-6667"/>
+                </a:stretch>
+              </a:blipFill>
+              <a:ln>
+                <a:solidFill>
+                  <a:schemeClr val="tx1"/>
+                </a:solidFill>
+              </a:ln>
+            </p:spPr>
+            <p:txBody>
+              <a:bodyPr/>
+              <a:lstStyle/>
+              <a:p>
+                <a:r>
+                  <a:rPr lang="en-VN">
+                    <a:noFill/>
+                  </a:rPr>
+                  <a:t> </a:t>
+                </a:r>
+              </a:p>
+            </p:txBody>
+          </p:sp>
+        </mc:Fallback>
+      </mc:AlternateContent>
+      <mc:AlternateContent xmlns:mc="http://schemas.openxmlformats.org/markup-compatibility/2006">
+        <mc:Choice xmlns:a14="http://schemas.microsoft.com/office/drawing/2010/main" Requires="a14">
+          <p:sp>
+            <p:nvSpPr>
+              <p:cNvPr id="10" name="Rectangle 9">
+                <a:extLst>
+                  <a:ext uri="{FF2B5EF4-FFF2-40B4-BE49-F238E27FC236}">
+                    <a16:creationId xmlns:a16="http://schemas.microsoft.com/office/drawing/2014/main" id="{D0243ABA-0213-B3B0-D1CD-CC4781D1B157}"/>
+                  </a:ext>
+                </a:extLst>
+              </p:cNvPr>
+              <p:cNvSpPr/>
+              <p:nvPr/>
+            </p:nvSpPr>
+            <p:spPr>
+              <a:xfrm>
+                <a:off x="2394283" y="2471360"/>
+                <a:ext cx="390566" cy="164681"/>
+              </a:xfrm>
+              <a:prstGeom prst="rect">
+                <a:avLst/>
+              </a:prstGeom>
+              <a:solidFill>
+                <a:schemeClr val="bg1"/>
+              </a:solidFill>
+              <a:ln>
+                <a:solidFill>
+                  <a:schemeClr val="tx1"/>
+                </a:solidFill>
+              </a:ln>
+            </p:spPr>
+            <p:style>
+              <a:lnRef idx="2">
+                <a:schemeClr val="dk1">
+                  <a:shade val="15000"/>
+                </a:schemeClr>
+              </a:lnRef>
+              <a:fillRef idx="1">
+                <a:schemeClr val="dk1"/>
+              </a:fillRef>
+              <a:effectRef idx="0">
+                <a:schemeClr val="dk1"/>
+              </a:effectRef>
+              <a:fontRef idx="minor">
+                <a:schemeClr val="lt1"/>
+              </a:fontRef>
+            </p:style>
+            <p:txBody>
+              <a:bodyPr rtlCol="0" anchor="ctr"/>
+              <a:lstStyle/>
+              <a:p>
+                <a:pPr algn="ctr"/>
+                <a14:m>
+                  <m:oMathPara xmlns:m="http://schemas.openxmlformats.org/officeDocument/2006/math">
+                    <m:oMathParaPr>
+                      <m:jc m:val="centerGroup"/>
+                    </m:oMathParaPr>
+                    <m:oMath xmlns:m="http://schemas.openxmlformats.org/officeDocument/2006/math">
+                      <m:sSub>
+                        <m:sSubPr>
+                          <m:ctrlPr>
+                            <a:rPr lang="vi-VN" sz="800" b="0" i="1" dirty="0" smtClean="0">
+                              <a:solidFill>
+                                <a:schemeClr val="tx1"/>
+                              </a:solidFill>
+                              <a:latin typeface="Cambria Math" panose="02040503050406030204" pitchFamily="18" charset="0"/>
+                            </a:rPr>
+                          </m:ctrlPr>
+                        </m:sSubPr>
+                        <m:e>
+                          <m:r>
+                            <a:rPr lang="vi-VN" sz="800" b="0" i="1" dirty="0" smtClean="0">
+                              <a:solidFill>
+                                <a:schemeClr val="tx1"/>
+                              </a:solidFill>
+                              <a:latin typeface="Cambria Math" panose="02040503050406030204" pitchFamily="18" charset="0"/>
+                            </a:rPr>
+                            <m:t>𝑅</m:t>
+                          </m:r>
+                        </m:e>
+                        <m:sub>
+                          <m:r>
+                            <a:rPr lang="vi-VN" sz="800" i="1" dirty="0">
+                              <a:solidFill>
+                                <a:schemeClr val="tx1"/>
+                              </a:solidFill>
+                              <a:latin typeface="Cambria Math" panose="02040503050406030204" pitchFamily="18" charset="0"/>
+                            </a:rPr>
+                            <m:t>𝑦</m:t>
+                          </m:r>
+                        </m:sub>
+                      </m:sSub>
+                      <m:r>
+                        <a:rPr lang="en-US" sz="800" i="1" dirty="0" smtClean="0">
+                          <a:solidFill>
+                            <a:schemeClr val="tx1"/>
+                          </a:solidFill>
+                          <a:latin typeface="Cambria Math" panose="02040503050406030204" pitchFamily="18" charset="0"/>
+                        </a:rPr>
+                        <m:t>(</m:t>
+                      </m:r>
+                      <m:r>
+                        <a:rPr lang="vi-VN" sz="800" b="0" i="1" dirty="0" smtClean="0">
+                          <a:solidFill>
+                            <a:schemeClr val="tx1"/>
+                          </a:solidFill>
+                          <a:latin typeface="Cambria Math" panose="02040503050406030204" pitchFamily="18" charset="0"/>
+                        </a:rPr>
+                        <m:t>.</m:t>
+                      </m:r>
+                      <m:r>
+                        <a:rPr lang="en-US" sz="800" i="1" dirty="0" smtClean="0">
+                          <a:solidFill>
+                            <a:schemeClr val="tx1"/>
+                          </a:solidFill>
+                          <a:latin typeface="Cambria Math" panose="02040503050406030204" pitchFamily="18" charset="0"/>
+                        </a:rPr>
+                        <m:t>)</m:t>
+                      </m:r>
+                    </m:oMath>
+                  </m:oMathPara>
+                </a14:m>
+                <a:endParaRPr lang="en-CA" sz="800" i="1" dirty="0">
+                  <a:solidFill>
+                    <a:schemeClr val="tx1"/>
+                  </a:solidFill>
+                </a:endParaRPr>
+              </a:p>
+            </p:txBody>
+          </p:sp>
+        </mc:Choice>
+        <mc:Fallback>
+          <p:sp>
+            <p:nvSpPr>
+              <p:cNvPr id="10" name="Rectangle 9">
+                <a:extLst>
+                  <a:ext uri="{FF2B5EF4-FFF2-40B4-BE49-F238E27FC236}">
+                    <a16:creationId xmlns:a16="http://schemas.microsoft.com/office/drawing/2014/main" id="{D0243ABA-0213-B3B0-D1CD-CC4781D1B157}"/>
+                  </a:ext>
+                </a:extLst>
+              </p:cNvPr>
+              <p:cNvSpPr>
+                <a:spLocks noRot="1" noChangeAspect="1" noMove="1" noResize="1" noEditPoints="1" noAdjustHandles="1" noChangeArrowheads="1" noChangeShapeType="1" noTextEdit="1"/>
+              </p:cNvSpPr>
+              <p:nvPr/>
+            </p:nvSpPr>
+            <p:spPr>
+              <a:xfrm>
+                <a:off x="2394283" y="2471360"/>
+                <a:ext cx="390566" cy="164681"/>
+              </a:xfrm>
+              <a:prstGeom prst="rect">
+                <a:avLst/>
+              </a:prstGeom>
+              <a:blipFill>
+                <a:blip r:embed="rId5"/>
+                <a:stretch>
+                  <a:fillRect b="-12500"/>
+                </a:stretch>
+              </a:blipFill>
+              <a:ln>
+                <a:solidFill>
+                  <a:schemeClr val="tx1"/>
+                </a:solidFill>
+              </a:ln>
+            </p:spPr>
+            <p:txBody>
+              <a:bodyPr/>
+              <a:lstStyle/>
+              <a:p>
+                <a:r>
+                  <a:rPr lang="en-VN">
+                    <a:noFill/>
+                  </a:rPr>
+                  <a:t> </a:t>
+                </a:r>
+              </a:p>
+            </p:txBody>
+          </p:sp>
+        </mc:Fallback>
+      </mc:AlternateContent>
+      <mc:AlternateContent xmlns:mc="http://schemas.openxmlformats.org/markup-compatibility/2006">
+        <mc:Choice xmlns:a14="http://schemas.microsoft.com/office/drawing/2010/main" Requires="a14">
+          <p:sp>
+            <p:nvSpPr>
+              <p:cNvPr id="11" name="Rectangle 10">
+                <a:extLst>
+                  <a:ext uri="{FF2B5EF4-FFF2-40B4-BE49-F238E27FC236}">
+                    <a16:creationId xmlns:a16="http://schemas.microsoft.com/office/drawing/2014/main" id="{4E1111F1-ED39-811F-D59C-30942ED631DD}"/>
+                  </a:ext>
+                </a:extLst>
+              </p:cNvPr>
+              <p:cNvSpPr/>
+              <p:nvPr/>
+            </p:nvSpPr>
+            <p:spPr>
+              <a:xfrm>
+                <a:off x="2394283" y="2660005"/>
+                <a:ext cx="390566" cy="164681"/>
+              </a:xfrm>
+              <a:prstGeom prst="rect">
+                <a:avLst/>
+              </a:prstGeom>
+              <a:solidFill>
+                <a:schemeClr val="bg1"/>
+              </a:solidFill>
+              <a:ln>
+                <a:solidFill>
+                  <a:schemeClr val="tx1"/>
+                </a:solidFill>
+              </a:ln>
+            </p:spPr>
+            <p:style>
+              <a:lnRef idx="2">
+                <a:schemeClr val="dk1">
+                  <a:shade val="15000"/>
+                </a:schemeClr>
+              </a:lnRef>
+              <a:fillRef idx="1">
+                <a:schemeClr val="dk1"/>
+              </a:fillRef>
+              <a:effectRef idx="0">
+                <a:schemeClr val="dk1"/>
+              </a:effectRef>
+              <a:fontRef idx="minor">
+                <a:schemeClr val="lt1"/>
+              </a:fontRef>
+            </p:style>
+            <p:txBody>
+              <a:bodyPr rtlCol="0" anchor="ctr"/>
+              <a:lstStyle/>
+              <a:p>
+                <a:pPr algn="ctr"/>
+                <a14:m>
+                  <m:oMathPara xmlns:m="http://schemas.openxmlformats.org/officeDocument/2006/math">
+                    <m:oMathParaPr>
+                      <m:jc m:val="centerGroup"/>
+                    </m:oMathParaPr>
+                    <m:oMath xmlns:m="http://schemas.openxmlformats.org/officeDocument/2006/math">
+                      <m:sSub>
+                        <m:sSubPr>
+                          <m:ctrlPr>
+                            <a:rPr lang="vi-VN" sz="800" b="0" i="1" dirty="0" smtClean="0">
+                              <a:solidFill>
+                                <a:schemeClr val="tx1"/>
+                              </a:solidFill>
+                              <a:latin typeface="Cambria Math" panose="02040503050406030204" pitchFamily="18" charset="0"/>
+                            </a:rPr>
+                          </m:ctrlPr>
+                        </m:sSubPr>
+                        <m:e>
+                          <m:r>
+                            <a:rPr lang="vi-VN" sz="800" b="0" i="1" dirty="0" smtClean="0">
+                              <a:solidFill>
+                                <a:schemeClr val="tx1"/>
+                              </a:solidFill>
+                              <a:latin typeface="Cambria Math" panose="02040503050406030204" pitchFamily="18" charset="0"/>
+                            </a:rPr>
+                            <m:t>𝑅</m:t>
+                          </m:r>
+                        </m:e>
+                        <m:sub>
+                          <m:r>
+                            <a:rPr lang="vi-VN" sz="800" i="1" dirty="0">
+                              <a:solidFill>
+                                <a:schemeClr val="tx1"/>
+                              </a:solidFill>
+                              <a:latin typeface="Cambria Math" panose="02040503050406030204" pitchFamily="18" charset="0"/>
+                            </a:rPr>
+                            <m:t>𝑦</m:t>
+                          </m:r>
+                        </m:sub>
+                      </m:sSub>
+                      <m:r>
+                        <a:rPr lang="en-US" sz="800" i="1" dirty="0" smtClean="0">
+                          <a:solidFill>
+                            <a:schemeClr val="tx1"/>
+                          </a:solidFill>
+                          <a:latin typeface="Cambria Math" panose="02040503050406030204" pitchFamily="18" charset="0"/>
+                        </a:rPr>
+                        <m:t>(</m:t>
+                      </m:r>
+                      <m:r>
+                        <a:rPr lang="vi-VN" sz="800" i="1" dirty="0" smtClean="0">
+                          <a:solidFill>
+                            <a:schemeClr val="tx1"/>
+                          </a:solidFill>
+                          <a:latin typeface="Cambria Math" panose="02040503050406030204" pitchFamily="18" charset="0"/>
+                        </a:rPr>
+                        <m:t>.</m:t>
+                      </m:r>
+                      <m:r>
+                        <a:rPr lang="en-US" sz="800" i="1" dirty="0" smtClean="0">
+                          <a:solidFill>
+                            <a:schemeClr val="tx1"/>
+                          </a:solidFill>
+                          <a:latin typeface="Cambria Math" panose="02040503050406030204" pitchFamily="18" charset="0"/>
+                        </a:rPr>
+                        <m:t>)</m:t>
+                      </m:r>
+                    </m:oMath>
+                  </m:oMathPara>
+                </a14:m>
+                <a:endParaRPr lang="en-CA" sz="800" i="1" dirty="0">
+                  <a:solidFill>
+                    <a:schemeClr val="tx1"/>
+                  </a:solidFill>
+                </a:endParaRPr>
+              </a:p>
+            </p:txBody>
+          </p:sp>
+        </mc:Choice>
+        <mc:Fallback>
+          <p:sp>
+            <p:nvSpPr>
+              <p:cNvPr id="11" name="Rectangle 10">
+                <a:extLst>
+                  <a:ext uri="{FF2B5EF4-FFF2-40B4-BE49-F238E27FC236}">
+                    <a16:creationId xmlns:a16="http://schemas.microsoft.com/office/drawing/2014/main" id="{4E1111F1-ED39-811F-D59C-30942ED631DD}"/>
+                  </a:ext>
+                </a:extLst>
+              </p:cNvPr>
+              <p:cNvSpPr>
+                <a:spLocks noRot="1" noChangeAspect="1" noMove="1" noResize="1" noEditPoints="1" noAdjustHandles="1" noChangeArrowheads="1" noChangeShapeType="1" noTextEdit="1"/>
+              </p:cNvSpPr>
+              <p:nvPr/>
+            </p:nvSpPr>
+            <p:spPr>
+              <a:xfrm>
+                <a:off x="2394283" y="2660005"/>
+                <a:ext cx="390566" cy="164681"/>
+              </a:xfrm>
+              <a:prstGeom prst="rect">
+                <a:avLst/>
+              </a:prstGeom>
+              <a:blipFill>
+                <a:blip r:embed="rId6"/>
+                <a:stretch>
+                  <a:fillRect b="-12500"/>
+                </a:stretch>
+              </a:blipFill>
+              <a:ln>
+                <a:solidFill>
+                  <a:schemeClr val="tx1"/>
+                </a:solidFill>
+              </a:ln>
+            </p:spPr>
+            <p:txBody>
+              <a:bodyPr/>
+              <a:lstStyle/>
+              <a:p>
+                <a:r>
+                  <a:rPr lang="en-VN">
+                    <a:noFill/>
+                  </a:rPr>
+                  <a:t> </a:t>
+                </a:r>
+              </a:p>
+            </p:txBody>
+          </p:sp>
+        </mc:Fallback>
+      </mc:AlternateContent>
+      <mc:AlternateContent xmlns:mc="http://schemas.openxmlformats.org/markup-compatibility/2006">
+        <mc:Choice xmlns:a14="http://schemas.microsoft.com/office/drawing/2010/main" Requires="a14">
+          <p:sp>
+            <p:nvSpPr>
+              <p:cNvPr id="12" name="Rectangle 11">
+                <a:extLst>
+                  <a:ext uri="{FF2B5EF4-FFF2-40B4-BE49-F238E27FC236}">
+                    <a16:creationId xmlns:a16="http://schemas.microsoft.com/office/drawing/2014/main" id="{CDD9ED4C-180B-0318-009D-2DAFE9651045}"/>
+                  </a:ext>
+                </a:extLst>
+              </p:cNvPr>
+              <p:cNvSpPr/>
+              <p:nvPr/>
+            </p:nvSpPr>
+            <p:spPr>
+              <a:xfrm>
+                <a:off x="2394283" y="3035837"/>
+                <a:ext cx="390566" cy="164681"/>
+              </a:xfrm>
+              <a:prstGeom prst="rect">
+                <a:avLst/>
+              </a:prstGeom>
+              <a:solidFill>
+                <a:schemeClr val="bg1"/>
+              </a:solidFill>
+              <a:ln>
+                <a:solidFill>
+                  <a:schemeClr val="tx1"/>
+                </a:solidFill>
+              </a:ln>
+            </p:spPr>
+            <p:style>
+              <a:lnRef idx="2">
+                <a:schemeClr val="dk1">
+                  <a:shade val="15000"/>
+                </a:schemeClr>
+              </a:lnRef>
+              <a:fillRef idx="1">
+                <a:schemeClr val="dk1"/>
+              </a:fillRef>
+              <a:effectRef idx="0">
+                <a:schemeClr val="dk1"/>
+              </a:effectRef>
+              <a:fontRef idx="minor">
+                <a:schemeClr val="lt1"/>
+              </a:fontRef>
+            </p:style>
+            <p:txBody>
+              <a:bodyPr rtlCol="0" anchor="ctr"/>
+              <a:lstStyle/>
+              <a:p>
+                <a:pPr algn="ctr"/>
+                <a14:m>
+                  <m:oMathPara xmlns:m="http://schemas.openxmlformats.org/officeDocument/2006/math">
+                    <m:oMathParaPr>
+                      <m:jc m:val="centerGroup"/>
+                    </m:oMathParaPr>
+                    <m:oMath xmlns:m="http://schemas.openxmlformats.org/officeDocument/2006/math">
+                      <m:sSub>
+                        <m:sSubPr>
+                          <m:ctrlPr>
+                            <a:rPr lang="vi-VN" sz="800" b="0" i="1" dirty="0" smtClean="0">
+                              <a:solidFill>
+                                <a:schemeClr val="tx1"/>
+                              </a:solidFill>
+                              <a:latin typeface="Cambria Math" panose="02040503050406030204" pitchFamily="18" charset="0"/>
+                            </a:rPr>
+                          </m:ctrlPr>
+                        </m:sSubPr>
+                        <m:e>
+                          <m:r>
+                            <a:rPr lang="vi-VN" sz="800" b="0" i="1" dirty="0" smtClean="0">
+                              <a:solidFill>
+                                <a:schemeClr val="tx1"/>
+                              </a:solidFill>
+                              <a:latin typeface="Cambria Math" panose="02040503050406030204" pitchFamily="18" charset="0"/>
+                            </a:rPr>
+                            <m:t>𝑅</m:t>
+                          </m:r>
+                        </m:e>
+                        <m:sub>
+                          <m:r>
+                            <a:rPr lang="vi-VN" sz="800" i="1" dirty="0">
+                              <a:solidFill>
+                                <a:schemeClr val="tx1"/>
+                              </a:solidFill>
+                              <a:latin typeface="Cambria Math" panose="02040503050406030204" pitchFamily="18" charset="0"/>
+                            </a:rPr>
+                            <m:t>𝑦</m:t>
+                          </m:r>
+                        </m:sub>
+                      </m:sSub>
+                      <m:r>
+                        <a:rPr lang="en-US" sz="800" i="1" dirty="0" smtClean="0">
+                          <a:solidFill>
+                            <a:schemeClr val="tx1"/>
+                          </a:solidFill>
+                          <a:latin typeface="Cambria Math" panose="02040503050406030204" pitchFamily="18" charset="0"/>
+                        </a:rPr>
+                        <m:t>(</m:t>
+                      </m:r>
+                      <m:r>
+                        <a:rPr lang="vi-VN" sz="800" i="1" dirty="0" smtClean="0">
+                          <a:solidFill>
+                            <a:schemeClr val="tx1"/>
+                          </a:solidFill>
+                          <a:latin typeface="Cambria Math" panose="02040503050406030204" pitchFamily="18" charset="0"/>
+                        </a:rPr>
+                        <m:t>.</m:t>
+                      </m:r>
+                      <m:r>
+                        <a:rPr lang="en-US" sz="800" i="1" dirty="0" smtClean="0">
+                          <a:solidFill>
+                            <a:schemeClr val="tx1"/>
+                          </a:solidFill>
+                          <a:latin typeface="Cambria Math" panose="02040503050406030204" pitchFamily="18" charset="0"/>
+                        </a:rPr>
+                        <m:t>)</m:t>
+                      </m:r>
+                    </m:oMath>
+                  </m:oMathPara>
+                </a14:m>
+                <a:endParaRPr lang="en-CA" sz="800" i="1" dirty="0">
+                  <a:solidFill>
+                    <a:schemeClr val="tx1"/>
+                  </a:solidFill>
+                </a:endParaRPr>
+              </a:p>
+            </p:txBody>
+          </p:sp>
+        </mc:Choice>
+        <mc:Fallback>
+          <p:sp>
+            <p:nvSpPr>
+              <p:cNvPr id="12" name="Rectangle 11">
+                <a:extLst>
+                  <a:ext uri="{FF2B5EF4-FFF2-40B4-BE49-F238E27FC236}">
+                    <a16:creationId xmlns:a16="http://schemas.microsoft.com/office/drawing/2014/main" id="{CDD9ED4C-180B-0318-009D-2DAFE9651045}"/>
+                  </a:ext>
+                </a:extLst>
+              </p:cNvPr>
+              <p:cNvSpPr>
+                <a:spLocks noRot="1" noChangeAspect="1" noMove="1" noResize="1" noEditPoints="1" noAdjustHandles="1" noChangeArrowheads="1" noChangeShapeType="1" noTextEdit="1"/>
+              </p:cNvSpPr>
+              <p:nvPr/>
+            </p:nvSpPr>
+            <p:spPr>
+              <a:xfrm>
+                <a:off x="2394283" y="3035837"/>
+                <a:ext cx="390566" cy="164681"/>
+              </a:xfrm>
+              <a:prstGeom prst="rect">
+                <a:avLst/>
+              </a:prstGeom>
+              <a:blipFill>
+                <a:blip r:embed="rId7"/>
+                <a:stretch>
+                  <a:fillRect b="-13333"/>
+                </a:stretch>
+              </a:blipFill>
+              <a:ln>
+                <a:solidFill>
+                  <a:schemeClr val="tx1"/>
+                </a:solidFill>
+              </a:ln>
+            </p:spPr>
+            <p:txBody>
+              <a:bodyPr/>
+              <a:lstStyle/>
+              <a:p>
+                <a:r>
+                  <a:rPr lang="en-VN">
+                    <a:noFill/>
+                  </a:rPr>
+                  <a:t> </a:t>
+                </a:r>
+              </a:p>
+            </p:txBody>
+          </p:sp>
+        </mc:Fallback>
+      </mc:AlternateContent>
+      <mc:AlternateContent xmlns:mc="http://schemas.openxmlformats.org/markup-compatibility/2006">
+        <mc:Choice xmlns:a14="http://schemas.microsoft.com/office/drawing/2010/main" Requires="a14">
+          <p:sp>
+            <p:nvSpPr>
+              <p:cNvPr id="13" name="Rectangle 12">
+                <a:extLst>
+                  <a:ext uri="{FF2B5EF4-FFF2-40B4-BE49-F238E27FC236}">
+                    <a16:creationId xmlns:a16="http://schemas.microsoft.com/office/drawing/2014/main" id="{667F3BD4-05BF-44F3-63F3-E7757C77080F}"/>
+                  </a:ext>
+                </a:extLst>
+              </p:cNvPr>
+              <p:cNvSpPr/>
+              <p:nvPr/>
+            </p:nvSpPr>
+            <p:spPr>
+              <a:xfrm>
+                <a:off x="2829813" y="2472938"/>
+                <a:ext cx="390566" cy="164681"/>
+              </a:xfrm>
+              <a:prstGeom prst="rect">
+                <a:avLst/>
+              </a:prstGeom>
+              <a:solidFill>
+                <a:schemeClr val="bg1"/>
+              </a:solidFill>
+              <a:ln>
+                <a:solidFill>
+                  <a:schemeClr val="tx1"/>
+                </a:solidFill>
+              </a:ln>
+            </p:spPr>
+            <p:style>
+              <a:lnRef idx="2">
+                <a:schemeClr val="dk1">
+                  <a:shade val="15000"/>
+                </a:schemeClr>
+              </a:lnRef>
+              <a:fillRef idx="1">
+                <a:schemeClr val="dk1"/>
+              </a:fillRef>
+              <a:effectRef idx="0">
+                <a:schemeClr val="dk1"/>
+              </a:effectRef>
+              <a:fontRef idx="minor">
+                <a:schemeClr val="lt1"/>
+              </a:fontRef>
+            </p:style>
+            <p:txBody>
+              <a:bodyPr rtlCol="0" anchor="ctr"/>
+              <a:lstStyle/>
+              <a:p>
+                <a:pPr algn="ctr"/>
+                <a14:m>
+                  <m:oMathPara xmlns:m="http://schemas.openxmlformats.org/officeDocument/2006/math">
+                    <m:oMathParaPr>
+                      <m:jc m:val="centerGroup"/>
+                    </m:oMathParaPr>
+                    <m:oMath xmlns:m="http://schemas.openxmlformats.org/officeDocument/2006/math">
+                      <m:sSub>
+                        <m:sSubPr>
+                          <m:ctrlPr>
+                            <a:rPr lang="vi-VN" sz="800" b="0" i="1" dirty="0" smtClean="0">
+                              <a:solidFill>
+                                <a:schemeClr val="tx1"/>
+                              </a:solidFill>
+                              <a:latin typeface="Cambria Math" panose="02040503050406030204" pitchFamily="18" charset="0"/>
+                            </a:rPr>
+                          </m:ctrlPr>
+                        </m:sSubPr>
+                        <m:e>
+                          <m:r>
+                            <a:rPr lang="vi-VN" sz="800" b="0" i="1" dirty="0" smtClean="0">
+                              <a:solidFill>
+                                <a:schemeClr val="tx1"/>
+                              </a:solidFill>
+                              <a:latin typeface="Cambria Math" panose="02040503050406030204" pitchFamily="18" charset="0"/>
+                            </a:rPr>
+                            <m:t>𝑅</m:t>
+                          </m:r>
+                        </m:e>
+                        <m:sub>
+                          <m:r>
+                            <a:rPr lang="vi-VN" sz="800" i="1" dirty="0">
+                              <a:solidFill>
+                                <a:schemeClr val="tx1"/>
+                              </a:solidFill>
+                              <a:latin typeface="Cambria Math" panose="02040503050406030204" pitchFamily="18" charset="0"/>
+                            </a:rPr>
+                            <m:t>𝑧</m:t>
+                          </m:r>
+                        </m:sub>
+                      </m:sSub>
+                      <m:r>
+                        <a:rPr lang="en-US" sz="800" i="1" dirty="0" smtClean="0">
+                          <a:solidFill>
+                            <a:schemeClr val="tx1"/>
+                          </a:solidFill>
+                          <a:latin typeface="Cambria Math" panose="02040503050406030204" pitchFamily="18" charset="0"/>
+                        </a:rPr>
+                        <m:t>(</m:t>
+                      </m:r>
+                      <m:r>
+                        <a:rPr lang="vi-VN" sz="800" b="0" i="1" dirty="0" smtClean="0">
+                          <a:solidFill>
+                            <a:schemeClr val="tx1"/>
+                          </a:solidFill>
+                          <a:latin typeface="Cambria Math" panose="02040503050406030204" pitchFamily="18" charset="0"/>
+                        </a:rPr>
+                        <m:t>.</m:t>
+                      </m:r>
+                      <m:r>
+                        <a:rPr lang="en-US" sz="800" i="1" dirty="0" smtClean="0">
+                          <a:solidFill>
+                            <a:schemeClr val="tx1"/>
+                          </a:solidFill>
+                          <a:latin typeface="Cambria Math" panose="02040503050406030204" pitchFamily="18" charset="0"/>
+                        </a:rPr>
+                        <m:t>)</m:t>
+                      </m:r>
+                    </m:oMath>
+                  </m:oMathPara>
+                </a14:m>
+                <a:endParaRPr lang="en-CA" sz="800" i="1" dirty="0">
+                  <a:solidFill>
+                    <a:schemeClr val="tx1"/>
+                  </a:solidFill>
+                </a:endParaRPr>
+              </a:p>
+            </p:txBody>
+          </p:sp>
+        </mc:Choice>
+        <mc:Fallback>
+          <p:sp>
+            <p:nvSpPr>
+              <p:cNvPr id="13" name="Rectangle 12">
+                <a:extLst>
+                  <a:ext uri="{FF2B5EF4-FFF2-40B4-BE49-F238E27FC236}">
+                    <a16:creationId xmlns:a16="http://schemas.microsoft.com/office/drawing/2014/main" id="{667F3BD4-05BF-44F3-63F3-E7757C77080F}"/>
+                  </a:ext>
+                </a:extLst>
+              </p:cNvPr>
+              <p:cNvSpPr>
+                <a:spLocks noRot="1" noChangeAspect="1" noMove="1" noResize="1" noEditPoints="1" noAdjustHandles="1" noChangeArrowheads="1" noChangeShapeType="1" noTextEdit="1"/>
+              </p:cNvSpPr>
+              <p:nvPr/>
+            </p:nvSpPr>
+            <p:spPr>
+              <a:xfrm>
+                <a:off x="2829813" y="2472938"/>
+                <a:ext cx="390566" cy="164681"/>
+              </a:xfrm>
+              <a:prstGeom prst="rect">
+                <a:avLst/>
+              </a:prstGeom>
+              <a:blipFill>
+                <a:blip r:embed="rId8"/>
+                <a:stretch>
+                  <a:fillRect b="-6667"/>
+                </a:stretch>
+              </a:blipFill>
+              <a:ln>
+                <a:solidFill>
+                  <a:schemeClr val="tx1"/>
+                </a:solidFill>
+              </a:ln>
+            </p:spPr>
+            <p:txBody>
+              <a:bodyPr/>
+              <a:lstStyle/>
+              <a:p>
+                <a:r>
+                  <a:rPr lang="en-VN">
+                    <a:noFill/>
+                  </a:rPr>
+                  <a:t> </a:t>
+                </a:r>
+              </a:p>
+            </p:txBody>
+          </p:sp>
+        </mc:Fallback>
+      </mc:AlternateContent>
+      <mc:AlternateContent xmlns:mc="http://schemas.openxmlformats.org/markup-compatibility/2006">
+        <mc:Choice xmlns:a14="http://schemas.microsoft.com/office/drawing/2010/main" Requires="a14">
+          <p:sp>
+            <p:nvSpPr>
+              <p:cNvPr id="14" name="Rectangle 13">
+                <a:extLst>
+                  <a:ext uri="{FF2B5EF4-FFF2-40B4-BE49-F238E27FC236}">
+                    <a16:creationId xmlns:a16="http://schemas.microsoft.com/office/drawing/2014/main" id="{5B5D0586-8FED-DECF-92E0-6EDA872DA0A2}"/>
+                  </a:ext>
+                </a:extLst>
+              </p:cNvPr>
+              <p:cNvSpPr/>
+              <p:nvPr/>
+            </p:nvSpPr>
+            <p:spPr>
+              <a:xfrm>
+                <a:off x="2829813" y="2661583"/>
+                <a:ext cx="390566" cy="164681"/>
+              </a:xfrm>
+              <a:prstGeom prst="rect">
+                <a:avLst/>
+              </a:prstGeom>
+              <a:solidFill>
+                <a:schemeClr val="bg1"/>
+              </a:solidFill>
+              <a:ln>
+                <a:solidFill>
+                  <a:schemeClr val="tx1"/>
+                </a:solidFill>
+              </a:ln>
+            </p:spPr>
+            <p:style>
+              <a:lnRef idx="2">
+                <a:schemeClr val="dk1">
+                  <a:shade val="15000"/>
+                </a:schemeClr>
+              </a:lnRef>
+              <a:fillRef idx="1">
+                <a:schemeClr val="dk1"/>
+              </a:fillRef>
+              <a:effectRef idx="0">
+                <a:schemeClr val="dk1"/>
+              </a:effectRef>
+              <a:fontRef idx="minor">
+                <a:schemeClr val="lt1"/>
+              </a:fontRef>
+            </p:style>
+            <p:txBody>
+              <a:bodyPr rtlCol="0" anchor="ctr"/>
+              <a:lstStyle/>
+              <a:p>
+                <a:pPr algn="ctr"/>
+                <a14:m>
+                  <m:oMathPara xmlns:m="http://schemas.openxmlformats.org/officeDocument/2006/math">
+                    <m:oMathParaPr>
+                      <m:jc m:val="centerGroup"/>
+                    </m:oMathParaPr>
+                    <m:oMath xmlns:m="http://schemas.openxmlformats.org/officeDocument/2006/math">
+                      <m:sSub>
+                        <m:sSubPr>
+                          <m:ctrlPr>
+                            <a:rPr lang="vi-VN" sz="800" b="0" i="1" dirty="0" smtClean="0">
+                              <a:solidFill>
+                                <a:schemeClr val="tx1"/>
+                              </a:solidFill>
+                              <a:latin typeface="Cambria Math" panose="02040503050406030204" pitchFamily="18" charset="0"/>
+                            </a:rPr>
+                          </m:ctrlPr>
+                        </m:sSubPr>
+                        <m:e>
+                          <m:r>
+                            <a:rPr lang="vi-VN" sz="800" b="0" i="1" dirty="0" smtClean="0">
+                              <a:solidFill>
+                                <a:schemeClr val="tx1"/>
+                              </a:solidFill>
+                              <a:latin typeface="Cambria Math" panose="02040503050406030204" pitchFamily="18" charset="0"/>
+                            </a:rPr>
+                            <m:t>𝑅</m:t>
+                          </m:r>
+                        </m:e>
+                        <m:sub>
+                          <m:r>
+                            <a:rPr lang="vi-VN" sz="800" i="1" dirty="0">
+                              <a:solidFill>
+                                <a:schemeClr val="tx1"/>
+                              </a:solidFill>
+                              <a:latin typeface="Cambria Math" panose="02040503050406030204" pitchFamily="18" charset="0"/>
+                            </a:rPr>
+                            <m:t>𝑧</m:t>
+                          </m:r>
+                        </m:sub>
+                      </m:sSub>
+                      <m:r>
+                        <a:rPr lang="en-US" sz="800" i="1" dirty="0" smtClean="0">
+                          <a:solidFill>
+                            <a:schemeClr val="tx1"/>
+                          </a:solidFill>
+                          <a:latin typeface="Cambria Math" panose="02040503050406030204" pitchFamily="18" charset="0"/>
+                        </a:rPr>
+                        <m:t>(</m:t>
+                      </m:r>
+                      <m:r>
+                        <a:rPr lang="vi-VN" sz="800" i="1" dirty="0" smtClean="0">
+                          <a:solidFill>
+                            <a:schemeClr val="tx1"/>
+                          </a:solidFill>
+                          <a:latin typeface="Cambria Math" panose="02040503050406030204" pitchFamily="18" charset="0"/>
+                        </a:rPr>
+                        <m:t>.</m:t>
+                      </m:r>
+                      <m:r>
+                        <a:rPr lang="en-US" sz="800" i="1" dirty="0" smtClean="0">
+                          <a:solidFill>
+                            <a:schemeClr val="tx1"/>
+                          </a:solidFill>
+                          <a:latin typeface="Cambria Math" panose="02040503050406030204" pitchFamily="18" charset="0"/>
+                        </a:rPr>
+                        <m:t>)</m:t>
+                      </m:r>
+                    </m:oMath>
+                  </m:oMathPara>
+                </a14:m>
+                <a:endParaRPr lang="en-CA" sz="800" i="1" dirty="0">
+                  <a:solidFill>
+                    <a:schemeClr val="tx1"/>
+                  </a:solidFill>
+                </a:endParaRPr>
+              </a:p>
+            </p:txBody>
+          </p:sp>
+        </mc:Choice>
+        <mc:Fallback>
+          <p:sp>
+            <p:nvSpPr>
+              <p:cNvPr id="14" name="Rectangle 13">
+                <a:extLst>
+                  <a:ext uri="{FF2B5EF4-FFF2-40B4-BE49-F238E27FC236}">
+                    <a16:creationId xmlns:a16="http://schemas.microsoft.com/office/drawing/2014/main" id="{5B5D0586-8FED-DECF-92E0-6EDA872DA0A2}"/>
+                  </a:ext>
+                </a:extLst>
+              </p:cNvPr>
+              <p:cNvSpPr>
+                <a:spLocks noRot="1" noChangeAspect="1" noMove="1" noResize="1" noEditPoints="1" noAdjustHandles="1" noChangeArrowheads="1" noChangeShapeType="1" noTextEdit="1"/>
+              </p:cNvSpPr>
+              <p:nvPr/>
+            </p:nvSpPr>
+            <p:spPr>
+              <a:xfrm>
+                <a:off x="2829813" y="2661583"/>
+                <a:ext cx="390566" cy="164681"/>
+              </a:xfrm>
+              <a:prstGeom prst="rect">
+                <a:avLst/>
+              </a:prstGeom>
+              <a:blipFill>
+                <a:blip r:embed="rId9"/>
+                <a:stretch>
+                  <a:fillRect b="-6667"/>
+                </a:stretch>
+              </a:blipFill>
+              <a:ln>
+                <a:solidFill>
+                  <a:schemeClr val="tx1"/>
+                </a:solidFill>
+              </a:ln>
+            </p:spPr>
+            <p:txBody>
+              <a:bodyPr/>
+              <a:lstStyle/>
+              <a:p>
+                <a:r>
+                  <a:rPr lang="en-VN">
+                    <a:noFill/>
+                  </a:rPr>
+                  <a:t> </a:t>
+                </a:r>
+              </a:p>
+            </p:txBody>
+          </p:sp>
+        </mc:Fallback>
+      </mc:AlternateContent>
+      <mc:AlternateContent xmlns:mc="http://schemas.openxmlformats.org/markup-compatibility/2006">
+        <mc:Choice xmlns:a14="http://schemas.microsoft.com/office/drawing/2010/main" Requires="a14">
+          <p:sp>
+            <p:nvSpPr>
+              <p:cNvPr id="15" name="Rectangle 14">
+                <a:extLst>
+                  <a:ext uri="{FF2B5EF4-FFF2-40B4-BE49-F238E27FC236}">
+                    <a16:creationId xmlns:a16="http://schemas.microsoft.com/office/drawing/2014/main" id="{4A8DD370-F9BF-9AED-383E-620CF2429B2C}"/>
+                  </a:ext>
+                </a:extLst>
+              </p:cNvPr>
+              <p:cNvSpPr/>
+              <p:nvPr/>
+            </p:nvSpPr>
+            <p:spPr>
+              <a:xfrm>
+                <a:off x="2829813" y="3037415"/>
+                <a:ext cx="390566" cy="164681"/>
+              </a:xfrm>
+              <a:prstGeom prst="rect">
+                <a:avLst/>
+              </a:prstGeom>
+              <a:solidFill>
+                <a:schemeClr val="bg1"/>
+              </a:solidFill>
+              <a:ln>
+                <a:solidFill>
+                  <a:schemeClr val="tx1"/>
+                </a:solidFill>
+              </a:ln>
+            </p:spPr>
+            <p:style>
+              <a:lnRef idx="2">
+                <a:schemeClr val="dk1">
+                  <a:shade val="15000"/>
+                </a:schemeClr>
+              </a:lnRef>
+              <a:fillRef idx="1">
+                <a:schemeClr val="dk1"/>
+              </a:fillRef>
+              <a:effectRef idx="0">
+                <a:schemeClr val="dk1"/>
+              </a:effectRef>
+              <a:fontRef idx="minor">
+                <a:schemeClr val="lt1"/>
+              </a:fontRef>
+            </p:style>
+            <p:txBody>
+              <a:bodyPr rtlCol="0" anchor="ctr"/>
+              <a:lstStyle/>
+              <a:p>
+                <a:pPr algn="ctr"/>
+                <a14:m>
+                  <m:oMathPara xmlns:m="http://schemas.openxmlformats.org/officeDocument/2006/math">
+                    <m:oMathParaPr>
+                      <m:jc m:val="centerGroup"/>
+                    </m:oMathParaPr>
+                    <m:oMath xmlns:m="http://schemas.openxmlformats.org/officeDocument/2006/math">
+                      <m:sSub>
+                        <m:sSubPr>
+                          <m:ctrlPr>
+                            <a:rPr lang="vi-VN" sz="800" b="0" i="1" dirty="0" smtClean="0">
+                              <a:solidFill>
+                                <a:schemeClr val="tx1"/>
+                              </a:solidFill>
+                              <a:latin typeface="Cambria Math" panose="02040503050406030204" pitchFamily="18" charset="0"/>
+                            </a:rPr>
+                          </m:ctrlPr>
+                        </m:sSubPr>
+                        <m:e>
+                          <m:r>
+                            <a:rPr lang="vi-VN" sz="800" b="0" i="1" dirty="0" smtClean="0">
+                              <a:solidFill>
+                                <a:schemeClr val="tx1"/>
+                              </a:solidFill>
+                              <a:latin typeface="Cambria Math" panose="02040503050406030204" pitchFamily="18" charset="0"/>
+                            </a:rPr>
+                            <m:t>𝑅</m:t>
+                          </m:r>
+                        </m:e>
+                        <m:sub>
+                          <m:r>
+                            <a:rPr lang="vi-VN" sz="800" i="1" dirty="0">
+                              <a:solidFill>
+                                <a:schemeClr val="tx1"/>
+                              </a:solidFill>
+                              <a:latin typeface="Cambria Math" panose="02040503050406030204" pitchFamily="18" charset="0"/>
+                            </a:rPr>
+                            <m:t>𝑧</m:t>
+                          </m:r>
+                        </m:sub>
+                      </m:sSub>
+                      <m:r>
+                        <a:rPr lang="en-US" sz="800" i="1" dirty="0" smtClean="0">
+                          <a:solidFill>
+                            <a:schemeClr val="tx1"/>
+                          </a:solidFill>
+                          <a:latin typeface="Cambria Math" panose="02040503050406030204" pitchFamily="18" charset="0"/>
+                        </a:rPr>
+                        <m:t>(</m:t>
+                      </m:r>
+                      <m:r>
+                        <a:rPr lang="vi-VN" sz="800" i="1" dirty="0" smtClean="0">
+                          <a:solidFill>
+                            <a:schemeClr val="tx1"/>
+                          </a:solidFill>
+                          <a:latin typeface="Cambria Math" panose="02040503050406030204" pitchFamily="18" charset="0"/>
+                        </a:rPr>
+                        <m:t>.</m:t>
+                      </m:r>
+                      <m:r>
+                        <a:rPr lang="en-US" sz="800" i="1" dirty="0" smtClean="0">
+                          <a:solidFill>
+                            <a:schemeClr val="tx1"/>
+                          </a:solidFill>
+                          <a:latin typeface="Cambria Math" panose="02040503050406030204" pitchFamily="18" charset="0"/>
+                        </a:rPr>
+                        <m:t>)</m:t>
+                      </m:r>
+                    </m:oMath>
+                  </m:oMathPara>
+                </a14:m>
+                <a:endParaRPr lang="en-CA" sz="800" i="1" dirty="0">
+                  <a:solidFill>
+                    <a:schemeClr val="tx1"/>
+                  </a:solidFill>
+                </a:endParaRPr>
+              </a:p>
+            </p:txBody>
+          </p:sp>
+        </mc:Choice>
+        <mc:Fallback>
+          <p:sp>
+            <p:nvSpPr>
+              <p:cNvPr id="15" name="Rectangle 14">
+                <a:extLst>
+                  <a:ext uri="{FF2B5EF4-FFF2-40B4-BE49-F238E27FC236}">
+                    <a16:creationId xmlns:a16="http://schemas.microsoft.com/office/drawing/2014/main" id="{4A8DD370-F9BF-9AED-383E-620CF2429B2C}"/>
+                  </a:ext>
+                </a:extLst>
+              </p:cNvPr>
+              <p:cNvSpPr>
+                <a:spLocks noRot="1" noChangeAspect="1" noMove="1" noResize="1" noEditPoints="1" noAdjustHandles="1" noChangeArrowheads="1" noChangeShapeType="1" noTextEdit="1"/>
+              </p:cNvSpPr>
+              <p:nvPr/>
+            </p:nvSpPr>
+            <p:spPr>
+              <a:xfrm>
+                <a:off x="2829813" y="3037415"/>
+                <a:ext cx="390566" cy="164681"/>
+              </a:xfrm>
+              <a:prstGeom prst="rect">
+                <a:avLst/>
+              </a:prstGeom>
+              <a:blipFill>
+                <a:blip r:embed="rId10"/>
+                <a:stretch>
+                  <a:fillRect b="-6667"/>
+                </a:stretch>
+              </a:blipFill>
+              <a:ln>
+                <a:solidFill>
+                  <a:schemeClr val="tx1"/>
+                </a:solidFill>
+              </a:ln>
+            </p:spPr>
+            <p:txBody>
+              <a:bodyPr/>
+              <a:lstStyle/>
+              <a:p>
+                <a:r>
+                  <a:rPr lang="en-VN">
+                    <a:noFill/>
+                  </a:rPr>
+                  <a:t> </a:t>
+                </a:r>
+              </a:p>
+            </p:txBody>
+          </p:sp>
+        </mc:Fallback>
+      </mc:AlternateContent>
+      <p:sp>
+        <p:nvSpPr>
+          <p:cNvPr id="16" name="Rectangle 15">
+            <a:extLst>
+              <a:ext uri="{FF2B5EF4-FFF2-40B4-BE49-F238E27FC236}">
+                <a16:creationId xmlns:a16="http://schemas.microsoft.com/office/drawing/2014/main" id="{B10C7DCA-1C99-B5C1-E923-B5739F4DA423}"/>
+              </a:ext>
+            </a:extLst>
+          </p:cNvPr>
+          <p:cNvSpPr/>
+          <p:nvPr/>
+        </p:nvSpPr>
+        <p:spPr>
+          <a:xfrm>
+            <a:off x="1274282" y="2238845"/>
+            <a:ext cx="2086358" cy="1019850"/>
+          </a:xfrm>
+          <a:prstGeom prst="rect">
+            <a:avLst/>
+          </a:prstGeom>
+          <a:noFill/>
+          <a:ln w="12700">
+            <a:solidFill>
+              <a:schemeClr val="tx1"/>
+            </a:solidFill>
+            <a:prstDash val="sysDot"/>
+          </a:ln>
+        </p:spPr>
+        <p:style>
+          <a:lnRef idx="2">
+            <a:schemeClr val="accent1">
+              <a:shade val="15000"/>
+            </a:schemeClr>
+          </a:lnRef>
+          <a:fillRef idx="1">
+            <a:schemeClr val="accent1"/>
+          </a:fillRef>
+          <a:effectRef idx="0">
+            <a:schemeClr val="accent1"/>
+          </a:effectRef>
+          <a:fontRef idx="minor">
+            <a:schemeClr val="lt1"/>
+          </a:fontRef>
+        </p:style>
+        <p:txBody>
+          <a:bodyPr rtlCol="0" anchor="ctr"/>
+          <a:lstStyle/>
+          <a:p>
+            <a:pPr algn="ctr"/>
+            <a:endParaRPr lang="en-VN" i="1"/>
+          </a:p>
+        </p:txBody>
+      </p:sp>
+      <mc:AlternateContent xmlns:mc="http://schemas.openxmlformats.org/markup-compatibility/2006">
+        <mc:Choice xmlns:a14="http://schemas.microsoft.com/office/drawing/2010/main" Requires="a14">
+          <p:sp>
+            <p:nvSpPr>
+              <p:cNvPr id="18" name="TextBox 17">
+                <a:extLst>
+                  <a:ext uri="{FF2B5EF4-FFF2-40B4-BE49-F238E27FC236}">
+                    <a16:creationId xmlns:a16="http://schemas.microsoft.com/office/drawing/2014/main" id="{CAD973DE-F0AE-F4E9-0D60-0B8967F13246}"/>
+                  </a:ext>
+                </a:extLst>
+              </p:cNvPr>
+              <p:cNvSpPr txBox="1"/>
+              <p:nvPr/>
+            </p:nvSpPr>
+            <p:spPr>
+              <a:xfrm>
+                <a:off x="2388050" y="2840180"/>
+                <a:ext cx="402578" cy="184666"/>
+              </a:xfrm>
+              <a:prstGeom prst="rect">
+                <a:avLst/>
+              </a:prstGeom>
+              <a:noFill/>
+            </p:spPr>
+            <p:txBody>
+              <a:bodyPr wrap="square" lIns="0" tIns="0" rIns="0" bIns="0" rtlCol="0">
+                <a:spAutoFit/>
+              </a:bodyPr>
+              <a:lstStyle/>
+              <a:p>
+                <a:pPr/>
+                <a14:m>
+                  <m:oMathPara xmlns:m="http://schemas.openxmlformats.org/officeDocument/2006/math">
+                    <m:oMathParaPr>
+                      <m:jc m:val="centerGroup"/>
+                    </m:oMathParaPr>
+                    <m:oMath xmlns:m="http://schemas.openxmlformats.org/officeDocument/2006/math">
+                      <m:r>
+                        <a:rPr lang="en-VN" sz="1200" i="1">
+                          <a:latin typeface="Cambria Math" panose="02040503050406030204" pitchFamily="18" charset="0"/>
+                        </a:rPr>
+                        <m:t>⋮</m:t>
+                      </m:r>
+                    </m:oMath>
+                  </m:oMathPara>
+                </a14:m>
+                <a:endParaRPr lang="en-VN" sz="1200" i="1"/>
+              </a:p>
+            </p:txBody>
+          </p:sp>
+        </mc:Choice>
+        <mc:Fallback>
+          <p:sp>
+            <p:nvSpPr>
+              <p:cNvPr id="18" name="TextBox 17">
+                <a:extLst>
+                  <a:ext uri="{FF2B5EF4-FFF2-40B4-BE49-F238E27FC236}">
+                    <a16:creationId xmlns:a16="http://schemas.microsoft.com/office/drawing/2014/main" id="{CAD973DE-F0AE-F4E9-0D60-0B8967F13246}"/>
+                  </a:ext>
+                </a:extLst>
+              </p:cNvPr>
+              <p:cNvSpPr txBox="1">
+                <a:spLocks noRot="1" noChangeAspect="1" noMove="1" noResize="1" noEditPoints="1" noAdjustHandles="1" noChangeArrowheads="1" noChangeShapeType="1" noTextEdit="1"/>
+              </p:cNvSpPr>
+              <p:nvPr/>
+            </p:nvSpPr>
+            <p:spPr>
+              <a:xfrm>
+                <a:off x="2388050" y="2840180"/>
+                <a:ext cx="402578" cy="184666"/>
+              </a:xfrm>
+              <a:prstGeom prst="rect">
+                <a:avLst/>
+              </a:prstGeom>
+              <a:blipFill>
+                <a:blip r:embed="rId11"/>
+                <a:stretch>
+                  <a:fillRect b="-6250"/>
+                </a:stretch>
+              </a:blipFill>
+            </p:spPr>
+            <p:txBody>
+              <a:bodyPr/>
+              <a:lstStyle/>
+              <a:p>
+                <a:r>
+                  <a:rPr lang="en-VN">
+                    <a:noFill/>
+                  </a:rPr>
+                  <a:t> </a:t>
+                </a:r>
+              </a:p>
+            </p:txBody>
+          </p:sp>
+        </mc:Fallback>
+      </mc:AlternateContent>
+      <p:cxnSp>
+        <p:nvCxnSpPr>
+          <p:cNvPr id="19" name="Straight Connector 18">
+            <a:extLst>
+              <a:ext uri="{FF2B5EF4-FFF2-40B4-BE49-F238E27FC236}">
+                <a16:creationId xmlns:a16="http://schemas.microsoft.com/office/drawing/2014/main" id="{80246AE3-D472-1F5A-44BE-A3F6F064D872}"/>
+              </a:ext>
+            </a:extLst>
+          </p:cNvPr>
+          <p:cNvCxnSpPr>
+            <a:cxnSpLocks/>
+          </p:cNvCxnSpPr>
+          <p:nvPr/>
+        </p:nvCxnSpPr>
+        <p:spPr>
+          <a:xfrm>
+            <a:off x="1543523" y="2551112"/>
+            <a:ext cx="0" cy="176330"/>
+          </a:xfrm>
+          <a:prstGeom prst="line">
+            <a:avLst/>
+          </a:prstGeom>
+        </p:spPr>
+        <p:style>
+          <a:lnRef idx="2">
+            <a:schemeClr val="dk1"/>
+          </a:lnRef>
+          <a:fillRef idx="0">
+            <a:schemeClr val="dk1"/>
+          </a:fillRef>
+          <a:effectRef idx="1">
+            <a:schemeClr val="dk1"/>
+          </a:effectRef>
+          <a:fontRef idx="minor">
+            <a:schemeClr val="tx1"/>
+          </a:fontRef>
+        </p:style>
+      </p:cxnSp>
+      <mc:AlternateContent xmlns:mc="http://schemas.openxmlformats.org/markup-compatibility/2006">
+        <mc:Choice xmlns:a14="http://schemas.microsoft.com/office/drawing/2010/main" Requires="a14">
+          <p:sp>
+            <p:nvSpPr>
+              <p:cNvPr id="22" name="TextBox 21">
+                <a:extLst>
+                  <a:ext uri="{FF2B5EF4-FFF2-40B4-BE49-F238E27FC236}">
+                    <a16:creationId xmlns:a16="http://schemas.microsoft.com/office/drawing/2014/main" id="{4F8571E4-20E2-3996-078B-0D4403852D5F}"/>
+                  </a:ext>
+                </a:extLst>
+              </p:cNvPr>
+              <p:cNvSpPr txBox="1"/>
+              <p:nvPr/>
+            </p:nvSpPr>
+            <p:spPr>
+              <a:xfrm>
+                <a:off x="1376277" y="2550645"/>
+                <a:ext cx="323391" cy="369332"/>
+              </a:xfrm>
+              <a:prstGeom prst="rect">
+                <a:avLst/>
+              </a:prstGeom>
+              <a:noFill/>
+            </p:spPr>
+            <p:txBody>
+              <a:bodyPr wrap="square" rtlCol="0">
+                <a:spAutoFit/>
+              </a:bodyPr>
+              <a:lstStyle/>
+              <a:p>
+                <a14:m>
+                  <m:oMathPara xmlns:m="http://schemas.openxmlformats.org/officeDocument/2006/math">
+                    <m:oMathParaPr>
+                      <m:jc m:val="centerGroup"/>
+                    </m:oMathParaPr>
+                    <m:oMath xmlns:m="http://schemas.openxmlformats.org/officeDocument/2006/math">
+                      <m:r>
+                        <a:rPr lang="vi-VN" b="0" i="1">
+                          <a:latin typeface="Cambria Math" panose="02040503050406030204" pitchFamily="18" charset="0"/>
+                        </a:rPr>
+                        <m:t>×</m:t>
+                      </m:r>
+                    </m:oMath>
+                  </m:oMathPara>
+                </a14:m>
+                <a:endParaRPr lang="en-VN" i="1"/>
+              </a:p>
+            </p:txBody>
+          </p:sp>
+        </mc:Choice>
+        <mc:Fallback>
+          <p:sp>
+            <p:nvSpPr>
+              <p:cNvPr id="22" name="TextBox 21">
+                <a:extLst>
+                  <a:ext uri="{FF2B5EF4-FFF2-40B4-BE49-F238E27FC236}">
+                    <a16:creationId xmlns:a16="http://schemas.microsoft.com/office/drawing/2014/main" id="{4F8571E4-20E2-3996-078B-0D4403852D5F}"/>
+                  </a:ext>
+                </a:extLst>
+              </p:cNvPr>
+              <p:cNvSpPr txBox="1">
+                <a:spLocks noRot="1" noChangeAspect="1" noMove="1" noResize="1" noEditPoints="1" noAdjustHandles="1" noChangeArrowheads="1" noChangeShapeType="1" noTextEdit="1"/>
+              </p:cNvSpPr>
+              <p:nvPr/>
+            </p:nvSpPr>
+            <p:spPr>
+              <a:xfrm>
+                <a:off x="1376277" y="2550645"/>
+                <a:ext cx="323391" cy="369332"/>
+              </a:xfrm>
+              <a:prstGeom prst="rect">
+                <a:avLst/>
+              </a:prstGeom>
+              <a:blipFill>
+                <a:blip r:embed="rId12"/>
+                <a:stretch>
+                  <a:fillRect/>
+                </a:stretch>
+              </a:blipFill>
+            </p:spPr>
+            <p:txBody>
+              <a:bodyPr/>
+              <a:lstStyle/>
+              <a:p>
+                <a:r>
+                  <a:rPr lang="en-VN">
+                    <a:noFill/>
+                  </a:rPr>
+                  <a:t> </a:t>
+                </a:r>
+              </a:p>
+            </p:txBody>
+          </p:sp>
+        </mc:Fallback>
+      </mc:AlternateContent>
+      <mc:AlternateContent xmlns:mc="http://schemas.openxmlformats.org/markup-compatibility/2006">
+        <mc:Choice xmlns:a14="http://schemas.microsoft.com/office/drawing/2010/main" Requires="a14">
+          <p:sp>
+            <p:nvSpPr>
+              <p:cNvPr id="24" name="TextBox 23">
+                <a:extLst>
+                  <a:ext uri="{FF2B5EF4-FFF2-40B4-BE49-F238E27FC236}">
+                    <a16:creationId xmlns:a16="http://schemas.microsoft.com/office/drawing/2014/main" id="{E5ECCB8A-D2F6-BFED-20EE-8F263F8A460B}"/>
+                  </a:ext>
+                </a:extLst>
+              </p:cNvPr>
+              <p:cNvSpPr txBox="1"/>
+              <p:nvPr/>
+            </p:nvSpPr>
+            <p:spPr>
+              <a:xfrm>
+                <a:off x="1667352" y="2163589"/>
+                <a:ext cx="324000" cy="369332"/>
+              </a:xfrm>
+              <a:prstGeom prst="rect">
+                <a:avLst/>
+              </a:prstGeom>
+              <a:noFill/>
+            </p:spPr>
+            <p:txBody>
+              <a:bodyPr wrap="square" rtlCol="0">
+                <a:spAutoFit/>
+              </a:bodyPr>
+              <a:lstStyle/>
+              <a:p>
+                <a14:m>
+                  <m:oMathPara xmlns:m="http://schemas.openxmlformats.org/officeDocument/2006/math">
+                    <m:oMathParaPr>
+                      <m:jc m:val="centerGroup"/>
+                    </m:oMathParaPr>
+                    <m:oMath xmlns:m="http://schemas.openxmlformats.org/officeDocument/2006/math">
+                      <m:r>
+                        <a:rPr lang="vi-VN" b="0" i="1">
+                          <a:latin typeface="Cambria Math" panose="02040503050406030204" pitchFamily="18" charset="0"/>
+                        </a:rPr>
+                        <m:t>×</m:t>
+                      </m:r>
+                    </m:oMath>
+                  </m:oMathPara>
+                </a14:m>
+                <a:endParaRPr lang="en-VN" i="1"/>
+              </a:p>
+            </p:txBody>
+          </p:sp>
+        </mc:Choice>
+        <mc:Fallback>
+          <p:sp>
+            <p:nvSpPr>
+              <p:cNvPr id="24" name="TextBox 23">
+                <a:extLst>
+                  <a:ext uri="{FF2B5EF4-FFF2-40B4-BE49-F238E27FC236}">
+                    <a16:creationId xmlns:a16="http://schemas.microsoft.com/office/drawing/2014/main" id="{E5ECCB8A-D2F6-BFED-20EE-8F263F8A460B}"/>
+                  </a:ext>
+                </a:extLst>
+              </p:cNvPr>
+              <p:cNvSpPr txBox="1">
+                <a:spLocks noRot="1" noChangeAspect="1" noMove="1" noResize="1" noEditPoints="1" noAdjustHandles="1" noChangeArrowheads="1" noChangeShapeType="1" noTextEdit="1"/>
+              </p:cNvSpPr>
+              <p:nvPr/>
+            </p:nvSpPr>
+            <p:spPr>
+              <a:xfrm>
+                <a:off x="1667352" y="2163589"/>
+                <a:ext cx="324000" cy="369332"/>
+              </a:xfrm>
+              <a:prstGeom prst="rect">
+                <a:avLst/>
+              </a:prstGeom>
+              <a:blipFill>
+                <a:blip r:embed="rId13"/>
+                <a:stretch>
+                  <a:fillRect/>
+                </a:stretch>
+              </a:blipFill>
+            </p:spPr>
+            <p:txBody>
+              <a:bodyPr/>
+              <a:lstStyle/>
+              <a:p>
+                <a:r>
+                  <a:rPr lang="en-VN">
+                    <a:noFill/>
+                  </a:rPr>
+                  <a:t> </a:t>
+                </a:r>
+              </a:p>
+            </p:txBody>
+          </p:sp>
+        </mc:Fallback>
+      </mc:AlternateContent>
+      <p:cxnSp>
+        <p:nvCxnSpPr>
+          <p:cNvPr id="25" name="Straight Connector 24">
+            <a:extLst>
+              <a:ext uri="{FF2B5EF4-FFF2-40B4-BE49-F238E27FC236}">
+                <a16:creationId xmlns:a16="http://schemas.microsoft.com/office/drawing/2014/main" id="{C87AC9AE-1BB3-CFAA-ABAD-D378FABFD762}"/>
+              </a:ext>
+            </a:extLst>
+          </p:cNvPr>
+          <p:cNvCxnSpPr>
+            <a:cxnSpLocks/>
+          </p:cNvCxnSpPr>
+          <p:nvPr/>
+        </p:nvCxnSpPr>
+        <p:spPr>
+          <a:xfrm>
+            <a:off x="1834595" y="2356152"/>
+            <a:ext cx="0" cy="753700"/>
+          </a:xfrm>
+          <a:prstGeom prst="line">
+            <a:avLst/>
+          </a:prstGeom>
+        </p:spPr>
+        <p:style>
+          <a:lnRef idx="2">
+            <a:schemeClr val="dk1"/>
+          </a:lnRef>
+          <a:fillRef idx="0">
+            <a:schemeClr val="dk1"/>
+          </a:fillRef>
+          <a:effectRef idx="1">
+            <a:schemeClr val="dk1"/>
+          </a:effectRef>
+          <a:fontRef idx="minor">
+            <a:schemeClr val="tx1"/>
+          </a:fontRef>
+        </p:style>
+      </p:cxnSp>
+      <p:sp>
+        <p:nvSpPr>
+          <p:cNvPr id="27" name="Left Bracket 26">
+            <a:extLst>
+              <a:ext uri="{FF2B5EF4-FFF2-40B4-BE49-F238E27FC236}">
+                <a16:creationId xmlns:a16="http://schemas.microsoft.com/office/drawing/2014/main" id="{7E47656A-6336-D1DE-C9AE-4C4CE592782A}"/>
+              </a:ext>
+            </a:extLst>
+          </p:cNvPr>
+          <p:cNvSpPr/>
+          <p:nvPr/>
+        </p:nvSpPr>
+        <p:spPr>
+          <a:xfrm>
+            <a:off x="1215852" y="2194535"/>
+            <a:ext cx="109659" cy="1116583"/>
+          </a:xfrm>
+          <a:prstGeom prst="leftBracket">
+            <a:avLst/>
+          </a:prstGeom>
+        </p:spPr>
+        <p:style>
+          <a:lnRef idx="2">
+            <a:schemeClr val="dk1"/>
+          </a:lnRef>
+          <a:fillRef idx="0">
+            <a:schemeClr val="dk1"/>
+          </a:fillRef>
+          <a:effectRef idx="1">
+            <a:schemeClr val="dk1"/>
+          </a:effectRef>
+          <a:fontRef idx="minor">
+            <a:schemeClr val="tx1"/>
+          </a:fontRef>
+        </p:style>
+        <p:txBody>
+          <a:bodyPr rtlCol="0" anchor="ctr"/>
+          <a:lstStyle/>
+          <a:p>
+            <a:pPr algn="ctr"/>
+            <a:endParaRPr lang="en-VN" i="1"/>
+          </a:p>
+        </p:txBody>
+      </p:sp>
+      <mc:AlternateContent xmlns:mc="http://schemas.openxmlformats.org/markup-compatibility/2006">
+        <mc:Choice xmlns:a14="http://schemas.microsoft.com/office/drawing/2010/main" Requires="a14">
+          <p:sp>
+            <p:nvSpPr>
+              <p:cNvPr id="28" name="TextBox 27">
+                <a:extLst>
+                  <a:ext uri="{FF2B5EF4-FFF2-40B4-BE49-F238E27FC236}">
+                    <a16:creationId xmlns:a16="http://schemas.microsoft.com/office/drawing/2014/main" id="{F6756579-DB0F-641B-228E-B2D78CF3F75A}"/>
+                  </a:ext>
+                </a:extLst>
+              </p:cNvPr>
+              <p:cNvSpPr txBox="1"/>
+              <p:nvPr/>
+            </p:nvSpPr>
+            <p:spPr>
+              <a:xfrm>
+                <a:off x="3349271" y="3188007"/>
+                <a:ext cx="412349" cy="246221"/>
+              </a:xfrm>
+              <a:prstGeom prst="rect">
+                <a:avLst/>
+              </a:prstGeom>
+              <a:noFill/>
+            </p:spPr>
+            <p:txBody>
+              <a:bodyPr wrap="square" rtlCol="0">
+                <a:spAutoFit/>
+              </a:bodyPr>
+              <a:lstStyle/>
+              <a:p>
+                <a:pPr/>
+                <a14:m>
+                  <m:oMathPara xmlns:m="http://schemas.openxmlformats.org/officeDocument/2006/math">
+                    <m:oMathParaPr>
+                      <m:jc m:val="centerGroup"/>
+                    </m:oMathParaPr>
+                    <m:oMath xmlns:m="http://schemas.openxmlformats.org/officeDocument/2006/math">
+                      <m:r>
+                        <a:rPr lang="vi-VN" sz="1000" b="0" i="1">
+                          <a:latin typeface="Cambria Math" panose="02040503050406030204" pitchFamily="18" charset="0"/>
+                        </a:rPr>
+                        <m:t>× </m:t>
+                      </m:r>
+                      <m:r>
+                        <a:rPr lang="vi-VN" sz="1000" i="1">
+                          <a:latin typeface="Cambria Math" panose="02040503050406030204" pitchFamily="18" charset="0"/>
+                        </a:rPr>
+                        <m:t>𝐿</m:t>
+                      </m:r>
+                    </m:oMath>
+                  </m:oMathPara>
+                </a14:m>
+                <a:endParaRPr lang="en-VN" sz="1000" i="1"/>
+              </a:p>
+            </p:txBody>
+          </p:sp>
+        </mc:Choice>
+        <mc:Fallback>
+          <p:sp>
+            <p:nvSpPr>
+              <p:cNvPr id="28" name="TextBox 27">
+                <a:extLst>
+                  <a:ext uri="{FF2B5EF4-FFF2-40B4-BE49-F238E27FC236}">
+                    <a16:creationId xmlns:a16="http://schemas.microsoft.com/office/drawing/2014/main" id="{F6756579-DB0F-641B-228E-B2D78CF3F75A}"/>
+                  </a:ext>
+                </a:extLst>
+              </p:cNvPr>
+              <p:cNvSpPr txBox="1">
+                <a:spLocks noRot="1" noChangeAspect="1" noMove="1" noResize="1" noEditPoints="1" noAdjustHandles="1" noChangeArrowheads="1" noChangeShapeType="1" noTextEdit="1"/>
+              </p:cNvSpPr>
+              <p:nvPr/>
+            </p:nvSpPr>
+            <p:spPr>
+              <a:xfrm>
+                <a:off x="3349271" y="3188007"/>
+                <a:ext cx="412349" cy="246221"/>
+              </a:xfrm>
+              <a:prstGeom prst="rect">
+                <a:avLst/>
+              </a:prstGeom>
+              <a:blipFill>
+                <a:blip r:embed="rId14"/>
+                <a:stretch>
+                  <a:fillRect b="-5000"/>
+                </a:stretch>
+              </a:blipFill>
+            </p:spPr>
+            <p:txBody>
+              <a:bodyPr/>
+              <a:lstStyle/>
+              <a:p>
+                <a:r>
+                  <a:rPr lang="en-VN">
+                    <a:noFill/>
+                  </a:rPr>
+                  <a:t> </a:t>
+                </a:r>
+              </a:p>
+            </p:txBody>
+          </p:sp>
+        </mc:Fallback>
+      </mc:AlternateContent>
+      <p:sp>
+        <p:nvSpPr>
+          <p:cNvPr id="29" name="Left Bracket 28">
+            <a:extLst>
+              <a:ext uri="{FF2B5EF4-FFF2-40B4-BE49-F238E27FC236}">
+                <a16:creationId xmlns:a16="http://schemas.microsoft.com/office/drawing/2014/main" id="{95724783-D6B3-90B3-67EF-5D9CD00F99DA}"/>
+              </a:ext>
+            </a:extLst>
+          </p:cNvPr>
+          <p:cNvSpPr/>
+          <p:nvPr/>
+        </p:nvSpPr>
+        <p:spPr>
+          <a:xfrm flipH="1">
+            <a:off x="3307623" y="2194535"/>
+            <a:ext cx="109659" cy="1116583"/>
+          </a:xfrm>
+          <a:prstGeom prst="leftBracket">
+            <a:avLst/>
+          </a:prstGeom>
+        </p:spPr>
+        <p:style>
+          <a:lnRef idx="2">
+            <a:schemeClr val="dk1"/>
+          </a:lnRef>
+          <a:fillRef idx="0">
+            <a:schemeClr val="dk1"/>
+          </a:fillRef>
+          <a:effectRef idx="1">
+            <a:schemeClr val="dk1"/>
+          </a:effectRef>
+          <a:fontRef idx="minor">
+            <a:schemeClr val="tx1"/>
+          </a:fontRef>
+        </p:style>
+        <p:txBody>
+          <a:bodyPr rtlCol="0" anchor="ctr"/>
+          <a:lstStyle/>
+          <a:p>
+            <a:pPr algn="ctr"/>
+            <a:endParaRPr lang="en-VN" i="1"/>
+          </a:p>
+        </p:txBody>
+      </p:sp>
+      <p:cxnSp>
+        <p:nvCxnSpPr>
+          <p:cNvPr id="30" name="Straight Connector 29">
+            <a:extLst>
+              <a:ext uri="{FF2B5EF4-FFF2-40B4-BE49-F238E27FC236}">
+                <a16:creationId xmlns:a16="http://schemas.microsoft.com/office/drawing/2014/main" id="{0B93B676-4572-E2BB-444A-A7F6BAA5EA26}"/>
+              </a:ext>
+            </a:extLst>
+          </p:cNvPr>
+          <p:cNvCxnSpPr>
+            <a:cxnSpLocks/>
+          </p:cNvCxnSpPr>
+          <p:nvPr/>
+        </p:nvCxnSpPr>
+        <p:spPr>
+          <a:xfrm>
+            <a:off x="1334317" y="2356152"/>
+            <a:ext cx="1944000" cy="2177"/>
+          </a:xfrm>
+          <a:prstGeom prst="line">
+            <a:avLst/>
+          </a:prstGeom>
+        </p:spPr>
+        <p:style>
+          <a:lnRef idx="2">
+            <a:schemeClr val="dk1"/>
+          </a:lnRef>
+          <a:fillRef idx="0">
+            <a:schemeClr val="dk1"/>
+          </a:fillRef>
+          <a:effectRef idx="1">
+            <a:schemeClr val="dk1"/>
+          </a:effectRef>
+          <a:fontRef idx="minor">
+            <a:schemeClr val="tx1"/>
+          </a:fontRef>
+        </p:style>
+      </p:cxnSp>
+      <mc:AlternateContent xmlns:mc="http://schemas.openxmlformats.org/markup-compatibility/2006">
+        <mc:Choice xmlns:a14="http://schemas.microsoft.com/office/drawing/2010/main" Requires="a14">
+          <p:sp>
+            <p:nvSpPr>
+              <p:cNvPr id="31" name="Rectangle 30">
+                <a:extLst>
+                  <a:ext uri="{FF2B5EF4-FFF2-40B4-BE49-F238E27FC236}">
+                    <a16:creationId xmlns:a16="http://schemas.microsoft.com/office/drawing/2014/main" id="{B88F3FD2-C3F1-4127-7C27-C2E9E6DB4267}"/>
+                  </a:ext>
+                </a:extLst>
+              </p:cNvPr>
+              <p:cNvSpPr/>
+              <p:nvPr/>
+            </p:nvSpPr>
+            <p:spPr>
+              <a:xfrm>
+                <a:off x="1960152" y="2274640"/>
+                <a:ext cx="390566" cy="164681"/>
+              </a:xfrm>
+              <a:prstGeom prst="rect">
+                <a:avLst/>
+              </a:prstGeom>
+              <a:solidFill>
+                <a:schemeClr val="bg1"/>
+              </a:solidFill>
+              <a:ln>
+                <a:solidFill>
+                  <a:schemeClr val="tx1"/>
+                </a:solidFill>
+              </a:ln>
+            </p:spPr>
+            <p:style>
+              <a:lnRef idx="2">
+                <a:schemeClr val="dk1">
+                  <a:shade val="15000"/>
+                </a:schemeClr>
+              </a:lnRef>
+              <a:fillRef idx="1">
+                <a:schemeClr val="dk1"/>
+              </a:fillRef>
+              <a:effectRef idx="0">
+                <a:schemeClr val="dk1"/>
+              </a:effectRef>
+              <a:fontRef idx="minor">
+                <a:schemeClr val="lt1"/>
+              </a:fontRef>
+            </p:style>
+            <p:txBody>
+              <a:bodyPr rtlCol="0" anchor="ctr"/>
+              <a:lstStyle/>
+              <a:p>
+                <a:pPr algn="ctr"/>
+                <a14:m>
+                  <m:oMathPara xmlns:m="http://schemas.openxmlformats.org/officeDocument/2006/math">
+                    <m:oMathParaPr>
+                      <m:jc m:val="centerGroup"/>
+                    </m:oMathParaPr>
+                    <m:oMath xmlns:m="http://schemas.openxmlformats.org/officeDocument/2006/math">
+                      <m:sSub>
+                        <m:sSubPr>
+                          <m:ctrlPr>
+                            <a:rPr lang="vi-VN" sz="800" b="0" i="1" dirty="0" smtClean="0">
+                              <a:solidFill>
+                                <a:schemeClr val="tx1"/>
+                              </a:solidFill>
+                              <a:latin typeface="Cambria Math" panose="02040503050406030204" pitchFamily="18" charset="0"/>
+                            </a:rPr>
+                          </m:ctrlPr>
+                        </m:sSubPr>
+                        <m:e>
+                          <m:r>
+                            <a:rPr lang="vi-VN" sz="800" b="0" i="1" dirty="0" smtClean="0">
+                              <a:solidFill>
+                                <a:schemeClr val="tx1"/>
+                              </a:solidFill>
+                              <a:latin typeface="Cambria Math" panose="02040503050406030204" pitchFamily="18" charset="0"/>
+                            </a:rPr>
+                            <m:t>𝑅</m:t>
+                          </m:r>
+                        </m:e>
+                        <m:sub>
+                          <m:r>
+                            <a:rPr lang="vi-VN" sz="800" i="1" dirty="0">
+                              <a:solidFill>
+                                <a:schemeClr val="tx1"/>
+                              </a:solidFill>
+                              <a:latin typeface="Cambria Math" panose="02040503050406030204" pitchFamily="18" charset="0"/>
+                            </a:rPr>
+                            <m:t>𝑥</m:t>
+                          </m:r>
+                        </m:sub>
+                      </m:sSub>
+                      <m:r>
+                        <a:rPr lang="en-US" sz="800" i="1" dirty="0" smtClean="0">
+                          <a:solidFill>
+                            <a:schemeClr val="tx1"/>
+                          </a:solidFill>
+                          <a:latin typeface="Cambria Math" panose="02040503050406030204" pitchFamily="18" charset="0"/>
+                        </a:rPr>
+                        <m:t>(</m:t>
+                      </m:r>
+                      <m:r>
+                        <a:rPr lang="vi-VN" sz="800" i="1" dirty="0" smtClean="0">
+                          <a:solidFill>
+                            <a:schemeClr val="tx1"/>
+                          </a:solidFill>
+                          <a:latin typeface="Cambria Math" panose="02040503050406030204" pitchFamily="18" charset="0"/>
+                        </a:rPr>
+                        <m:t>.</m:t>
+                      </m:r>
+                      <m:r>
+                        <a:rPr lang="en-US" sz="800" i="1" dirty="0" smtClean="0">
+                          <a:solidFill>
+                            <a:schemeClr val="tx1"/>
+                          </a:solidFill>
+                          <a:latin typeface="Cambria Math" panose="02040503050406030204" pitchFamily="18" charset="0"/>
+                        </a:rPr>
+                        <m:t>)</m:t>
+                      </m:r>
+                    </m:oMath>
+                  </m:oMathPara>
+                </a14:m>
+                <a:endParaRPr lang="en-CA" sz="800" i="1" dirty="0">
+                  <a:solidFill>
+                    <a:schemeClr val="tx1"/>
+                  </a:solidFill>
+                </a:endParaRPr>
+              </a:p>
+            </p:txBody>
+          </p:sp>
+        </mc:Choice>
+        <mc:Fallback>
+          <p:sp>
+            <p:nvSpPr>
+              <p:cNvPr id="31" name="Rectangle 30">
+                <a:extLst>
+                  <a:ext uri="{FF2B5EF4-FFF2-40B4-BE49-F238E27FC236}">
+                    <a16:creationId xmlns:a16="http://schemas.microsoft.com/office/drawing/2014/main" id="{B88F3FD2-C3F1-4127-7C27-C2E9E6DB4267}"/>
+                  </a:ext>
+                </a:extLst>
+              </p:cNvPr>
+              <p:cNvSpPr>
+                <a:spLocks noRot="1" noChangeAspect="1" noMove="1" noResize="1" noEditPoints="1" noAdjustHandles="1" noChangeArrowheads="1" noChangeShapeType="1" noTextEdit="1"/>
+              </p:cNvSpPr>
+              <p:nvPr/>
+            </p:nvSpPr>
+            <p:spPr>
+              <a:xfrm>
+                <a:off x="1960152" y="2274640"/>
+                <a:ext cx="390566" cy="164681"/>
+              </a:xfrm>
+              <a:prstGeom prst="rect">
+                <a:avLst/>
+              </a:prstGeom>
+              <a:blipFill>
+                <a:blip r:embed="rId15"/>
+                <a:stretch>
+                  <a:fillRect b="-6667"/>
+                </a:stretch>
+              </a:blipFill>
+              <a:ln>
+                <a:solidFill>
+                  <a:schemeClr val="tx1"/>
+                </a:solidFill>
+              </a:ln>
+            </p:spPr>
+            <p:txBody>
+              <a:bodyPr/>
+              <a:lstStyle/>
+              <a:p>
+                <a:r>
+                  <a:rPr lang="en-VN">
+                    <a:noFill/>
+                  </a:rPr>
+                  <a:t> </a:t>
+                </a:r>
+              </a:p>
+            </p:txBody>
+          </p:sp>
+        </mc:Fallback>
+      </mc:AlternateContent>
+      <mc:AlternateContent xmlns:mc="http://schemas.openxmlformats.org/markup-compatibility/2006">
+        <mc:Choice xmlns:a14="http://schemas.microsoft.com/office/drawing/2010/main" Requires="a14">
+          <p:sp>
+            <p:nvSpPr>
+              <p:cNvPr id="32" name="Rectangle 31">
+                <a:extLst>
+                  <a:ext uri="{FF2B5EF4-FFF2-40B4-BE49-F238E27FC236}">
+                    <a16:creationId xmlns:a16="http://schemas.microsoft.com/office/drawing/2014/main" id="{BAF66647-E8A6-D0AF-BFE1-C1D1E98D9179}"/>
+                  </a:ext>
+                </a:extLst>
+              </p:cNvPr>
+              <p:cNvSpPr/>
+              <p:nvPr/>
+            </p:nvSpPr>
+            <p:spPr>
+              <a:xfrm>
+                <a:off x="2394283" y="2277695"/>
+                <a:ext cx="390566" cy="164681"/>
+              </a:xfrm>
+              <a:prstGeom prst="rect">
+                <a:avLst/>
+              </a:prstGeom>
+              <a:solidFill>
+                <a:schemeClr val="bg1"/>
+              </a:solidFill>
+              <a:ln>
+                <a:solidFill>
+                  <a:schemeClr val="tx1"/>
+                </a:solidFill>
+              </a:ln>
+            </p:spPr>
+            <p:style>
+              <a:lnRef idx="2">
+                <a:schemeClr val="dk1">
+                  <a:shade val="15000"/>
+                </a:schemeClr>
+              </a:lnRef>
+              <a:fillRef idx="1">
+                <a:schemeClr val="dk1"/>
+              </a:fillRef>
+              <a:effectRef idx="0">
+                <a:schemeClr val="dk1"/>
+              </a:effectRef>
+              <a:fontRef idx="minor">
+                <a:schemeClr val="lt1"/>
+              </a:fontRef>
+            </p:style>
+            <p:txBody>
+              <a:bodyPr rtlCol="0" anchor="ctr"/>
+              <a:lstStyle/>
+              <a:p>
+                <a:pPr algn="ctr"/>
+                <a14:m>
+                  <m:oMathPara xmlns:m="http://schemas.openxmlformats.org/officeDocument/2006/math">
+                    <m:oMathParaPr>
+                      <m:jc m:val="centerGroup"/>
+                    </m:oMathParaPr>
+                    <m:oMath xmlns:m="http://schemas.openxmlformats.org/officeDocument/2006/math">
+                      <m:sSub>
+                        <m:sSubPr>
+                          <m:ctrlPr>
+                            <a:rPr lang="vi-VN" sz="800" b="0" i="1" dirty="0" smtClean="0">
+                              <a:solidFill>
+                                <a:schemeClr val="tx1"/>
+                              </a:solidFill>
+                              <a:latin typeface="Cambria Math" panose="02040503050406030204" pitchFamily="18" charset="0"/>
+                            </a:rPr>
+                          </m:ctrlPr>
+                        </m:sSubPr>
+                        <m:e>
+                          <m:r>
+                            <a:rPr lang="vi-VN" sz="800" b="0" i="1" dirty="0" smtClean="0">
+                              <a:solidFill>
+                                <a:schemeClr val="tx1"/>
+                              </a:solidFill>
+                              <a:latin typeface="Cambria Math" panose="02040503050406030204" pitchFamily="18" charset="0"/>
+                            </a:rPr>
+                            <m:t>𝑅</m:t>
+                          </m:r>
+                        </m:e>
+                        <m:sub>
+                          <m:r>
+                            <a:rPr lang="vi-VN" sz="800" i="1" dirty="0">
+                              <a:solidFill>
+                                <a:schemeClr val="tx1"/>
+                              </a:solidFill>
+                              <a:latin typeface="Cambria Math" panose="02040503050406030204" pitchFamily="18" charset="0"/>
+                            </a:rPr>
+                            <m:t>𝑦</m:t>
+                          </m:r>
+                        </m:sub>
+                      </m:sSub>
+                      <m:r>
+                        <a:rPr lang="en-US" sz="800" i="1" dirty="0" smtClean="0">
+                          <a:solidFill>
+                            <a:schemeClr val="tx1"/>
+                          </a:solidFill>
+                          <a:latin typeface="Cambria Math" panose="02040503050406030204" pitchFamily="18" charset="0"/>
+                        </a:rPr>
+                        <m:t>(</m:t>
+                      </m:r>
+                      <m:r>
+                        <a:rPr lang="vi-VN" sz="800" i="1" dirty="0" smtClean="0">
+                          <a:solidFill>
+                            <a:schemeClr val="tx1"/>
+                          </a:solidFill>
+                          <a:latin typeface="Cambria Math" panose="02040503050406030204" pitchFamily="18" charset="0"/>
+                        </a:rPr>
+                        <m:t>.</m:t>
+                      </m:r>
+                      <m:r>
+                        <a:rPr lang="en-US" sz="800" i="1" dirty="0" smtClean="0">
+                          <a:solidFill>
+                            <a:schemeClr val="tx1"/>
+                          </a:solidFill>
+                          <a:latin typeface="Cambria Math" panose="02040503050406030204" pitchFamily="18" charset="0"/>
+                        </a:rPr>
+                        <m:t>)</m:t>
+                      </m:r>
+                    </m:oMath>
+                  </m:oMathPara>
+                </a14:m>
+                <a:endParaRPr lang="en-CA" sz="800" i="1" dirty="0">
+                  <a:solidFill>
+                    <a:schemeClr val="tx1"/>
+                  </a:solidFill>
+                </a:endParaRPr>
+              </a:p>
+            </p:txBody>
+          </p:sp>
+        </mc:Choice>
+        <mc:Fallback>
+          <p:sp>
+            <p:nvSpPr>
+              <p:cNvPr id="32" name="Rectangle 31">
+                <a:extLst>
+                  <a:ext uri="{FF2B5EF4-FFF2-40B4-BE49-F238E27FC236}">
+                    <a16:creationId xmlns:a16="http://schemas.microsoft.com/office/drawing/2014/main" id="{BAF66647-E8A6-D0AF-BFE1-C1D1E98D9179}"/>
+                  </a:ext>
+                </a:extLst>
+              </p:cNvPr>
+              <p:cNvSpPr>
+                <a:spLocks noRot="1" noChangeAspect="1" noMove="1" noResize="1" noEditPoints="1" noAdjustHandles="1" noChangeArrowheads="1" noChangeShapeType="1" noTextEdit="1"/>
+              </p:cNvSpPr>
+              <p:nvPr/>
+            </p:nvSpPr>
+            <p:spPr>
+              <a:xfrm>
+                <a:off x="2394283" y="2277695"/>
+                <a:ext cx="390566" cy="164681"/>
+              </a:xfrm>
+              <a:prstGeom prst="rect">
+                <a:avLst/>
+              </a:prstGeom>
+              <a:blipFill>
+                <a:blip r:embed="rId16"/>
+                <a:stretch>
+                  <a:fillRect b="-6667"/>
+                </a:stretch>
+              </a:blipFill>
+              <a:ln>
+                <a:solidFill>
+                  <a:schemeClr val="tx1"/>
+                </a:solidFill>
+              </a:ln>
+            </p:spPr>
+            <p:txBody>
+              <a:bodyPr/>
+              <a:lstStyle/>
+              <a:p>
+                <a:r>
+                  <a:rPr lang="en-VN">
+                    <a:noFill/>
+                  </a:rPr>
+                  <a:t> </a:t>
+                </a:r>
+              </a:p>
+            </p:txBody>
+          </p:sp>
+        </mc:Fallback>
+      </mc:AlternateContent>
+      <mc:AlternateContent xmlns:mc="http://schemas.openxmlformats.org/markup-compatibility/2006">
+        <mc:Choice xmlns:a14="http://schemas.microsoft.com/office/drawing/2010/main" Requires="a14">
+          <p:sp>
+            <p:nvSpPr>
+              <p:cNvPr id="33" name="Rectangle 32">
+                <a:extLst>
+                  <a:ext uri="{FF2B5EF4-FFF2-40B4-BE49-F238E27FC236}">
+                    <a16:creationId xmlns:a16="http://schemas.microsoft.com/office/drawing/2014/main" id="{E351102A-3BEB-E5F7-86D3-44BDB6221108}"/>
+                  </a:ext>
+                </a:extLst>
+              </p:cNvPr>
+              <p:cNvSpPr/>
+              <p:nvPr/>
+            </p:nvSpPr>
+            <p:spPr>
+              <a:xfrm>
+                <a:off x="2829813" y="2279273"/>
+                <a:ext cx="390566" cy="164681"/>
+              </a:xfrm>
+              <a:prstGeom prst="rect">
+                <a:avLst/>
+              </a:prstGeom>
+              <a:solidFill>
+                <a:schemeClr val="bg1"/>
+              </a:solidFill>
+              <a:ln>
+                <a:solidFill>
+                  <a:schemeClr val="tx1"/>
+                </a:solidFill>
+              </a:ln>
+            </p:spPr>
+            <p:style>
+              <a:lnRef idx="2">
+                <a:schemeClr val="dk1">
+                  <a:shade val="15000"/>
+                </a:schemeClr>
+              </a:lnRef>
+              <a:fillRef idx="1">
+                <a:schemeClr val="dk1"/>
+              </a:fillRef>
+              <a:effectRef idx="0">
+                <a:schemeClr val="dk1"/>
+              </a:effectRef>
+              <a:fontRef idx="minor">
+                <a:schemeClr val="lt1"/>
+              </a:fontRef>
+            </p:style>
+            <p:txBody>
+              <a:bodyPr rtlCol="0" anchor="ctr"/>
+              <a:lstStyle/>
+              <a:p>
+                <a:pPr algn="ctr"/>
+                <a14:m>
+                  <m:oMathPara xmlns:m="http://schemas.openxmlformats.org/officeDocument/2006/math">
+                    <m:oMathParaPr>
+                      <m:jc m:val="centerGroup"/>
+                    </m:oMathParaPr>
+                    <m:oMath xmlns:m="http://schemas.openxmlformats.org/officeDocument/2006/math">
+                      <m:sSub>
+                        <m:sSubPr>
+                          <m:ctrlPr>
+                            <a:rPr lang="vi-VN" sz="800" b="0" i="1" dirty="0" smtClean="0">
+                              <a:solidFill>
+                                <a:schemeClr val="tx1"/>
+                              </a:solidFill>
+                              <a:latin typeface="Cambria Math" panose="02040503050406030204" pitchFamily="18" charset="0"/>
+                            </a:rPr>
+                          </m:ctrlPr>
+                        </m:sSubPr>
+                        <m:e>
+                          <m:r>
+                            <a:rPr lang="vi-VN" sz="800" b="0" i="1" dirty="0" smtClean="0">
+                              <a:solidFill>
+                                <a:schemeClr val="tx1"/>
+                              </a:solidFill>
+                              <a:latin typeface="Cambria Math" panose="02040503050406030204" pitchFamily="18" charset="0"/>
+                            </a:rPr>
+                            <m:t>𝑅</m:t>
+                          </m:r>
+                        </m:e>
+                        <m:sub>
+                          <m:r>
+                            <a:rPr lang="vi-VN" sz="800" i="1" dirty="0">
+                              <a:solidFill>
+                                <a:schemeClr val="tx1"/>
+                              </a:solidFill>
+                              <a:latin typeface="Cambria Math" panose="02040503050406030204" pitchFamily="18" charset="0"/>
+                            </a:rPr>
+                            <m:t>𝑧</m:t>
+                          </m:r>
+                        </m:sub>
+                      </m:sSub>
+                      <m:r>
+                        <a:rPr lang="en-US" sz="800" i="1" dirty="0" smtClean="0">
+                          <a:solidFill>
+                            <a:schemeClr val="tx1"/>
+                          </a:solidFill>
+                          <a:latin typeface="Cambria Math" panose="02040503050406030204" pitchFamily="18" charset="0"/>
+                        </a:rPr>
+                        <m:t>(</m:t>
+                      </m:r>
+                      <m:r>
+                        <a:rPr lang="vi-VN" sz="800" i="1" dirty="0" smtClean="0">
+                          <a:solidFill>
+                            <a:schemeClr val="tx1"/>
+                          </a:solidFill>
+                          <a:latin typeface="Cambria Math" panose="02040503050406030204" pitchFamily="18" charset="0"/>
+                        </a:rPr>
+                        <m:t>.</m:t>
+                      </m:r>
+                      <m:r>
+                        <a:rPr lang="en-US" sz="800" i="1" dirty="0" smtClean="0">
+                          <a:solidFill>
+                            <a:schemeClr val="tx1"/>
+                          </a:solidFill>
+                          <a:latin typeface="Cambria Math" panose="02040503050406030204" pitchFamily="18" charset="0"/>
+                        </a:rPr>
+                        <m:t>)</m:t>
+                      </m:r>
+                    </m:oMath>
+                  </m:oMathPara>
+                </a14:m>
+                <a:endParaRPr lang="en-CA" sz="800" i="1" dirty="0">
+                  <a:solidFill>
+                    <a:schemeClr val="tx1"/>
+                  </a:solidFill>
+                </a:endParaRPr>
+              </a:p>
+            </p:txBody>
+          </p:sp>
+        </mc:Choice>
+        <mc:Fallback>
+          <p:sp>
+            <p:nvSpPr>
+              <p:cNvPr id="33" name="Rectangle 32">
+                <a:extLst>
+                  <a:ext uri="{FF2B5EF4-FFF2-40B4-BE49-F238E27FC236}">
+                    <a16:creationId xmlns:a16="http://schemas.microsoft.com/office/drawing/2014/main" id="{E351102A-3BEB-E5F7-86D3-44BDB6221108}"/>
+                  </a:ext>
+                </a:extLst>
+              </p:cNvPr>
+              <p:cNvSpPr>
+                <a:spLocks noRot="1" noChangeAspect="1" noMove="1" noResize="1" noEditPoints="1" noAdjustHandles="1" noChangeArrowheads="1" noChangeShapeType="1" noTextEdit="1"/>
+              </p:cNvSpPr>
+              <p:nvPr/>
+            </p:nvSpPr>
+            <p:spPr>
+              <a:xfrm>
+                <a:off x="2829813" y="2279273"/>
+                <a:ext cx="390566" cy="164681"/>
+              </a:xfrm>
+              <a:prstGeom prst="rect">
+                <a:avLst/>
+              </a:prstGeom>
+              <a:blipFill>
+                <a:blip r:embed="rId17"/>
+                <a:stretch>
+                  <a:fillRect b="-6667"/>
+                </a:stretch>
+              </a:blipFill>
+              <a:ln>
+                <a:solidFill>
+                  <a:schemeClr val="tx1"/>
+                </a:solidFill>
+              </a:ln>
+            </p:spPr>
+            <p:txBody>
+              <a:bodyPr/>
+              <a:lstStyle/>
+              <a:p>
+                <a:r>
+                  <a:rPr lang="en-VN">
+                    <a:noFill/>
+                  </a:rPr>
+                  <a:t> </a:t>
+                </a:r>
+              </a:p>
+            </p:txBody>
+          </p:sp>
+        </mc:Fallback>
+      </mc:AlternateContent>
+      <p:cxnSp>
+        <p:nvCxnSpPr>
+          <p:cNvPr id="34" name="Straight Connector 33">
+            <a:extLst>
+              <a:ext uri="{FF2B5EF4-FFF2-40B4-BE49-F238E27FC236}">
+                <a16:creationId xmlns:a16="http://schemas.microsoft.com/office/drawing/2014/main" id="{1E4EBFD8-0643-EE2B-B361-A9FD6F5CF4F3}"/>
+              </a:ext>
+            </a:extLst>
+          </p:cNvPr>
+          <p:cNvCxnSpPr>
+            <a:cxnSpLocks/>
+          </p:cNvCxnSpPr>
+          <p:nvPr/>
+        </p:nvCxnSpPr>
+        <p:spPr>
+          <a:xfrm>
+            <a:off x="1413169" y="2367884"/>
+            <a:ext cx="0" cy="176330"/>
+          </a:xfrm>
+          <a:prstGeom prst="line">
+            <a:avLst/>
+          </a:prstGeom>
+        </p:spPr>
+        <p:style>
+          <a:lnRef idx="2">
+            <a:schemeClr val="dk1"/>
+          </a:lnRef>
+          <a:fillRef idx="0">
+            <a:schemeClr val="dk1"/>
+          </a:fillRef>
+          <a:effectRef idx="1">
+            <a:schemeClr val="dk1"/>
+          </a:effectRef>
+          <a:fontRef idx="minor">
+            <a:schemeClr val="tx1"/>
+          </a:fontRef>
+        </p:style>
+      </p:cxnSp>
+      <mc:AlternateContent xmlns:mc="http://schemas.openxmlformats.org/markup-compatibility/2006">
+        <mc:Choice xmlns:a14="http://schemas.microsoft.com/office/drawing/2010/main" Requires="a14">
+          <p:sp>
+            <p:nvSpPr>
+              <p:cNvPr id="35" name="TextBox 34">
+                <a:extLst>
+                  <a:ext uri="{FF2B5EF4-FFF2-40B4-BE49-F238E27FC236}">
+                    <a16:creationId xmlns:a16="http://schemas.microsoft.com/office/drawing/2014/main" id="{9C43CCE3-1930-22DE-C45E-75B6D6851518}"/>
+                  </a:ext>
+                </a:extLst>
+              </p:cNvPr>
+              <p:cNvSpPr txBox="1"/>
+              <p:nvPr/>
+            </p:nvSpPr>
+            <p:spPr>
+              <a:xfrm>
+                <a:off x="1245923" y="2367417"/>
+                <a:ext cx="323391" cy="369332"/>
+              </a:xfrm>
+              <a:prstGeom prst="rect">
+                <a:avLst/>
+              </a:prstGeom>
+              <a:noFill/>
+            </p:spPr>
+            <p:txBody>
+              <a:bodyPr wrap="square" rtlCol="0">
+                <a:spAutoFit/>
+              </a:bodyPr>
+              <a:lstStyle/>
+              <a:p>
+                <a14:m>
+                  <m:oMathPara xmlns:m="http://schemas.openxmlformats.org/officeDocument/2006/math">
+                    <m:oMathParaPr>
+                      <m:jc m:val="centerGroup"/>
+                    </m:oMathParaPr>
+                    <m:oMath xmlns:m="http://schemas.openxmlformats.org/officeDocument/2006/math">
+                      <m:r>
+                        <a:rPr lang="vi-VN" b="0" i="1">
+                          <a:latin typeface="Cambria Math" panose="02040503050406030204" pitchFamily="18" charset="0"/>
+                        </a:rPr>
+                        <m:t>×</m:t>
+                      </m:r>
+                    </m:oMath>
+                  </m:oMathPara>
+                </a14:m>
+                <a:endParaRPr lang="en-VN" i="1"/>
+              </a:p>
+            </p:txBody>
+          </p:sp>
+        </mc:Choice>
+        <mc:Fallback>
+          <p:sp>
+            <p:nvSpPr>
+              <p:cNvPr id="35" name="TextBox 34">
+                <a:extLst>
+                  <a:ext uri="{FF2B5EF4-FFF2-40B4-BE49-F238E27FC236}">
+                    <a16:creationId xmlns:a16="http://schemas.microsoft.com/office/drawing/2014/main" id="{9C43CCE3-1930-22DE-C45E-75B6D6851518}"/>
+                  </a:ext>
+                </a:extLst>
+              </p:cNvPr>
+              <p:cNvSpPr txBox="1">
+                <a:spLocks noRot="1" noChangeAspect="1" noMove="1" noResize="1" noEditPoints="1" noAdjustHandles="1" noChangeArrowheads="1" noChangeShapeType="1" noTextEdit="1"/>
+              </p:cNvSpPr>
+              <p:nvPr/>
+            </p:nvSpPr>
+            <p:spPr>
+              <a:xfrm>
+                <a:off x="1245923" y="2367417"/>
+                <a:ext cx="323391" cy="369332"/>
               </a:xfrm>
               <a:prstGeom prst="rect">
                 <a:avLst/>
@@ -24573,7 +27576,253 @@
               <a:blipFill>
                 <a:blip r:embed="rId18"/>
                 <a:stretch>
-                  <a:fillRect b="-4545"/>
+                  <a:fillRect/>
+                </a:stretch>
+              </a:blipFill>
+            </p:spPr>
+            <p:txBody>
+              <a:bodyPr/>
+              <a:lstStyle/>
+              <a:p>
+                <a:r>
+                  <a:rPr lang="en-VN">
+                    <a:noFill/>
+                  </a:rPr>
+                  <a:t> </a:t>
+                </a:r>
+              </a:p>
+            </p:txBody>
+          </p:sp>
+        </mc:Fallback>
+      </mc:AlternateContent>
+      <mc:AlternateContent xmlns:mc="http://schemas.openxmlformats.org/markup-compatibility/2006">
+        <mc:Choice xmlns:a14="http://schemas.microsoft.com/office/drawing/2010/main" Requires="a14">
+          <p:sp>
+            <p:nvSpPr>
+              <p:cNvPr id="36" name="TextBox 35">
+                <a:extLst>
+                  <a:ext uri="{FF2B5EF4-FFF2-40B4-BE49-F238E27FC236}">
+                    <a16:creationId xmlns:a16="http://schemas.microsoft.com/office/drawing/2014/main" id="{9AB95E9B-31B7-ABBC-F406-EDACC179D769}"/>
+                  </a:ext>
+                </a:extLst>
+              </p:cNvPr>
+              <p:cNvSpPr txBox="1"/>
+              <p:nvPr/>
+            </p:nvSpPr>
+            <p:spPr>
+              <a:xfrm>
+                <a:off x="1543522" y="2849499"/>
+                <a:ext cx="288813" cy="184666"/>
+              </a:xfrm>
+              <a:prstGeom prst="rect">
+                <a:avLst/>
+              </a:prstGeom>
+              <a:noFill/>
+            </p:spPr>
+            <p:txBody>
+              <a:bodyPr wrap="square" lIns="0" tIns="0" rIns="0" bIns="0" rtlCol="0">
+                <a:spAutoFit/>
+              </a:bodyPr>
+              <a:lstStyle/>
+              <a:p>
+                <a:pPr/>
+                <a14:m>
+                  <m:oMathPara xmlns:m="http://schemas.openxmlformats.org/officeDocument/2006/math">
+                    <m:oMathParaPr>
+                      <m:jc m:val="centerGroup"/>
+                    </m:oMathParaPr>
+                    <m:oMath xmlns:m="http://schemas.openxmlformats.org/officeDocument/2006/math">
+                      <m:r>
+                        <a:rPr lang="en-VN" sz="1200" i="1">
+                          <a:latin typeface="Cambria Math" panose="02040503050406030204" pitchFamily="18" charset="0"/>
+                        </a:rPr>
+                        <m:t>⋮</m:t>
+                      </m:r>
+                    </m:oMath>
+                  </m:oMathPara>
+                </a14:m>
+                <a:endParaRPr lang="en-VN" sz="1200" i="1"/>
+              </a:p>
+            </p:txBody>
+          </p:sp>
+        </mc:Choice>
+        <mc:Fallback>
+          <p:sp>
+            <p:nvSpPr>
+              <p:cNvPr id="36" name="TextBox 35">
+                <a:extLst>
+                  <a:ext uri="{FF2B5EF4-FFF2-40B4-BE49-F238E27FC236}">
+                    <a16:creationId xmlns:a16="http://schemas.microsoft.com/office/drawing/2014/main" id="{9AB95E9B-31B7-ABBC-F406-EDACC179D769}"/>
+                  </a:ext>
+                </a:extLst>
+              </p:cNvPr>
+              <p:cNvSpPr txBox="1">
+                <a:spLocks noRot="1" noChangeAspect="1" noMove="1" noResize="1" noEditPoints="1" noAdjustHandles="1" noChangeArrowheads="1" noChangeShapeType="1" noTextEdit="1"/>
+              </p:cNvSpPr>
+              <p:nvPr/>
+            </p:nvSpPr>
+            <p:spPr>
+              <a:xfrm>
+                <a:off x="1543522" y="2849499"/>
+                <a:ext cx="288813" cy="184666"/>
+              </a:xfrm>
+              <a:prstGeom prst="rect">
+                <a:avLst/>
+              </a:prstGeom>
+              <a:blipFill>
+                <a:blip r:embed="rId19"/>
+                <a:stretch>
+                  <a:fillRect/>
+                </a:stretch>
+              </a:blipFill>
+            </p:spPr>
+            <p:txBody>
+              <a:bodyPr/>
+              <a:lstStyle/>
+              <a:p>
+                <a:r>
+                  <a:rPr lang="en-VN">
+                    <a:noFill/>
+                  </a:rPr>
+                  <a:t> </a:t>
+                </a:r>
+              </a:p>
+            </p:txBody>
+          </p:sp>
+        </mc:Fallback>
+      </mc:AlternateContent>
+      <p:sp>
+        <p:nvSpPr>
+          <p:cNvPr id="38" name="Left Brace 37">
+            <a:extLst>
+              <a:ext uri="{FF2B5EF4-FFF2-40B4-BE49-F238E27FC236}">
+                <a16:creationId xmlns:a16="http://schemas.microsoft.com/office/drawing/2014/main" id="{FC86F5D4-4AF7-0AFB-B974-5D19285FD70E}"/>
+              </a:ext>
+            </a:extLst>
+          </p:cNvPr>
+          <p:cNvSpPr/>
+          <p:nvPr/>
+        </p:nvSpPr>
+        <p:spPr>
+          <a:xfrm>
+            <a:off x="1057564" y="2238845"/>
+            <a:ext cx="110836" cy="1019850"/>
+          </a:xfrm>
+          <a:prstGeom prst="leftBrace">
+            <a:avLst>
+              <a:gd name="adj1" fmla="val 68699"/>
+              <a:gd name="adj2" fmla="val 50000"/>
+            </a:avLst>
+          </a:prstGeom>
+          <a:ln w="12700"/>
+        </p:spPr>
+        <p:style>
+          <a:lnRef idx="2">
+            <a:schemeClr val="dk1"/>
+          </a:lnRef>
+          <a:fillRef idx="0">
+            <a:schemeClr val="dk1"/>
+          </a:fillRef>
+          <a:effectRef idx="1">
+            <a:schemeClr val="dk1"/>
+          </a:effectRef>
+          <a:fontRef idx="minor">
+            <a:schemeClr val="tx1"/>
+          </a:fontRef>
+        </p:style>
+        <p:txBody>
+          <a:bodyPr rtlCol="0" anchor="ctr"/>
+          <a:lstStyle/>
+          <a:p>
+            <a:pPr algn="ctr"/>
+            <a:endParaRPr lang="en-VN" i="1"/>
+          </a:p>
+        </p:txBody>
+      </p:sp>
+      <mc:AlternateContent xmlns:mc="http://schemas.openxmlformats.org/markup-compatibility/2006">
+        <mc:Choice xmlns:a14="http://schemas.microsoft.com/office/drawing/2010/main" Requires="a14">
+          <p:sp>
+            <p:nvSpPr>
+              <p:cNvPr id="39" name="TextBox 38">
+                <a:extLst>
+                  <a:ext uri="{FF2B5EF4-FFF2-40B4-BE49-F238E27FC236}">
+                    <a16:creationId xmlns:a16="http://schemas.microsoft.com/office/drawing/2014/main" id="{27AA7019-363B-0B70-5427-41B4E7FB6832}"/>
+                  </a:ext>
+                </a:extLst>
+              </p:cNvPr>
+              <p:cNvSpPr txBox="1"/>
+              <p:nvPr/>
+            </p:nvSpPr>
+            <p:spPr>
+              <a:xfrm>
+                <a:off x="700633" y="2618808"/>
+                <a:ext cx="412349" cy="246221"/>
+              </a:xfrm>
+              <a:prstGeom prst="rect">
+                <a:avLst/>
+              </a:prstGeom>
+              <a:noFill/>
+            </p:spPr>
+            <p:txBody>
+              <a:bodyPr wrap="square" rtlCol="0">
+                <a:spAutoFit/>
+              </a:bodyPr>
+              <a:lstStyle/>
+              <a:p>
+                <a:pPr/>
+                <a14:m>
+                  <m:oMathPara xmlns:m="http://schemas.openxmlformats.org/officeDocument/2006/math">
+                    <m:oMathParaPr>
+                      <m:jc m:val="centerGroup"/>
+                    </m:oMathParaPr>
+                    <m:oMath xmlns:m="http://schemas.openxmlformats.org/officeDocument/2006/math">
+                      <m:r>
+                        <a:rPr lang="vi-VN" sz="1000" b="0" i="1">
+                          <a:latin typeface="Cambria Math" panose="02040503050406030204" pitchFamily="18" charset="0"/>
+                        </a:rPr>
+                        <m:t>× </m:t>
+                      </m:r>
+                      <m:r>
+                        <a:rPr lang="vi-VN" sz="1000" i="1">
+                          <a:latin typeface="Cambria Math" panose="02040503050406030204" pitchFamily="18" charset="0"/>
+                        </a:rPr>
+                        <m:t>𝑛</m:t>
+                      </m:r>
+                    </m:oMath>
+                  </m:oMathPara>
+                </a14:m>
+                <a:endParaRPr lang="en-VN" sz="1000" i="1"/>
+              </a:p>
+            </p:txBody>
+          </p:sp>
+        </mc:Choice>
+        <mc:Fallback>
+          <p:sp>
+            <p:nvSpPr>
+              <p:cNvPr id="39" name="TextBox 38">
+                <a:extLst>
+                  <a:ext uri="{FF2B5EF4-FFF2-40B4-BE49-F238E27FC236}">
+                    <a16:creationId xmlns:a16="http://schemas.microsoft.com/office/drawing/2014/main" id="{27AA7019-363B-0B70-5427-41B4E7FB6832}"/>
+                  </a:ext>
+                </a:extLst>
+              </p:cNvPr>
+              <p:cNvSpPr txBox="1">
+                <a:spLocks noRot="1" noChangeAspect="1" noMove="1" noResize="1" noEditPoints="1" noAdjustHandles="1" noChangeArrowheads="1" noChangeShapeType="1" noTextEdit="1"/>
+              </p:cNvSpPr>
+              <p:nvPr/>
+            </p:nvSpPr>
+            <p:spPr>
+              <a:xfrm>
+                <a:off x="700633" y="2618808"/>
+                <a:ext cx="412349" cy="246221"/>
+              </a:xfrm>
+              <a:prstGeom prst="rect">
+                <a:avLst/>
+              </a:prstGeom>
+              <a:blipFill>
+                <a:blip r:embed="rId20"/>
+                <a:stretch>
+                  <a:fillRect b="-5000"/>
                 </a:stretch>
               </a:blipFill>
             </p:spPr>
@@ -24595,7 +27844,7 @@
     </p:spTree>
     <p:extLst>
       <p:ext uri="{BB962C8B-B14F-4D97-AF65-F5344CB8AC3E}">
-        <p14:creationId xmlns:p14="http://schemas.microsoft.com/office/powerpoint/2010/main" val="3741988023"/>
+        <p14:creationId xmlns:p14="http://schemas.microsoft.com/office/powerpoint/2010/main" val="3146854831"/>
       </p:ext>
     </p:extLst>
   </p:cSld>

--- a/images/draw.pptx
+++ b/images/draw.pptx
@@ -264,7 +264,7 @@
           <a:p>
             <a:fld id="{F3B8E073-128F-49A8-A50F-B9D43F2C8A21}" type="datetimeFigureOut">
               <a:rPr lang="en-CA" smtClean="0"/>
-              <a:t>2025-02-16</a:t>
+              <a:t>2025-04-22</a:t>
             </a:fld>
             <a:endParaRPr lang="en-CA"/>
           </a:p>
@@ -464,7 +464,7 @@
           <a:p>
             <a:fld id="{F3B8E073-128F-49A8-A50F-B9D43F2C8A21}" type="datetimeFigureOut">
               <a:rPr lang="en-CA" smtClean="0"/>
-              <a:t>2025-02-16</a:t>
+              <a:t>2025-04-22</a:t>
             </a:fld>
             <a:endParaRPr lang="en-CA"/>
           </a:p>
@@ -674,7 +674,7 @@
           <a:p>
             <a:fld id="{F3B8E073-128F-49A8-A50F-B9D43F2C8A21}" type="datetimeFigureOut">
               <a:rPr lang="en-CA" smtClean="0"/>
-              <a:t>2025-02-16</a:t>
+              <a:t>2025-04-22</a:t>
             </a:fld>
             <a:endParaRPr lang="en-CA"/>
           </a:p>
@@ -874,7 +874,7 @@
           <a:p>
             <a:fld id="{F3B8E073-128F-49A8-A50F-B9D43F2C8A21}" type="datetimeFigureOut">
               <a:rPr lang="en-CA" smtClean="0"/>
-              <a:t>2025-02-16</a:t>
+              <a:t>2025-04-22</a:t>
             </a:fld>
             <a:endParaRPr lang="en-CA"/>
           </a:p>
@@ -1150,7 +1150,7 @@
           <a:p>
             <a:fld id="{F3B8E073-128F-49A8-A50F-B9D43F2C8A21}" type="datetimeFigureOut">
               <a:rPr lang="en-CA" smtClean="0"/>
-              <a:t>2025-02-16</a:t>
+              <a:t>2025-04-22</a:t>
             </a:fld>
             <a:endParaRPr lang="en-CA"/>
           </a:p>
@@ -1418,7 +1418,7 @@
           <a:p>
             <a:fld id="{F3B8E073-128F-49A8-A50F-B9D43F2C8A21}" type="datetimeFigureOut">
               <a:rPr lang="en-CA" smtClean="0"/>
-              <a:t>2025-02-16</a:t>
+              <a:t>2025-04-22</a:t>
             </a:fld>
             <a:endParaRPr lang="en-CA"/>
           </a:p>
@@ -1833,7 +1833,7 @@
           <a:p>
             <a:fld id="{F3B8E073-128F-49A8-A50F-B9D43F2C8A21}" type="datetimeFigureOut">
               <a:rPr lang="en-CA" smtClean="0"/>
-              <a:t>2025-02-16</a:t>
+              <a:t>2025-04-22</a:t>
             </a:fld>
             <a:endParaRPr lang="en-CA"/>
           </a:p>
@@ -1975,7 +1975,7 @@
           <a:p>
             <a:fld id="{F3B8E073-128F-49A8-A50F-B9D43F2C8A21}" type="datetimeFigureOut">
               <a:rPr lang="en-CA" smtClean="0"/>
-              <a:t>2025-02-16</a:t>
+              <a:t>2025-04-22</a:t>
             </a:fld>
             <a:endParaRPr lang="en-CA"/>
           </a:p>
@@ -2088,7 +2088,7 @@
           <a:p>
             <a:fld id="{F3B8E073-128F-49A8-A50F-B9D43F2C8A21}" type="datetimeFigureOut">
               <a:rPr lang="en-CA" smtClean="0"/>
-              <a:t>2025-02-16</a:t>
+              <a:t>2025-04-22</a:t>
             </a:fld>
             <a:endParaRPr lang="en-CA"/>
           </a:p>
@@ -2401,7 +2401,7 @@
           <a:p>
             <a:fld id="{F3B8E073-128F-49A8-A50F-B9D43F2C8A21}" type="datetimeFigureOut">
               <a:rPr lang="en-CA" smtClean="0"/>
-              <a:t>2025-02-16</a:t>
+              <a:t>2025-04-22</a:t>
             </a:fld>
             <a:endParaRPr lang="en-CA"/>
           </a:p>
@@ -2690,7 +2690,7 @@
           <a:p>
             <a:fld id="{F3B8E073-128F-49A8-A50F-B9D43F2C8A21}" type="datetimeFigureOut">
               <a:rPr lang="en-CA" smtClean="0"/>
-              <a:t>2025-02-16</a:t>
+              <a:t>2025-04-22</a:t>
             </a:fld>
             <a:endParaRPr lang="en-CA"/>
           </a:p>
@@ -2933,7 +2933,7 @@
           <a:p>
             <a:fld id="{F3B8E073-128F-49A8-A50F-B9D43F2C8A21}" type="datetimeFigureOut">
               <a:rPr lang="en-CA" smtClean="0"/>
-              <a:t>2025-02-16</a:t>
+              <a:t>2025-04-22</a:t>
             </a:fld>
             <a:endParaRPr lang="en-CA"/>
           </a:p>
@@ -17667,7 +17667,7 @@
         <p:spPr>
           <a:xfrm>
             <a:off x="3878358" y="3993380"/>
-            <a:ext cx="4104000" cy="0"/>
+            <a:ext cx="4248000" cy="0"/>
           </a:xfrm>
           <a:prstGeom prst="line">
             <a:avLst/>
@@ -17802,8 +17802,8 @@
           </a:fontRef>
         </p:style>
       </p:cxnSp>
-      <mc:AlternateContent xmlns:mc="http://schemas.openxmlformats.org/markup-compatibility/2006">
-        <mc:Choice xmlns:a14="http://schemas.microsoft.com/office/drawing/2010/main" Requires="a14">
+      <mc:AlternateContent xmlns:mc="http://schemas.openxmlformats.org/markup-compatibility/2006" xmlns:a14="http://schemas.microsoft.com/office/drawing/2010/main">
+        <mc:Choice Requires="a14">
           <p:sp>
             <p:nvSpPr>
               <p:cNvPr id="8" name="Rectangle 7">
@@ -17933,7 +17933,7 @@
             </p:txBody>
           </p:sp>
         </mc:Choice>
-        <mc:Fallback>
+        <mc:Fallback xmlns="">
           <p:sp>
             <p:nvSpPr>
               <p:cNvPr id="8" name="Rectangle 7">
@@ -17983,8 +17983,8 @@
           </p:sp>
         </mc:Fallback>
       </mc:AlternateContent>
-      <mc:AlternateContent xmlns:mc="http://schemas.openxmlformats.org/markup-compatibility/2006">
-        <mc:Choice xmlns:a14="http://schemas.microsoft.com/office/drawing/2010/main" Requires="a14">
+      <mc:AlternateContent xmlns:mc="http://schemas.openxmlformats.org/markup-compatibility/2006" xmlns:a14="http://schemas.microsoft.com/office/drawing/2010/main">
+        <mc:Choice Requires="a14">
           <p:sp>
             <p:nvSpPr>
               <p:cNvPr id="9" name="Rectangle 8">
@@ -18114,7 +18114,7 @@
             </p:txBody>
           </p:sp>
         </mc:Choice>
-        <mc:Fallback>
+        <mc:Fallback xmlns="">
           <p:sp>
             <p:nvSpPr>
               <p:cNvPr id="9" name="Rectangle 8">
@@ -18164,8 +18164,8 @@
           </p:sp>
         </mc:Fallback>
       </mc:AlternateContent>
-      <mc:AlternateContent xmlns:mc="http://schemas.openxmlformats.org/markup-compatibility/2006">
-        <mc:Choice xmlns:a14="http://schemas.microsoft.com/office/drawing/2010/main" Requires="a14">
+      <mc:AlternateContent xmlns:mc="http://schemas.openxmlformats.org/markup-compatibility/2006" xmlns:a14="http://schemas.microsoft.com/office/drawing/2010/main">
+        <mc:Choice Requires="a14">
           <p:sp>
             <p:nvSpPr>
               <p:cNvPr id="11" name="Rectangle 10">
@@ -18295,7 +18295,7 @@
             </p:txBody>
           </p:sp>
         </mc:Choice>
-        <mc:Fallback>
+        <mc:Fallback xmlns="">
           <p:sp>
             <p:nvSpPr>
               <p:cNvPr id="11" name="Rectangle 10">
@@ -18345,8 +18345,8 @@
           </p:sp>
         </mc:Fallback>
       </mc:AlternateContent>
-      <mc:AlternateContent xmlns:mc="http://schemas.openxmlformats.org/markup-compatibility/2006">
-        <mc:Choice xmlns:a14="http://schemas.microsoft.com/office/drawing/2010/main" Requires="a14">
+      <mc:AlternateContent xmlns:mc="http://schemas.openxmlformats.org/markup-compatibility/2006" xmlns:a14="http://schemas.microsoft.com/office/drawing/2010/main">
+        <mc:Choice Requires="a14">
           <p:sp>
             <p:nvSpPr>
               <p:cNvPr id="12" name="Rectangle 11">
@@ -18476,7 +18476,7 @@
             </p:txBody>
           </p:sp>
         </mc:Choice>
-        <mc:Fallback>
+        <mc:Fallback xmlns="">
           <p:sp>
             <p:nvSpPr>
               <p:cNvPr id="12" name="Rectangle 11">
@@ -18526,8 +18526,8 @@
           </p:sp>
         </mc:Fallback>
       </mc:AlternateContent>
-      <mc:AlternateContent xmlns:mc="http://schemas.openxmlformats.org/markup-compatibility/2006">
-        <mc:Choice xmlns:a14="http://schemas.microsoft.com/office/drawing/2010/main" Requires="a14">
+      <mc:AlternateContent xmlns:mc="http://schemas.openxmlformats.org/markup-compatibility/2006" xmlns:a14="http://schemas.microsoft.com/office/drawing/2010/main">
+        <mc:Choice Requires="a14">
           <p:sp>
             <p:nvSpPr>
               <p:cNvPr id="13" name="Rectangle 12">
@@ -18657,7 +18657,7 @@
             </p:txBody>
           </p:sp>
         </mc:Choice>
-        <mc:Fallback>
+        <mc:Fallback xmlns="">
           <p:sp>
             <p:nvSpPr>
               <p:cNvPr id="13" name="Rectangle 12">
@@ -18707,8 +18707,8 @@
           </p:sp>
         </mc:Fallback>
       </mc:AlternateContent>
-      <mc:AlternateContent xmlns:mc="http://schemas.openxmlformats.org/markup-compatibility/2006">
-        <mc:Choice xmlns:a14="http://schemas.microsoft.com/office/drawing/2010/main" Requires="a14">
+      <mc:AlternateContent xmlns:mc="http://schemas.openxmlformats.org/markup-compatibility/2006" xmlns:a14="http://schemas.microsoft.com/office/drawing/2010/main">
+        <mc:Choice Requires="a14">
           <p:sp>
             <p:nvSpPr>
               <p:cNvPr id="15" name="Rectangle 14">
@@ -18838,7 +18838,7 @@
             </p:txBody>
           </p:sp>
         </mc:Choice>
-        <mc:Fallback>
+        <mc:Fallback xmlns="">
           <p:sp>
             <p:nvSpPr>
               <p:cNvPr id="15" name="Rectangle 14">
@@ -18888,8 +18888,8 @@
           </p:sp>
         </mc:Fallback>
       </mc:AlternateContent>
-      <mc:AlternateContent xmlns:mc="http://schemas.openxmlformats.org/markup-compatibility/2006">
-        <mc:Choice xmlns:a14="http://schemas.microsoft.com/office/drawing/2010/main" Requires="a14">
+      <mc:AlternateContent xmlns:mc="http://schemas.openxmlformats.org/markup-compatibility/2006" xmlns:a14="http://schemas.microsoft.com/office/drawing/2010/main">
+        <mc:Choice Requires="a14">
           <p:sp>
             <p:nvSpPr>
               <p:cNvPr id="16" name="Rectangle 15">
@@ -19019,7 +19019,7 @@
             </p:txBody>
           </p:sp>
         </mc:Choice>
-        <mc:Fallback>
+        <mc:Fallback xmlns="">
           <p:sp>
             <p:nvSpPr>
               <p:cNvPr id="16" name="Rectangle 15">
@@ -19069,8 +19069,8 @@
           </p:sp>
         </mc:Fallback>
       </mc:AlternateContent>
-      <mc:AlternateContent xmlns:mc="http://schemas.openxmlformats.org/markup-compatibility/2006">
-        <mc:Choice xmlns:a14="http://schemas.microsoft.com/office/drawing/2010/main" Requires="a14">
+      <mc:AlternateContent xmlns:mc="http://schemas.openxmlformats.org/markup-compatibility/2006" xmlns:a14="http://schemas.microsoft.com/office/drawing/2010/main">
+        <mc:Choice Requires="a14">
           <p:sp>
             <p:nvSpPr>
               <p:cNvPr id="17" name="Rectangle 16">
@@ -19200,7 +19200,7 @@
             </p:txBody>
           </p:sp>
         </mc:Choice>
-        <mc:Fallback>
+        <mc:Fallback xmlns="">
           <p:sp>
             <p:nvSpPr>
               <p:cNvPr id="17" name="Rectangle 16">
@@ -19250,8 +19250,8 @@
           </p:sp>
         </mc:Fallback>
       </mc:AlternateContent>
-      <mc:AlternateContent xmlns:mc="http://schemas.openxmlformats.org/markup-compatibility/2006">
-        <mc:Choice xmlns:a14="http://schemas.microsoft.com/office/drawing/2010/main" Requires="a14">
+      <mc:AlternateContent xmlns:mc="http://schemas.openxmlformats.org/markup-compatibility/2006" xmlns:a14="http://schemas.microsoft.com/office/drawing/2010/main">
+        <mc:Choice Requires="a14">
           <p:sp>
             <p:nvSpPr>
               <p:cNvPr id="19" name="Rectangle 18">
@@ -19381,7 +19381,7 @@
             </p:txBody>
           </p:sp>
         </mc:Choice>
-        <mc:Fallback>
+        <mc:Fallback xmlns="">
           <p:sp>
             <p:nvSpPr>
               <p:cNvPr id="19" name="Rectangle 18">
@@ -19484,8 +19484,8 @@
           </a:p>
         </p:txBody>
       </p:sp>
-      <mc:AlternateContent xmlns:mc="http://schemas.openxmlformats.org/markup-compatibility/2006">
-        <mc:Choice xmlns:a14="http://schemas.microsoft.com/office/drawing/2010/main" Requires="a14">
+      <mc:AlternateContent xmlns:mc="http://schemas.openxmlformats.org/markup-compatibility/2006" xmlns:a14="http://schemas.microsoft.com/office/drawing/2010/main">
+        <mc:Choice Requires="a14">
           <p:sp>
             <p:nvSpPr>
               <p:cNvPr id="22" name="Rectangle 21">
@@ -19575,7 +19575,7 @@
             </p:txBody>
           </p:sp>
         </mc:Choice>
-        <mc:Fallback>
+        <mc:Fallback xmlns="">
           <p:sp>
             <p:nvSpPr>
               <p:cNvPr id="22" name="Rectangle 21">
@@ -19747,7 +19747,7 @@
             </p:nvSpPr>
             <p:spPr>
               <a:xfrm>
-                <a:off x="3897782" y="3347291"/>
+                <a:off x="3890385" y="3337039"/>
                 <a:ext cx="412349" cy="246221"/>
               </a:xfrm>
               <a:prstGeom prst="rect">
@@ -19805,7 +19805,7 @@
             </p:nvSpPr>
             <p:spPr>
               <a:xfrm>
-                <a:off x="3897782" y="3347291"/>
+                <a:off x="3890385" y="3337039"/>
                 <a:ext cx="412349" cy="246221"/>
               </a:xfrm>
               <a:prstGeom prst="rect">
@@ -19814,7 +19814,7 @@
               <a:blipFill>
                 <a:blip r:embed="rId12"/>
                 <a:stretch>
-                  <a:fillRect b="-5000"/>
+                  <a:fillRect/>
                 </a:stretch>
               </a:blipFill>
             </p:spPr>
@@ -19947,8 +19947,8 @@
           </a:fontRef>
         </p:style>
       </p:cxnSp>
-      <mc:AlternateContent xmlns:mc="http://schemas.openxmlformats.org/markup-compatibility/2006">
-        <mc:Choice xmlns:a14="http://schemas.microsoft.com/office/drawing/2010/main" Requires="a14">
+      <mc:AlternateContent xmlns:mc="http://schemas.openxmlformats.org/markup-compatibility/2006" xmlns:a14="http://schemas.microsoft.com/office/drawing/2010/main">
+        <mc:Choice Requires="a14">
           <p:sp>
             <p:nvSpPr>
               <p:cNvPr id="33" name="Rectangle 32">
@@ -20038,7 +20038,7 @@
             </p:txBody>
           </p:sp>
         </mc:Choice>
-        <mc:Fallback>
+        <mc:Fallback xmlns="">
           <p:sp>
             <p:nvSpPr>
               <p:cNvPr id="33" name="Rectangle 32">
@@ -20158,7 +20158,7 @@
             <p:spPr>
               <a:xfrm>
                 <a:off x="8487801" y="2361597"/>
-                <a:ext cx="284965" cy="805879"/>
+                <a:ext cx="284965" cy="663249"/>
               </a:xfrm>
               <a:prstGeom prst="rect">
                 <a:avLst/>
@@ -20250,7 +20250,7 @@
             <p:spPr>
               <a:xfrm>
                 <a:off x="8487801" y="2361597"/>
-                <a:ext cx="284965" cy="805879"/>
+                <a:ext cx="284965" cy="663249"/>
               </a:xfrm>
               <a:prstGeom prst="rect">
                 <a:avLst/>
@@ -20361,7 +20361,7 @@
         <p:spPr>
           <a:xfrm>
             <a:off x="3878358" y="3682108"/>
-            <a:ext cx="4104000" cy="0"/>
+            <a:ext cx="4248000" cy="0"/>
           </a:xfrm>
           <a:prstGeom prst="line">
             <a:avLst/>
@@ -20429,7 +20429,7 @@
           <a:p>
             <a:pPr algn="ctr"/>
             <a:r>
-              <a:rPr lang="en-CA" sz="1200" dirty="0">
+              <a:rPr lang="en-CA" sz="900" dirty="0">
                 <a:solidFill>
                   <a:schemeClr val="tx1"/>
                 </a:solidFill>
@@ -20441,8 +20441,8 @@
           </a:p>
         </p:txBody>
       </p:sp>
-      <mc:AlternateContent xmlns:mc="http://schemas.openxmlformats.org/markup-compatibility/2006">
-        <mc:Choice xmlns:a14="http://schemas.microsoft.com/office/drawing/2010/main" Requires="a14">
+      <mc:AlternateContent xmlns:mc="http://schemas.openxmlformats.org/markup-compatibility/2006" xmlns:a14="http://schemas.microsoft.com/office/drawing/2010/main">
+        <mc:Choice Requires="a14">
           <p:sp>
             <p:nvSpPr>
               <p:cNvPr id="62" name="TextBox 61">
@@ -20523,7 +20523,7 @@
             </p:txBody>
           </p:sp>
         </mc:Choice>
-        <mc:Fallback>
+        <mc:Fallback xmlns="">
           <p:sp>
             <p:nvSpPr>
               <p:cNvPr id="62" name="TextBox 61">
@@ -20585,7 +20585,7 @@
         <p:spPr>
           <a:xfrm>
             <a:off x="3878358" y="3738896"/>
-            <a:ext cx="4104000" cy="0"/>
+            <a:ext cx="4248000" cy="0"/>
           </a:xfrm>
           <a:prstGeom prst="line">
             <a:avLst/>
@@ -20606,8 +20606,8 @@
           </a:fontRef>
         </p:style>
       </p:cxnSp>
-      <mc:AlternateContent xmlns:mc="http://schemas.openxmlformats.org/markup-compatibility/2006">
-        <mc:Choice xmlns:a14="http://schemas.microsoft.com/office/drawing/2010/main" Requires="a14">
+      <mc:AlternateContent xmlns:mc="http://schemas.openxmlformats.org/markup-compatibility/2006" xmlns:a14="http://schemas.microsoft.com/office/drawing/2010/main">
+        <mc:Choice Requires="a14">
           <p:sp>
             <p:nvSpPr>
               <p:cNvPr id="47" name="Rectangle 46">
@@ -20717,7 +20717,7 @@
             </p:txBody>
           </p:sp>
         </mc:Choice>
-        <mc:Fallback>
+        <mc:Fallback xmlns="">
           <p:sp>
             <p:nvSpPr>
               <p:cNvPr id="47" name="Rectangle 46">
@@ -20767,8 +20767,8 @@
           </p:sp>
         </mc:Fallback>
       </mc:AlternateContent>
-      <mc:AlternateContent xmlns:mc="http://schemas.openxmlformats.org/markup-compatibility/2006">
-        <mc:Choice xmlns:a14="http://schemas.microsoft.com/office/drawing/2010/main" Requires="a14">
+      <mc:AlternateContent xmlns:mc="http://schemas.openxmlformats.org/markup-compatibility/2006" xmlns:a14="http://schemas.microsoft.com/office/drawing/2010/main">
+        <mc:Choice Requires="a14">
           <p:sp>
             <p:nvSpPr>
               <p:cNvPr id="60" name="Rectangle 59">
@@ -20855,7 +20855,7 @@
             </p:txBody>
           </p:sp>
         </mc:Choice>
-        <mc:Fallback>
+        <mc:Fallback xmlns="">
           <p:sp>
             <p:nvSpPr>
               <p:cNvPr id="60" name="Rectangle 59">
@@ -20905,8 +20905,8 @@
           </p:sp>
         </mc:Fallback>
       </mc:AlternateContent>
-      <mc:AlternateContent xmlns:mc="http://schemas.openxmlformats.org/markup-compatibility/2006">
-        <mc:Choice xmlns:a14="http://schemas.microsoft.com/office/drawing/2010/main" Requires="a14">
+      <mc:AlternateContent xmlns:mc="http://schemas.openxmlformats.org/markup-compatibility/2006" xmlns:a14="http://schemas.microsoft.com/office/drawing/2010/main">
+        <mc:Choice Requires="a14">
           <p:sp>
             <p:nvSpPr>
               <p:cNvPr id="67" name="TextBox 66">
@@ -20956,7 +20956,7 @@
             </p:txBody>
           </p:sp>
         </mc:Choice>
-        <mc:Fallback>
+        <mc:Fallback xmlns="">
           <p:sp>
             <p:nvSpPr>
               <p:cNvPr id="67" name="TextBox 66">
@@ -21048,7 +21048,7 @@
           <a:p>
             <a:pPr algn="ctr"/>
             <a:r>
-              <a:rPr lang="en-CA" sz="1200" dirty="0">
+              <a:rPr lang="en-CA" sz="900" dirty="0">
                 <a:solidFill>
                   <a:schemeClr val="tx1"/>
                 </a:solidFill>
@@ -21075,9 +21075,9 @@
               <p:nvPr/>
             </p:nvSpPr>
             <p:spPr>
-              <a:xfrm rot="16200000">
-                <a:off x="7574886" y="3566552"/>
-                <a:ext cx="466708" cy="475819"/>
+              <a:xfrm>
+                <a:off x="7192211" y="3566552"/>
+                <a:ext cx="849383" cy="475819"/>
               </a:xfrm>
               <a:prstGeom prst="rect">
                 <a:avLst/>
@@ -21115,7 +21115,7 @@
                 <a14:m>
                   <m:oMath xmlns:m="http://schemas.openxmlformats.org/officeDocument/2006/math">
                     <m:r>
-                      <a:rPr lang="vi-VN" sz="600" b="0" i="0" dirty="0" smtClean="0">
+                      <a:rPr lang="vi-VN" sz="900" b="0" i="0" dirty="0" smtClean="0">
                         <a:solidFill>
                           <a:schemeClr val="tx1"/>
                         </a:solidFill>
@@ -21126,7 +21126,7 @@
                   </m:oMath>
                 </a14:m>
                 <a:r>
-                  <a:rPr lang="en-CA" sz="600" dirty="0">
+                  <a:rPr lang="en-CA" sz="900" dirty="0">
                     <a:solidFill>
                       <a:schemeClr val="tx1"/>
                     </a:solidFill>
@@ -21155,9 +21155,9 @@
               <p:nvPr/>
             </p:nvSpPr>
             <p:spPr>
-              <a:xfrm rot="16200000">
-                <a:off x="7574886" y="3566552"/>
-                <a:ext cx="466708" cy="475819"/>
+              <a:xfrm>
+                <a:off x="7192211" y="3566552"/>
+                <a:ext cx="849383" cy="475819"/>
               </a:xfrm>
               <a:prstGeom prst="rect">
                 <a:avLst/>
@@ -21189,8 +21189,8 @@
           </p:sp>
         </mc:Fallback>
       </mc:AlternateContent>
-      <mc:AlternateContent xmlns:mc="http://schemas.openxmlformats.org/markup-compatibility/2006">
-        <mc:Choice xmlns:a14="http://schemas.microsoft.com/office/drawing/2010/main" Requires="a14">
+      <mc:AlternateContent xmlns:mc="http://schemas.openxmlformats.org/markup-compatibility/2006" xmlns:a14="http://schemas.microsoft.com/office/drawing/2010/main">
+        <mc:Choice Requires="a14">
           <p:sp>
             <p:nvSpPr>
               <p:cNvPr id="87" name="TextBox 86">
@@ -21240,7 +21240,7 @@
             </p:txBody>
           </p:sp>
         </mc:Choice>
-        <mc:Fallback>
+        <mc:Fallback xmlns="">
           <p:sp>
             <p:nvSpPr>
               <p:cNvPr id="87" name="TextBox 86">
@@ -21417,8 +21417,8 @@
           </a:p>
         </p:txBody>
       </p:sp>
-      <mc:AlternateContent xmlns:mc="http://schemas.openxmlformats.org/markup-compatibility/2006">
-        <mc:Choice xmlns:a14="http://schemas.microsoft.com/office/drawing/2010/main" Requires="a14">
+      <mc:AlternateContent xmlns:mc="http://schemas.openxmlformats.org/markup-compatibility/2006" xmlns:a14="http://schemas.microsoft.com/office/drawing/2010/main">
+        <mc:Choice Requires="a14">
           <p:sp>
             <p:nvSpPr>
               <p:cNvPr id="96" name="TextBox 95">
@@ -21530,7 +21530,7 @@
             </p:txBody>
           </p:sp>
         </mc:Choice>
-        <mc:Fallback>
+        <mc:Fallback xmlns="">
           <p:sp>
             <p:nvSpPr>
               <p:cNvPr id="96" name="TextBox 95">
@@ -21575,8 +21575,8 @@
           </p:sp>
         </mc:Fallback>
       </mc:AlternateContent>
-      <mc:AlternateContent xmlns:mc="http://schemas.openxmlformats.org/markup-compatibility/2006">
-        <mc:Choice xmlns:a14="http://schemas.microsoft.com/office/drawing/2010/main" Requires="a14">
+      <mc:AlternateContent xmlns:mc="http://schemas.openxmlformats.org/markup-compatibility/2006" xmlns:a14="http://schemas.microsoft.com/office/drawing/2010/main">
+        <mc:Choice Requires="a14">
           <p:sp>
             <p:nvSpPr>
               <p:cNvPr id="97" name="TextBox 96">
@@ -21626,7 +21626,7 @@
             </p:txBody>
           </p:sp>
         </mc:Choice>
-        <mc:Fallback>
+        <mc:Fallback xmlns="">
           <p:sp>
             <p:nvSpPr>
               <p:cNvPr id="97" name="TextBox 96">
@@ -21671,8 +21671,8 @@
           </p:sp>
         </mc:Fallback>
       </mc:AlternateContent>
-      <mc:AlternateContent xmlns:mc="http://schemas.openxmlformats.org/markup-compatibility/2006">
-        <mc:Choice xmlns:a14="http://schemas.microsoft.com/office/drawing/2010/main" Requires="a14">
+      <mc:AlternateContent xmlns:mc="http://schemas.openxmlformats.org/markup-compatibility/2006" xmlns:a14="http://schemas.microsoft.com/office/drawing/2010/main">
+        <mc:Choice Requires="a14">
           <p:sp>
             <p:nvSpPr>
               <p:cNvPr id="98" name="Rectangle 97">
@@ -21762,7 +21762,7 @@
             </p:txBody>
           </p:sp>
         </mc:Choice>
-        <mc:Fallback>
+        <mc:Fallback xmlns="">
           <p:sp>
             <p:nvSpPr>
               <p:cNvPr id="98" name="Rectangle 97">
@@ -22352,8 +22352,8 @@
           </a:p>
         </p:txBody>
       </p:sp>
-      <mc:AlternateContent xmlns:mc="http://schemas.openxmlformats.org/markup-compatibility/2006">
-        <mc:Choice xmlns:a14="http://schemas.microsoft.com/office/drawing/2010/main" Requires="a14">
+      <mc:AlternateContent xmlns:mc="http://schemas.openxmlformats.org/markup-compatibility/2006" xmlns:a14="http://schemas.microsoft.com/office/drawing/2010/main">
+        <mc:Choice Requires="a14">
           <p:sp>
             <p:nvSpPr>
               <p:cNvPr id="118" name="Rectangle 117">
@@ -22545,7 +22545,7 @@
             </p:txBody>
           </p:sp>
         </mc:Choice>
-        <mc:Fallback>
+        <mc:Fallback xmlns="">
           <p:sp>
             <p:nvSpPr>
               <p:cNvPr id="118" name="Rectangle 117">
@@ -22756,8 +22756,8 @@
           </a:fontRef>
         </p:style>
       </p:cxnSp>
-      <mc:AlternateContent xmlns:mc="http://schemas.openxmlformats.org/markup-compatibility/2006">
-        <mc:Choice xmlns:a14="http://schemas.microsoft.com/office/drawing/2010/main" Requires="a14">
+      <mc:AlternateContent xmlns:mc="http://schemas.openxmlformats.org/markup-compatibility/2006" xmlns:a14="http://schemas.microsoft.com/office/drawing/2010/main">
+        <mc:Choice Requires="a14">
           <p:sp>
             <p:nvSpPr>
               <p:cNvPr id="124" name="Rectangle 123">
@@ -22958,7 +22958,7 @@
             </p:txBody>
           </p:sp>
         </mc:Choice>
-        <mc:Fallback>
+        <mc:Fallback xmlns="">
           <p:sp>
             <p:nvSpPr>
               <p:cNvPr id="124" name="Rectangle 123">
@@ -23169,8 +23169,8 @@
           </a:fontRef>
         </p:style>
       </p:cxnSp>
-      <mc:AlternateContent xmlns:mc="http://schemas.openxmlformats.org/markup-compatibility/2006">
-        <mc:Choice xmlns:a14="http://schemas.microsoft.com/office/drawing/2010/main" Requires="a14">
+      <mc:AlternateContent xmlns:mc="http://schemas.openxmlformats.org/markup-compatibility/2006" xmlns:a14="http://schemas.microsoft.com/office/drawing/2010/main">
+        <mc:Choice Requires="a14">
           <p:sp>
             <p:nvSpPr>
               <p:cNvPr id="129" name="Rectangle 128">
@@ -23362,7 +23362,7 @@
             </p:txBody>
           </p:sp>
         </mc:Choice>
-        <mc:Fallback>
+        <mc:Fallback xmlns="">
           <p:sp>
             <p:nvSpPr>
               <p:cNvPr id="129" name="Rectangle 128">
@@ -23469,8 +23469,8 @@
           </a:p>
         </p:txBody>
       </p:sp>
-      <mc:AlternateContent xmlns:mc="http://schemas.openxmlformats.org/markup-compatibility/2006">
-        <mc:Choice xmlns:a14="http://schemas.microsoft.com/office/drawing/2010/main" Requires="a14">
+      <mc:AlternateContent xmlns:mc="http://schemas.openxmlformats.org/markup-compatibility/2006" xmlns:a14="http://schemas.microsoft.com/office/drawing/2010/main">
+        <mc:Choice Requires="a14">
           <p:sp>
             <p:nvSpPr>
               <p:cNvPr id="132" name="TextBox 131">
@@ -23523,7 +23523,7 @@
             </p:txBody>
           </p:sp>
         </mc:Choice>
-        <mc:Fallback>
+        <mc:Fallback xmlns="">
           <p:sp>
             <p:nvSpPr>
               <p:cNvPr id="132" name="TextBox 131">
@@ -23568,8 +23568,8 @@
           </p:sp>
         </mc:Fallback>
       </mc:AlternateContent>
-      <mc:AlternateContent xmlns:mc="http://schemas.openxmlformats.org/markup-compatibility/2006">
-        <mc:Choice xmlns:a14="http://schemas.microsoft.com/office/drawing/2010/main" Requires="a14">
+      <mc:AlternateContent xmlns:mc="http://schemas.openxmlformats.org/markup-compatibility/2006" xmlns:a14="http://schemas.microsoft.com/office/drawing/2010/main">
+        <mc:Choice Requires="a14">
           <p:sp>
             <p:nvSpPr>
               <p:cNvPr id="133" name="TextBox 132">
@@ -23701,7 +23701,7 @@
             </p:txBody>
           </p:sp>
         </mc:Choice>
-        <mc:Fallback>
+        <mc:Fallback xmlns="">
           <p:sp>
             <p:nvSpPr>
               <p:cNvPr id="133" name="TextBox 132">
@@ -23858,8 +23858,8 @@
         </p:nvCxnSpPr>
         <p:spPr>
           <a:xfrm flipH="1" flipV="1">
-            <a:off x="4107674" y="3347291"/>
-            <a:ext cx="2121309" cy="223818"/>
+            <a:off x="4082165" y="3347291"/>
+            <a:ext cx="2137289" cy="228610"/>
           </a:xfrm>
           <a:prstGeom prst="line">
             <a:avLst/>
@@ -23990,8 +23990,8 @@
         </p:nvCxnSpPr>
         <p:spPr>
           <a:xfrm flipV="1">
-            <a:off x="3353630" y="3268358"/>
-            <a:ext cx="624261" cy="317053"/>
+            <a:off x="3364536" y="3268358"/>
+            <a:ext cx="611771" cy="299508"/>
           </a:xfrm>
           <a:prstGeom prst="line">
             <a:avLst/>
@@ -24018,8 +24018,8 @@
           </a:fontRef>
         </p:style>
       </p:cxnSp>
-      <mc:AlternateContent xmlns:mc="http://schemas.openxmlformats.org/markup-compatibility/2006">
-        <mc:Choice xmlns:a14="http://schemas.microsoft.com/office/drawing/2010/main" Requires="a14">
+      <mc:AlternateContent xmlns:mc="http://schemas.openxmlformats.org/markup-compatibility/2006" xmlns:a14="http://schemas.microsoft.com/office/drawing/2010/main">
+        <mc:Choice Requires="a14">
           <p:sp>
             <p:nvSpPr>
               <p:cNvPr id="166" name="TextBox 165">
@@ -24069,7 +24069,7 @@
             </p:txBody>
           </p:sp>
         </mc:Choice>
-        <mc:Fallback>
+        <mc:Fallback xmlns="">
           <p:sp>
             <p:nvSpPr>
               <p:cNvPr id="166" name="TextBox 165">
@@ -24114,8 +24114,8 @@
           </p:sp>
         </mc:Fallback>
       </mc:AlternateContent>
-      <mc:AlternateContent xmlns:mc="http://schemas.openxmlformats.org/markup-compatibility/2006">
-        <mc:Choice xmlns:a14="http://schemas.microsoft.com/office/drawing/2010/main" Requires="a14">
+      <mc:AlternateContent xmlns:mc="http://schemas.openxmlformats.org/markup-compatibility/2006" xmlns:a14="http://schemas.microsoft.com/office/drawing/2010/main">
+        <mc:Choice Requires="a14">
           <p:sp>
             <p:nvSpPr>
               <p:cNvPr id="171" name="TextBox 170">
@@ -24165,7 +24165,7 @@
             </p:txBody>
           </p:sp>
         </mc:Choice>
-        <mc:Fallback>
+        <mc:Fallback xmlns="">
           <p:sp>
             <p:nvSpPr>
               <p:cNvPr id="171" name="TextBox 170">
@@ -24226,7 +24226,7 @@
             </p:nvSpPr>
             <p:spPr>
               <a:xfrm>
-                <a:off x="7982358" y="3721148"/>
+                <a:off x="8095433" y="3721148"/>
                 <a:ext cx="539360" cy="215444"/>
               </a:xfrm>
               <a:prstGeom prst="rect">
@@ -24310,7 +24310,7 @@
             </p:nvSpPr>
             <p:spPr>
               <a:xfrm>
-                <a:off x="7982358" y="3721148"/>
+                <a:off x="8095433" y="3721148"/>
                 <a:ext cx="539360" cy="215444"/>
               </a:xfrm>
               <a:prstGeom prst="rect">
@@ -24338,8 +24338,8 @@
           </p:sp>
         </mc:Fallback>
       </mc:AlternateContent>
-      <mc:AlternateContent xmlns:mc="http://schemas.openxmlformats.org/markup-compatibility/2006">
-        <mc:Choice xmlns:a14="http://schemas.microsoft.com/office/drawing/2010/main" Requires="a14">
+      <mc:AlternateContent xmlns:mc="http://schemas.openxmlformats.org/markup-compatibility/2006" xmlns:a14="http://schemas.microsoft.com/office/drawing/2010/main">
+        <mc:Choice Requires="a14">
           <p:sp>
             <p:nvSpPr>
               <p:cNvPr id="6" name="TextBox 5">
@@ -24389,7 +24389,7 @@
             </p:txBody>
           </p:sp>
         </mc:Choice>
-        <mc:Fallback>
+        <mc:Fallback xmlns="">
           <p:sp>
             <p:nvSpPr>
               <p:cNvPr id="6" name="TextBox 5">
@@ -24647,8 +24647,8 @@
           </a:fontRef>
         </p:style>
       </p:cxnSp>
-      <mc:AlternateContent xmlns:mc="http://schemas.openxmlformats.org/markup-compatibility/2006">
-        <mc:Choice xmlns:a14="http://schemas.microsoft.com/office/drawing/2010/main" Requires="a14">
+      <mc:AlternateContent xmlns:mc="http://schemas.openxmlformats.org/markup-compatibility/2006" xmlns:a14="http://schemas.microsoft.com/office/drawing/2010/main">
+        <mc:Choice Requires="a14">
           <p:sp>
             <p:nvSpPr>
               <p:cNvPr id="7" name="Rectangle 6">
@@ -24778,7 +24778,7 @@
             </p:txBody>
           </p:sp>
         </mc:Choice>
-        <mc:Fallback>
+        <mc:Fallback xmlns="">
           <p:sp>
             <p:nvSpPr>
               <p:cNvPr id="7" name="Rectangle 6">
@@ -24828,8 +24828,8 @@
           </p:sp>
         </mc:Fallback>
       </mc:AlternateContent>
-      <mc:AlternateContent xmlns:mc="http://schemas.openxmlformats.org/markup-compatibility/2006">
-        <mc:Choice xmlns:a14="http://schemas.microsoft.com/office/drawing/2010/main" Requires="a14">
+      <mc:AlternateContent xmlns:mc="http://schemas.openxmlformats.org/markup-compatibility/2006" xmlns:a14="http://schemas.microsoft.com/office/drawing/2010/main">
+        <mc:Choice Requires="a14">
           <p:sp>
             <p:nvSpPr>
               <p:cNvPr id="8" name="Rectangle 7">
@@ -24959,7 +24959,7 @@
             </p:txBody>
           </p:sp>
         </mc:Choice>
-        <mc:Fallback>
+        <mc:Fallback xmlns="">
           <p:sp>
             <p:nvSpPr>
               <p:cNvPr id="8" name="Rectangle 7">
@@ -25009,8 +25009,8 @@
           </p:sp>
         </mc:Fallback>
       </mc:AlternateContent>
-      <mc:AlternateContent xmlns:mc="http://schemas.openxmlformats.org/markup-compatibility/2006">
-        <mc:Choice xmlns:a14="http://schemas.microsoft.com/office/drawing/2010/main" Requires="a14">
+      <mc:AlternateContent xmlns:mc="http://schemas.openxmlformats.org/markup-compatibility/2006" xmlns:a14="http://schemas.microsoft.com/office/drawing/2010/main">
+        <mc:Choice Requires="a14">
           <p:sp>
             <p:nvSpPr>
               <p:cNvPr id="9" name="Rectangle 8">
@@ -25140,7 +25140,7 @@
             </p:txBody>
           </p:sp>
         </mc:Choice>
-        <mc:Fallback>
+        <mc:Fallback xmlns="">
           <p:sp>
             <p:nvSpPr>
               <p:cNvPr id="9" name="Rectangle 8">
@@ -25190,8 +25190,8 @@
           </p:sp>
         </mc:Fallback>
       </mc:AlternateContent>
-      <mc:AlternateContent xmlns:mc="http://schemas.openxmlformats.org/markup-compatibility/2006">
-        <mc:Choice xmlns:a14="http://schemas.microsoft.com/office/drawing/2010/main" Requires="a14">
+      <mc:AlternateContent xmlns:mc="http://schemas.openxmlformats.org/markup-compatibility/2006" xmlns:a14="http://schemas.microsoft.com/office/drawing/2010/main">
+        <mc:Choice Requires="a14">
           <p:sp>
             <p:nvSpPr>
               <p:cNvPr id="10" name="Rectangle 9">
@@ -25321,7 +25321,7 @@
             </p:txBody>
           </p:sp>
         </mc:Choice>
-        <mc:Fallback>
+        <mc:Fallback xmlns="">
           <p:sp>
             <p:nvSpPr>
               <p:cNvPr id="10" name="Rectangle 9">
@@ -25371,8 +25371,8 @@
           </p:sp>
         </mc:Fallback>
       </mc:AlternateContent>
-      <mc:AlternateContent xmlns:mc="http://schemas.openxmlformats.org/markup-compatibility/2006">
-        <mc:Choice xmlns:a14="http://schemas.microsoft.com/office/drawing/2010/main" Requires="a14">
+      <mc:AlternateContent xmlns:mc="http://schemas.openxmlformats.org/markup-compatibility/2006" xmlns:a14="http://schemas.microsoft.com/office/drawing/2010/main">
+        <mc:Choice Requires="a14">
           <p:sp>
             <p:nvSpPr>
               <p:cNvPr id="11" name="Rectangle 10">
@@ -25502,7 +25502,7 @@
             </p:txBody>
           </p:sp>
         </mc:Choice>
-        <mc:Fallback>
+        <mc:Fallback xmlns="">
           <p:sp>
             <p:nvSpPr>
               <p:cNvPr id="11" name="Rectangle 10">
@@ -25552,8 +25552,8 @@
           </p:sp>
         </mc:Fallback>
       </mc:AlternateContent>
-      <mc:AlternateContent xmlns:mc="http://schemas.openxmlformats.org/markup-compatibility/2006">
-        <mc:Choice xmlns:a14="http://schemas.microsoft.com/office/drawing/2010/main" Requires="a14">
+      <mc:AlternateContent xmlns:mc="http://schemas.openxmlformats.org/markup-compatibility/2006" xmlns:a14="http://schemas.microsoft.com/office/drawing/2010/main">
+        <mc:Choice Requires="a14">
           <p:sp>
             <p:nvSpPr>
               <p:cNvPr id="12" name="Rectangle 11">
@@ -25683,7 +25683,7 @@
             </p:txBody>
           </p:sp>
         </mc:Choice>
-        <mc:Fallback>
+        <mc:Fallback xmlns="">
           <p:sp>
             <p:nvSpPr>
               <p:cNvPr id="12" name="Rectangle 11">
@@ -25733,8 +25733,8 @@
           </p:sp>
         </mc:Fallback>
       </mc:AlternateContent>
-      <mc:AlternateContent xmlns:mc="http://schemas.openxmlformats.org/markup-compatibility/2006">
-        <mc:Choice xmlns:a14="http://schemas.microsoft.com/office/drawing/2010/main" Requires="a14">
+      <mc:AlternateContent xmlns:mc="http://schemas.openxmlformats.org/markup-compatibility/2006" xmlns:a14="http://schemas.microsoft.com/office/drawing/2010/main">
+        <mc:Choice Requires="a14">
           <p:sp>
             <p:nvSpPr>
               <p:cNvPr id="13" name="Rectangle 12">
@@ -25864,7 +25864,7 @@
             </p:txBody>
           </p:sp>
         </mc:Choice>
-        <mc:Fallback>
+        <mc:Fallback xmlns="">
           <p:sp>
             <p:nvSpPr>
               <p:cNvPr id="13" name="Rectangle 12">
@@ -25914,8 +25914,8 @@
           </p:sp>
         </mc:Fallback>
       </mc:AlternateContent>
-      <mc:AlternateContent xmlns:mc="http://schemas.openxmlformats.org/markup-compatibility/2006">
-        <mc:Choice xmlns:a14="http://schemas.microsoft.com/office/drawing/2010/main" Requires="a14">
+      <mc:AlternateContent xmlns:mc="http://schemas.openxmlformats.org/markup-compatibility/2006" xmlns:a14="http://schemas.microsoft.com/office/drawing/2010/main">
+        <mc:Choice Requires="a14">
           <p:sp>
             <p:nvSpPr>
               <p:cNvPr id="14" name="Rectangle 13">
@@ -26045,7 +26045,7 @@
             </p:txBody>
           </p:sp>
         </mc:Choice>
-        <mc:Fallback>
+        <mc:Fallback xmlns="">
           <p:sp>
             <p:nvSpPr>
               <p:cNvPr id="14" name="Rectangle 13">
@@ -26095,8 +26095,8 @@
           </p:sp>
         </mc:Fallback>
       </mc:AlternateContent>
-      <mc:AlternateContent xmlns:mc="http://schemas.openxmlformats.org/markup-compatibility/2006">
-        <mc:Choice xmlns:a14="http://schemas.microsoft.com/office/drawing/2010/main" Requires="a14">
+      <mc:AlternateContent xmlns:mc="http://schemas.openxmlformats.org/markup-compatibility/2006" xmlns:a14="http://schemas.microsoft.com/office/drawing/2010/main">
+        <mc:Choice Requires="a14">
           <p:sp>
             <p:nvSpPr>
               <p:cNvPr id="15" name="Rectangle 14">
@@ -26226,7 +26226,7 @@
             </p:txBody>
           </p:sp>
         </mc:Choice>
-        <mc:Fallback>
+        <mc:Fallback xmlns="">
           <p:sp>
             <p:nvSpPr>
               <p:cNvPr id="15" name="Rectangle 14">
@@ -26329,8 +26329,8 @@
           </a:p>
         </p:txBody>
       </p:sp>
-      <mc:AlternateContent xmlns:mc="http://schemas.openxmlformats.org/markup-compatibility/2006">
-        <mc:Choice xmlns:a14="http://schemas.microsoft.com/office/drawing/2010/main" Requires="a14">
+      <mc:AlternateContent xmlns:mc="http://schemas.openxmlformats.org/markup-compatibility/2006" xmlns:a14="http://schemas.microsoft.com/office/drawing/2010/main">
+        <mc:Choice Requires="a14">
           <p:sp>
             <p:nvSpPr>
               <p:cNvPr id="18" name="TextBox 17">
@@ -26380,7 +26380,7 @@
             </p:txBody>
           </p:sp>
         </mc:Choice>
-        <mc:Fallback>
+        <mc:Fallback xmlns="">
           <p:sp>
             <p:nvSpPr>
               <p:cNvPr id="18" name="TextBox 17">
@@ -26463,8 +26463,8 @@
           </a:fontRef>
         </p:style>
       </p:cxnSp>
-      <mc:AlternateContent xmlns:mc="http://schemas.openxmlformats.org/markup-compatibility/2006">
-        <mc:Choice xmlns:a14="http://schemas.microsoft.com/office/drawing/2010/main" Requires="a14">
+      <mc:AlternateContent xmlns:mc="http://schemas.openxmlformats.org/markup-compatibility/2006" xmlns:a14="http://schemas.microsoft.com/office/drawing/2010/main">
+        <mc:Choice Requires="a14">
           <p:sp>
             <p:nvSpPr>
               <p:cNvPr id="22" name="TextBox 21">
@@ -26493,6 +26493,7 @@
               </a:bodyPr>
               <a:lstStyle/>
               <a:p>
+                <a:pPr/>
                 <a14:m>
                   <m:oMathPara xmlns:m="http://schemas.openxmlformats.org/officeDocument/2006/math">
                     <m:oMathParaPr>
@@ -26513,7 +26514,7 @@
             </p:txBody>
           </p:sp>
         </mc:Choice>
-        <mc:Fallback>
+        <mc:Fallback xmlns="">
           <p:sp>
             <p:nvSpPr>
               <p:cNvPr id="22" name="TextBox 21">
@@ -26558,8 +26559,8 @@
           </p:sp>
         </mc:Fallback>
       </mc:AlternateContent>
-      <mc:AlternateContent xmlns:mc="http://schemas.openxmlformats.org/markup-compatibility/2006">
-        <mc:Choice xmlns:a14="http://schemas.microsoft.com/office/drawing/2010/main" Requires="a14">
+      <mc:AlternateContent xmlns:mc="http://schemas.openxmlformats.org/markup-compatibility/2006" xmlns:a14="http://schemas.microsoft.com/office/drawing/2010/main">
+        <mc:Choice Requires="a14">
           <p:sp>
             <p:nvSpPr>
               <p:cNvPr id="24" name="TextBox 23">
@@ -26588,6 +26589,7 @@
               </a:bodyPr>
               <a:lstStyle/>
               <a:p>
+                <a:pPr/>
                 <a14:m>
                   <m:oMathPara xmlns:m="http://schemas.openxmlformats.org/officeDocument/2006/math">
                     <m:oMathParaPr>
@@ -26608,7 +26610,7 @@
             </p:txBody>
           </p:sp>
         </mc:Choice>
-        <mc:Fallback>
+        <mc:Fallback xmlns="">
           <p:sp>
             <p:nvSpPr>
               <p:cNvPr id="24" name="TextBox 23">
@@ -26705,7 +26707,7 @@
         </p:nvSpPr>
         <p:spPr>
           <a:xfrm>
-            <a:off x="1215852" y="2194535"/>
+            <a:off x="835363" y="2194535"/>
             <a:ext cx="109659" cy="1116583"/>
           </a:xfrm>
           <a:prstGeom prst="leftBracket">
@@ -26735,8 +26737,8 @@
           </a:p>
         </p:txBody>
       </p:sp>
-      <mc:AlternateContent xmlns:mc="http://schemas.openxmlformats.org/markup-compatibility/2006">
-        <mc:Choice xmlns:a14="http://schemas.microsoft.com/office/drawing/2010/main" Requires="a14">
+      <mc:AlternateContent xmlns:mc="http://schemas.openxmlformats.org/markup-compatibility/2006" xmlns:a14="http://schemas.microsoft.com/office/drawing/2010/main">
+        <mc:Choice Requires="a14">
           <p:sp>
             <p:nvSpPr>
               <p:cNvPr id="28" name="TextBox 27">
@@ -26792,7 +26794,7 @@
             </p:txBody>
           </p:sp>
         </mc:Choice>
-        <mc:Fallback>
+        <mc:Fallback xmlns="">
           <p:sp>
             <p:nvSpPr>
               <p:cNvPr id="28" name="TextBox 27">
@@ -26919,8 +26921,8 @@
           </a:fontRef>
         </p:style>
       </p:cxnSp>
-      <mc:AlternateContent xmlns:mc="http://schemas.openxmlformats.org/markup-compatibility/2006">
-        <mc:Choice xmlns:a14="http://schemas.microsoft.com/office/drawing/2010/main" Requires="a14">
+      <mc:AlternateContent xmlns:mc="http://schemas.openxmlformats.org/markup-compatibility/2006" xmlns:a14="http://schemas.microsoft.com/office/drawing/2010/main">
+        <mc:Choice Requires="a14">
           <p:sp>
             <p:nvSpPr>
               <p:cNvPr id="31" name="Rectangle 30">
@@ -27050,7 +27052,7 @@
             </p:txBody>
           </p:sp>
         </mc:Choice>
-        <mc:Fallback>
+        <mc:Fallback xmlns="">
           <p:sp>
             <p:nvSpPr>
               <p:cNvPr id="31" name="Rectangle 30">
@@ -27100,8 +27102,8 @@
           </p:sp>
         </mc:Fallback>
       </mc:AlternateContent>
-      <mc:AlternateContent xmlns:mc="http://schemas.openxmlformats.org/markup-compatibility/2006">
-        <mc:Choice xmlns:a14="http://schemas.microsoft.com/office/drawing/2010/main" Requires="a14">
+      <mc:AlternateContent xmlns:mc="http://schemas.openxmlformats.org/markup-compatibility/2006" xmlns:a14="http://schemas.microsoft.com/office/drawing/2010/main">
+        <mc:Choice Requires="a14">
           <p:sp>
             <p:nvSpPr>
               <p:cNvPr id="32" name="Rectangle 31">
@@ -27231,7 +27233,7 @@
             </p:txBody>
           </p:sp>
         </mc:Choice>
-        <mc:Fallback>
+        <mc:Fallback xmlns="">
           <p:sp>
             <p:nvSpPr>
               <p:cNvPr id="32" name="Rectangle 31">
@@ -27281,8 +27283,8 @@
           </p:sp>
         </mc:Fallback>
       </mc:AlternateContent>
-      <mc:AlternateContent xmlns:mc="http://schemas.openxmlformats.org/markup-compatibility/2006">
-        <mc:Choice xmlns:a14="http://schemas.microsoft.com/office/drawing/2010/main" Requires="a14">
+      <mc:AlternateContent xmlns:mc="http://schemas.openxmlformats.org/markup-compatibility/2006" xmlns:a14="http://schemas.microsoft.com/office/drawing/2010/main">
+        <mc:Choice Requires="a14">
           <p:sp>
             <p:nvSpPr>
               <p:cNvPr id="33" name="Rectangle 32">
@@ -27412,7 +27414,7 @@
             </p:txBody>
           </p:sp>
         </mc:Choice>
-        <mc:Fallback>
+        <mc:Fallback xmlns="">
           <p:sp>
             <p:nvSpPr>
               <p:cNvPr id="33" name="Rectangle 32">
@@ -27500,8 +27502,8 @@
           </a:fontRef>
         </p:style>
       </p:cxnSp>
-      <mc:AlternateContent xmlns:mc="http://schemas.openxmlformats.org/markup-compatibility/2006">
-        <mc:Choice xmlns:a14="http://schemas.microsoft.com/office/drawing/2010/main" Requires="a14">
+      <mc:AlternateContent xmlns:mc="http://schemas.openxmlformats.org/markup-compatibility/2006" xmlns:a14="http://schemas.microsoft.com/office/drawing/2010/main">
+        <mc:Choice Requires="a14">
           <p:sp>
             <p:nvSpPr>
               <p:cNvPr id="35" name="TextBox 34">
@@ -27530,6 +27532,7 @@
               </a:bodyPr>
               <a:lstStyle/>
               <a:p>
+                <a:pPr/>
                 <a14:m>
                   <m:oMathPara xmlns:m="http://schemas.openxmlformats.org/officeDocument/2006/math">
                     <m:oMathParaPr>
@@ -27550,7 +27553,7 @@
             </p:txBody>
           </p:sp>
         </mc:Choice>
-        <mc:Fallback>
+        <mc:Fallback xmlns="">
           <p:sp>
             <p:nvSpPr>
               <p:cNvPr id="35" name="TextBox 34">
@@ -27595,8 +27598,8 @@
           </p:sp>
         </mc:Fallback>
       </mc:AlternateContent>
-      <mc:AlternateContent xmlns:mc="http://schemas.openxmlformats.org/markup-compatibility/2006">
-        <mc:Choice xmlns:a14="http://schemas.microsoft.com/office/drawing/2010/main" Requires="a14">
+      <mc:AlternateContent xmlns:mc="http://schemas.openxmlformats.org/markup-compatibility/2006" xmlns:a14="http://schemas.microsoft.com/office/drawing/2010/main">
+        <mc:Choice Requires="a14">
           <p:sp>
             <p:nvSpPr>
               <p:cNvPr id="36" name="TextBox 35">
@@ -27646,7 +27649,7 @@
             </p:txBody>
           </p:sp>
         </mc:Choice>
-        <mc:Fallback>
+        <mc:Fallback xmlns="">
           <p:sp>
             <p:nvSpPr>
               <p:cNvPr id="36" name="TextBox 35">
@@ -27705,7 +27708,7 @@
         </p:nvSpPr>
         <p:spPr>
           <a:xfrm>
-            <a:off x="1057564" y="2238845"/>
+            <a:off x="1131208" y="2238845"/>
             <a:ext cx="110836" cy="1019850"/>
           </a:xfrm>
           <a:prstGeom prst="leftBrace">
@@ -27739,8 +27742,8 @@
           </a:p>
         </p:txBody>
       </p:sp>
-      <mc:AlternateContent xmlns:mc="http://schemas.openxmlformats.org/markup-compatibility/2006">
-        <mc:Choice xmlns:a14="http://schemas.microsoft.com/office/drawing/2010/main" Requires="a14">
+      <mc:AlternateContent xmlns:mc="http://schemas.openxmlformats.org/markup-compatibility/2006" xmlns:a14="http://schemas.microsoft.com/office/drawing/2010/main">
+        <mc:Choice Requires="a14">
           <p:sp>
             <p:nvSpPr>
               <p:cNvPr id="39" name="TextBox 38">
@@ -27755,7 +27758,7 @@
             </p:nvSpPr>
             <p:spPr>
               <a:xfrm>
-                <a:off x="700633" y="2618808"/>
+                <a:off x="774277" y="2618808"/>
                 <a:ext cx="412349" cy="246221"/>
               </a:xfrm>
               <a:prstGeom prst="rect">
@@ -27796,7 +27799,7 @@
             </p:txBody>
           </p:sp>
         </mc:Choice>
-        <mc:Fallback>
+        <mc:Fallback xmlns="">
           <p:sp>
             <p:nvSpPr>
               <p:cNvPr id="39" name="TextBox 38">
@@ -27813,7 +27816,7 @@
             </p:nvSpPr>
             <p:spPr>
               <a:xfrm>
-                <a:off x="700633" y="2618808"/>
+                <a:off x="774277" y="2618808"/>
                 <a:ext cx="412349" cy="246221"/>
               </a:xfrm>
               <a:prstGeom prst="rect">
